--- a/docs/presentation.pptx
+++ b/docs/presentation.pptx
@@ -8,10 +8,10 @@
     <p:sldMasterId id="2147483734" r:id="rId7"/>
   </p:sldMasterIdLst>
   <p:notesMasterIdLst>
-    <p:notesMasterId r:id="rId23"/>
+    <p:notesMasterId r:id="rId25"/>
   </p:notesMasterIdLst>
   <p:handoutMasterIdLst>
-    <p:handoutMasterId r:id="rId24"/>
+    <p:handoutMasterId r:id="rId26"/>
   </p:handoutMasterIdLst>
   <p:sldIdLst>
     <p:sldId id="256" r:id="rId8"/>
@@ -24,11 +24,13 @@
     <p:sldId id="270" r:id="rId15"/>
     <p:sldId id="271" r:id="rId16"/>
     <p:sldId id="262" r:id="rId17"/>
-    <p:sldId id="263" r:id="rId18"/>
-    <p:sldId id="268" r:id="rId19"/>
-    <p:sldId id="265" r:id="rId20"/>
-    <p:sldId id="266" r:id="rId21"/>
-    <p:sldId id="267" r:id="rId22"/>
+    <p:sldId id="272" r:id="rId18"/>
+    <p:sldId id="263" r:id="rId19"/>
+    <p:sldId id="268" r:id="rId20"/>
+    <p:sldId id="273" r:id="rId21"/>
+    <p:sldId id="265" r:id="rId22"/>
+    <p:sldId id="266" r:id="rId23"/>
+    <p:sldId id="267" r:id="rId24"/>
   </p:sldIdLst>
   <p:sldSz cx="12192000" cy="6858000"/>
   <p:notesSz cx="6858000" cy="9144000"/>
@@ -242,7 +244,7 @@
           <a:p>
             <a:fld id="{BC00B2F0-A3B3-8A42-AF70-A28E86A1019E}" type="datetimeFigureOut">
               <a:rPr lang="en-US" smtClean="0"/>
-              <a:t>4/26/2024</a:t>
+              <a:t>5/8/2024</a:t>
             </a:fld>
             <a:endParaRPr lang="en-US"/>
           </a:p>
@@ -407,7 +409,7 @@
           <a:p>
             <a:fld id="{23A36476-076B-0846-AB30-DA38D9B78C70}" type="datetimeFigureOut">
               <a:rPr lang="en-US" smtClean="0"/>
-              <a:t>4/26/2024</a:t>
+              <a:t>5/8/2024</a:t>
             </a:fld>
             <a:endParaRPr lang="en-US"/>
           </a:p>
@@ -719,165 +721,6 @@
           <a:bodyPr/>
           <a:lstStyle/>
           <a:p>
-            <a:r>
-              <a:rPr lang="en-US" dirty="0" err="1"/>
-              <a:t>Kort</a:t>
-            </a:r>
-            <a:r>
-              <a:rPr lang="en-US" dirty="0"/>
-              <a:t> intro om </a:t>
-            </a:r>
-            <a:r>
-              <a:rPr lang="en-US" dirty="0" err="1"/>
-              <a:t>cloudflare</a:t>
-            </a:r>
-            <a:endParaRPr lang="en-US" dirty="0"/>
-          </a:p>
-          <a:p>
-            <a:r>
-              <a:rPr lang="en-US" dirty="0"/>
-              <a:t> </a:t>
-            </a:r>
-            <a:r>
-              <a:rPr lang="en-US" dirty="0" err="1"/>
-              <a:t>Kända</a:t>
-            </a:r>
-            <a:r>
-              <a:rPr lang="en-US" dirty="0"/>
-              <a:t> för CDN, </a:t>
-            </a:r>
-            <a:r>
-              <a:rPr lang="en-US" dirty="0" err="1"/>
-              <a:t>säkerhetsgrejer</a:t>
-            </a:r>
-            <a:r>
-              <a:rPr lang="en-US" dirty="0"/>
-              <a:t>, DDOS-protection…</a:t>
-            </a:r>
-          </a:p>
-          <a:p>
-            <a:r>
-              <a:rPr lang="en-US" dirty="0"/>
-              <a:t>Men </a:t>
-            </a:r>
-            <a:r>
-              <a:rPr lang="en-US" dirty="0" err="1"/>
-              <a:t>dom</a:t>
-            </a:r>
-            <a:r>
-              <a:rPr lang="en-US" dirty="0"/>
-              <a:t> </a:t>
-            </a:r>
-            <a:r>
-              <a:rPr lang="en-US" dirty="0" err="1"/>
-              <a:t>har</a:t>
-            </a:r>
-            <a:r>
-              <a:rPr lang="en-US" dirty="0"/>
-              <a:t> </a:t>
-            </a:r>
-            <a:r>
-              <a:rPr lang="en-US" dirty="0" err="1"/>
-              <a:t>även</a:t>
-            </a:r>
-            <a:r>
-              <a:rPr lang="en-US" dirty="0"/>
-              <a:t> </a:t>
-            </a:r>
-            <a:r>
-              <a:rPr lang="en-US" dirty="0" err="1"/>
-              <a:t>ett</a:t>
-            </a:r>
-            <a:r>
-              <a:rPr lang="en-US" dirty="0"/>
-              <a:t> </a:t>
-            </a:r>
-            <a:r>
-              <a:rPr lang="en-US" dirty="0" err="1"/>
-              <a:t>molnerbjudande</a:t>
-            </a:r>
-            <a:r>
-              <a:rPr lang="en-US" dirty="0"/>
-              <a:t>!</a:t>
-            </a:r>
-          </a:p>
-          <a:p>
-            <a:endParaRPr lang="en-US" dirty="0"/>
-          </a:p>
-          <a:p>
-            <a:r>
-              <a:rPr lang="en-US" dirty="0"/>
-              <a:t>+- </a:t>
-            </a:r>
-            <a:r>
-              <a:rPr lang="en-US" dirty="0" err="1"/>
-              <a:t>Allt</a:t>
-            </a:r>
-            <a:r>
-              <a:rPr lang="en-US" dirty="0"/>
-              <a:t> </a:t>
-            </a:r>
-            <a:r>
-              <a:rPr lang="en-US" dirty="0" err="1"/>
-              <a:t>är</a:t>
-            </a:r>
-            <a:r>
-              <a:rPr lang="en-US" dirty="0"/>
-              <a:t> “managed”</a:t>
-            </a:r>
-          </a:p>
-          <a:p>
-            <a:r>
-              <a:rPr lang="en-US" dirty="0"/>
-              <a:t>+ </a:t>
-            </a:r>
-            <a:r>
-              <a:rPr lang="en-US" dirty="0" err="1"/>
-              <a:t>Billigare</a:t>
-            </a:r>
-            <a:endParaRPr lang="en-US" dirty="0"/>
-          </a:p>
-          <a:p>
-            <a:r>
-              <a:rPr lang="en-US" dirty="0"/>
-              <a:t>- </a:t>
-            </a:r>
-            <a:r>
-              <a:rPr lang="en-US" dirty="0" err="1"/>
-              <a:t>Smalare</a:t>
-            </a:r>
-            <a:r>
-              <a:rPr lang="en-US" dirty="0"/>
-              <a:t> </a:t>
-            </a:r>
-            <a:r>
-              <a:rPr lang="en-US" dirty="0" err="1"/>
-              <a:t>utbud</a:t>
-            </a:r>
-            <a:r>
-              <a:rPr lang="en-US" dirty="0"/>
-              <a:t>, </a:t>
-            </a:r>
-            <a:r>
-              <a:rPr lang="en-US" dirty="0" err="1"/>
-              <a:t>ingen</a:t>
-            </a:r>
-            <a:r>
-              <a:rPr lang="en-US" dirty="0"/>
-              <a:t> </a:t>
-            </a:r>
-            <a:r>
-              <a:rPr lang="en-US" dirty="0" err="1"/>
-              <a:t>egen</a:t>
-            </a:r>
-            <a:r>
-              <a:rPr lang="en-US" dirty="0"/>
-              <a:t> auth-</a:t>
-            </a:r>
-            <a:r>
-              <a:rPr lang="en-US" dirty="0" err="1"/>
-              <a:t>lösning</a:t>
-            </a:r>
             <a:endParaRPr lang="en-SE" dirty="0"/>
           </a:p>
         </p:txBody>
@@ -899,7 +742,7 @@
           <a:p>
             <a:fld id="{2ECA3C8B-6150-4A40-994F-9B940BFC5C57}" type="slidenum">
               <a:rPr lang="en-US" smtClean="0"/>
-              <a:t>2</a:t>
+              <a:t>1</a:t>
             </a:fld>
             <a:endParaRPr lang="en-US"/>
           </a:p>
@@ -908,7 +751,841 @@
     </p:spTree>
     <p:extLst>
       <p:ext uri="{BB962C8B-B14F-4D97-AF65-F5344CB8AC3E}">
-        <p14:creationId xmlns:p14="http://schemas.microsoft.com/office/powerpoint/2010/main" val="2748639332"/>
+        <p14:creationId xmlns:p14="http://schemas.microsoft.com/office/powerpoint/2010/main" val="724850214"/>
+      </p:ext>
+    </p:extLst>
+  </p:cSld>
+  <p:clrMapOvr>
+    <a:masterClrMapping/>
+  </p:clrMapOvr>
+</p:notes>
+</file>
+
+<file path=ppt/notesSlides/notesSlide10.xml><?xml version="1.0" encoding="utf-8"?>
+<p:notes xmlns:a="http://schemas.openxmlformats.org/drawingml/2006/main" xmlns:r="http://schemas.openxmlformats.org/officeDocument/2006/relationships" xmlns:p="http://schemas.openxmlformats.org/presentationml/2006/main">
+  <p:cSld>
+    <p:spTree>
+      <p:nvGrpSpPr>
+        <p:cNvPr id="1" name=""/>
+        <p:cNvGrpSpPr/>
+        <p:nvPr/>
+      </p:nvGrpSpPr>
+      <p:grpSpPr>
+        <a:xfrm>
+          <a:off x="0" y="0"/>
+          <a:ext cx="0" cy="0"/>
+          <a:chOff x="0" y="0"/>
+          <a:chExt cx="0" cy="0"/>
+        </a:xfrm>
+      </p:grpSpPr>
+      <p:sp>
+        <p:nvSpPr>
+          <p:cNvPr id="2" name="Slide Image Placeholder 1"/>
+          <p:cNvSpPr>
+            <a:spLocks noGrp="1" noRot="1" noChangeAspect="1"/>
+          </p:cNvSpPr>
+          <p:nvPr>
+            <p:ph type="sldImg"/>
+          </p:nvPr>
+        </p:nvSpPr>
+        <p:spPr/>
+      </p:sp>
+      <p:sp>
+        <p:nvSpPr>
+          <p:cNvPr id="3" name="Notes Placeholder 2"/>
+          <p:cNvSpPr>
+            <a:spLocks noGrp="1"/>
+          </p:cNvSpPr>
+          <p:nvPr>
+            <p:ph type="body" idx="1"/>
+          </p:nvPr>
+        </p:nvSpPr>
+        <p:spPr/>
+        <p:txBody>
+          <a:bodyPr/>
+          <a:lstStyle/>
+          <a:p>
+            <a:r>
+              <a:rPr lang="en-US" dirty="0"/>
+              <a:t>- </a:t>
+            </a:r>
+            <a:r>
+              <a:rPr lang="en-US" dirty="0" err="1"/>
+              <a:t>Billigare</a:t>
+            </a:r>
+            <a:endParaRPr lang="en-US" dirty="0"/>
+          </a:p>
+          <a:p>
+            <a:r>
+              <a:rPr lang="en-US" dirty="0"/>
+              <a:t>  - </a:t>
+            </a:r>
+            <a:r>
+              <a:rPr lang="en-US" dirty="0" err="1"/>
+              <a:t>Återkommande</a:t>
+            </a:r>
+            <a:r>
+              <a:rPr lang="en-US" dirty="0"/>
+              <a:t> </a:t>
+            </a:r>
+            <a:r>
+              <a:rPr lang="en-US" dirty="0" err="1"/>
+              <a:t>på</a:t>
+            </a:r>
+            <a:r>
+              <a:rPr lang="en-US" dirty="0"/>
+              <a:t> I </a:t>
+            </a:r>
+            <a:r>
+              <a:rPr lang="en-US" dirty="0" err="1"/>
+              <a:t>stort</a:t>
+            </a:r>
+            <a:r>
+              <a:rPr lang="en-US" dirty="0"/>
+              <a:t> sett </a:t>
+            </a:r>
+            <a:r>
+              <a:rPr lang="en-US" dirty="0" err="1"/>
+              <a:t>varje</a:t>
+            </a:r>
+            <a:r>
+              <a:rPr lang="en-US" dirty="0"/>
+              <a:t> </a:t>
+            </a:r>
+            <a:r>
+              <a:rPr lang="en-US" dirty="0" err="1"/>
+              <a:t>produktsida</a:t>
+            </a:r>
+            <a:r>
+              <a:rPr lang="en-US" dirty="0"/>
+              <a:t> – </a:t>
+            </a:r>
+            <a:r>
+              <a:rPr lang="en-US" dirty="0" err="1"/>
+              <a:t>dom</a:t>
+            </a:r>
+            <a:r>
+              <a:rPr lang="en-US" dirty="0"/>
+              <a:t> </a:t>
+            </a:r>
+            <a:r>
+              <a:rPr lang="en-US" dirty="0" err="1"/>
+              <a:t>pushar</a:t>
+            </a:r>
+            <a:r>
+              <a:rPr lang="en-US" dirty="0"/>
+              <a:t> </a:t>
+            </a:r>
+            <a:r>
+              <a:rPr lang="en-US" dirty="0" err="1"/>
+              <a:t>alltid</a:t>
+            </a:r>
+            <a:r>
+              <a:rPr lang="en-US" dirty="0"/>
+              <a:t> för </a:t>
+            </a:r>
+            <a:r>
+              <a:rPr lang="en-US" dirty="0" err="1"/>
+              <a:t>sina</a:t>
+            </a:r>
+            <a:r>
+              <a:rPr lang="en-US" dirty="0"/>
+              <a:t> </a:t>
+            </a:r>
+            <a:r>
+              <a:rPr lang="en-US" dirty="0" err="1"/>
+              <a:t>billigare</a:t>
+            </a:r>
+            <a:r>
+              <a:rPr lang="en-US" dirty="0"/>
+              <a:t>, </a:t>
+            </a:r>
+            <a:r>
+              <a:rPr lang="en-US" dirty="0" err="1"/>
+              <a:t>mer</a:t>
+            </a:r>
+            <a:r>
+              <a:rPr lang="en-US" dirty="0"/>
+              <a:t> </a:t>
+            </a:r>
+            <a:r>
+              <a:rPr lang="en-US" dirty="0" err="1"/>
+              <a:t>förutsägbara</a:t>
+            </a:r>
+            <a:r>
+              <a:rPr lang="en-US" dirty="0"/>
+              <a:t> </a:t>
+            </a:r>
+            <a:r>
+              <a:rPr lang="en-US" dirty="0" err="1"/>
+              <a:t>prissättningar</a:t>
+            </a:r>
+            <a:endParaRPr lang="en-US" dirty="0"/>
+          </a:p>
+          <a:p>
+            <a:r>
+              <a:rPr lang="en-US" dirty="0"/>
+              <a:t>  - Inga egress fee </a:t>
+            </a:r>
+            <a:r>
+              <a:rPr lang="en-US" dirty="0" err="1"/>
+              <a:t>på</a:t>
+            </a:r>
+            <a:r>
+              <a:rPr lang="en-US" dirty="0"/>
+              <a:t> object storage (R2)</a:t>
+            </a:r>
+          </a:p>
+          <a:p>
+            <a:r>
+              <a:rPr lang="en-US" dirty="0"/>
+              <a:t>  - </a:t>
+            </a:r>
+            <a:r>
+              <a:rPr lang="en-US" dirty="0" err="1"/>
+              <a:t>Betala</a:t>
+            </a:r>
+            <a:r>
+              <a:rPr lang="en-US" dirty="0"/>
+              <a:t> </a:t>
+            </a:r>
+            <a:r>
+              <a:rPr lang="en-US" dirty="0" err="1"/>
+              <a:t>endast</a:t>
+            </a:r>
+            <a:r>
+              <a:rPr lang="en-US" dirty="0"/>
+              <a:t> för CPU time (</a:t>
+            </a:r>
+            <a:r>
+              <a:rPr lang="en-US" dirty="0" err="1"/>
+              <a:t>att</a:t>
+            </a:r>
+            <a:r>
+              <a:rPr lang="en-US" dirty="0"/>
+              <a:t> </a:t>
+            </a:r>
+            <a:r>
+              <a:rPr lang="en-US" dirty="0" err="1"/>
+              <a:t>vänta</a:t>
+            </a:r>
+            <a:r>
+              <a:rPr lang="en-US" dirty="0"/>
+              <a:t> </a:t>
+            </a:r>
+            <a:r>
+              <a:rPr lang="en-US" dirty="0" err="1"/>
+              <a:t>på</a:t>
+            </a:r>
+            <a:r>
+              <a:rPr lang="en-US" dirty="0"/>
+              <a:t> IO </a:t>
+            </a:r>
+            <a:r>
+              <a:rPr lang="en-US" dirty="0" err="1"/>
+              <a:t>kostar</a:t>
+            </a:r>
+            <a:r>
+              <a:rPr lang="en-US" dirty="0"/>
+              <a:t> </a:t>
+            </a:r>
+            <a:r>
+              <a:rPr lang="en-US" dirty="0" err="1"/>
+              <a:t>inget</a:t>
+            </a:r>
+            <a:r>
+              <a:rPr lang="en-US" dirty="0"/>
+              <a:t>)</a:t>
+            </a:r>
+          </a:p>
+          <a:p>
+            <a:r>
+              <a:rPr lang="en-US" dirty="0"/>
+              <a:t>- Inga cold starts</a:t>
+            </a:r>
+          </a:p>
+          <a:p>
+            <a:pPr marL="0" marR="0" lvl="0" indent="0" algn="l" defTabSz="457200" rtl="0" eaLnBrk="1" fontAlgn="auto" latinLnBrk="0" hangingPunct="1">
+              <a:lnSpc>
+                <a:spcPct val="100000"/>
+              </a:lnSpc>
+              <a:spcBef>
+                <a:spcPts val="0"/>
+              </a:spcBef>
+              <a:spcAft>
+                <a:spcPts val="0"/>
+              </a:spcAft>
+              <a:buClrTx/>
+              <a:buSzTx/>
+              <a:buFontTx/>
+              <a:buNone/>
+              <a:tabLst/>
+              <a:defRPr/>
+            </a:pPr>
+            <a:r>
+              <a:rPr lang="en-US" dirty="0"/>
+              <a:t>+- </a:t>
+            </a:r>
+            <a:r>
+              <a:rPr lang="en-US" dirty="0" err="1"/>
+              <a:t>Allt</a:t>
+            </a:r>
+            <a:r>
+              <a:rPr lang="en-US" dirty="0"/>
+              <a:t> </a:t>
+            </a:r>
+            <a:r>
+              <a:rPr lang="en-US" dirty="0" err="1"/>
+              <a:t>är</a:t>
+            </a:r>
+            <a:r>
+              <a:rPr lang="en-US" dirty="0"/>
+              <a:t> “managed”</a:t>
+            </a:r>
+          </a:p>
+          <a:p>
+            <a:pPr marL="0" marR="0" lvl="0" indent="0" algn="l" defTabSz="457200" rtl="0" eaLnBrk="1" fontAlgn="auto" latinLnBrk="0" hangingPunct="1">
+              <a:lnSpc>
+                <a:spcPct val="100000"/>
+              </a:lnSpc>
+              <a:spcBef>
+                <a:spcPts val="0"/>
+              </a:spcBef>
+              <a:spcAft>
+                <a:spcPts val="0"/>
+              </a:spcAft>
+              <a:buClrTx/>
+              <a:buSzTx/>
+              <a:buFontTx/>
+              <a:buNone/>
+              <a:tabLst/>
+              <a:defRPr/>
+            </a:pPr>
+            <a:r>
+              <a:rPr lang="en-US" dirty="0"/>
+              <a:t>  - Man </a:t>
+            </a:r>
+            <a:r>
+              <a:rPr lang="en-US" dirty="0" err="1"/>
+              <a:t>behöver</a:t>
+            </a:r>
+            <a:r>
+              <a:rPr lang="en-US" dirty="0"/>
+              <a:t> </a:t>
+            </a:r>
+            <a:r>
+              <a:rPr lang="en-US" dirty="0" err="1"/>
+              <a:t>inte</a:t>
+            </a:r>
+            <a:r>
+              <a:rPr lang="en-US" dirty="0"/>
+              <a:t> </a:t>
+            </a:r>
+            <a:r>
+              <a:rPr lang="en-US" dirty="0" err="1"/>
+              <a:t>tänka</a:t>
+            </a:r>
+            <a:r>
+              <a:rPr lang="en-US" dirty="0"/>
+              <a:t> </a:t>
+            </a:r>
+            <a:r>
+              <a:rPr lang="en-US" dirty="0" err="1"/>
+              <a:t>på</a:t>
+            </a:r>
+            <a:r>
+              <a:rPr lang="en-US" dirty="0"/>
+              <a:t> </a:t>
+            </a:r>
+            <a:r>
+              <a:rPr lang="en-US" dirty="0" err="1"/>
+              <a:t>regioner</a:t>
+            </a:r>
+            <a:r>
+              <a:rPr lang="en-US" dirty="0"/>
+              <a:t> </a:t>
+            </a:r>
+            <a:r>
+              <a:rPr lang="en-US" dirty="0" err="1"/>
+              <a:t>eller</a:t>
+            </a:r>
+            <a:r>
+              <a:rPr lang="en-US" dirty="0"/>
+              <a:t> availability zones</a:t>
+            </a:r>
+          </a:p>
+          <a:p>
+            <a:pPr marL="0" marR="0" lvl="0" indent="0" algn="l" defTabSz="457200" rtl="0" eaLnBrk="1" fontAlgn="auto" latinLnBrk="0" hangingPunct="1">
+              <a:lnSpc>
+                <a:spcPct val="100000"/>
+              </a:lnSpc>
+              <a:spcBef>
+                <a:spcPts val="0"/>
+              </a:spcBef>
+              <a:spcAft>
+                <a:spcPts val="0"/>
+              </a:spcAft>
+              <a:buClrTx/>
+              <a:buSzTx/>
+              <a:buFontTx/>
+              <a:buNone/>
+              <a:tabLst/>
+              <a:defRPr/>
+            </a:pPr>
+            <a:r>
+              <a:rPr lang="en-US" dirty="0"/>
+              <a:t>  </a:t>
+            </a:r>
+          </a:p>
+          <a:p>
+            <a:endParaRPr lang="en-SE" dirty="0"/>
+          </a:p>
+        </p:txBody>
+      </p:sp>
+      <p:sp>
+        <p:nvSpPr>
+          <p:cNvPr id="4" name="Slide Number Placeholder 3"/>
+          <p:cNvSpPr>
+            <a:spLocks noGrp="1"/>
+          </p:cNvSpPr>
+          <p:nvPr>
+            <p:ph type="sldNum" sz="quarter" idx="5"/>
+          </p:nvPr>
+        </p:nvSpPr>
+        <p:spPr/>
+        <p:txBody>
+          <a:bodyPr/>
+          <a:lstStyle/>
+          <a:p>
+            <a:fld id="{2ECA3C8B-6150-4A40-994F-9B940BFC5C57}" type="slidenum">
+              <a:rPr lang="en-US" smtClean="0"/>
+              <a:t>12</a:t>
+            </a:fld>
+            <a:endParaRPr lang="en-US"/>
+          </a:p>
+        </p:txBody>
+      </p:sp>
+    </p:spTree>
+    <p:extLst>
+      <p:ext uri="{BB962C8B-B14F-4D97-AF65-F5344CB8AC3E}">
+        <p14:creationId xmlns:p14="http://schemas.microsoft.com/office/powerpoint/2010/main" val="1892252969"/>
+      </p:ext>
+    </p:extLst>
+  </p:cSld>
+  <p:clrMapOvr>
+    <a:masterClrMapping/>
+  </p:clrMapOvr>
+</p:notes>
+</file>
+
+<file path=ppt/notesSlides/notesSlide11.xml><?xml version="1.0" encoding="utf-8"?>
+<p:notes xmlns:a="http://schemas.openxmlformats.org/drawingml/2006/main" xmlns:r="http://schemas.openxmlformats.org/officeDocument/2006/relationships" xmlns:p="http://schemas.openxmlformats.org/presentationml/2006/main">
+  <p:cSld>
+    <p:spTree>
+      <p:nvGrpSpPr>
+        <p:cNvPr id="1" name=""/>
+        <p:cNvGrpSpPr/>
+        <p:nvPr/>
+      </p:nvGrpSpPr>
+      <p:grpSpPr>
+        <a:xfrm>
+          <a:off x="0" y="0"/>
+          <a:ext cx="0" cy="0"/>
+          <a:chOff x="0" y="0"/>
+          <a:chExt cx="0" cy="0"/>
+        </a:xfrm>
+      </p:grpSpPr>
+      <p:sp>
+        <p:nvSpPr>
+          <p:cNvPr id="2" name="Slide Image Placeholder 1"/>
+          <p:cNvSpPr>
+            <a:spLocks noGrp="1" noRot="1" noChangeAspect="1"/>
+          </p:cNvSpPr>
+          <p:nvPr>
+            <p:ph type="sldImg"/>
+          </p:nvPr>
+        </p:nvSpPr>
+        <p:spPr/>
+      </p:sp>
+      <p:sp>
+        <p:nvSpPr>
+          <p:cNvPr id="3" name="Notes Placeholder 2"/>
+          <p:cNvSpPr>
+            <a:spLocks noGrp="1"/>
+          </p:cNvSpPr>
+          <p:nvPr>
+            <p:ph type="body" idx="1"/>
+          </p:nvPr>
+        </p:nvSpPr>
+        <p:spPr/>
+        <p:txBody>
+          <a:bodyPr/>
+          <a:lstStyle/>
+          <a:p>
+            <a:pPr marL="0" marR="0" lvl="0" indent="0" algn="l" defTabSz="457200" rtl="0" eaLnBrk="1" fontAlgn="auto" latinLnBrk="0" hangingPunct="1">
+              <a:lnSpc>
+                <a:spcPct val="100000"/>
+              </a:lnSpc>
+              <a:spcBef>
+                <a:spcPts val="0"/>
+              </a:spcBef>
+              <a:spcAft>
+                <a:spcPts val="0"/>
+              </a:spcAft>
+              <a:buClrTx/>
+              <a:buSzTx/>
+              <a:buFontTx/>
+              <a:buNone/>
+              <a:tabLst/>
+              <a:defRPr/>
+            </a:pPr>
+            <a:r>
+              <a:rPr lang="en-US" dirty="0"/>
+              <a:t>- </a:t>
+            </a:r>
+            <a:r>
+              <a:rPr lang="en-US" dirty="0" err="1"/>
+              <a:t>Ökar</a:t>
+            </a:r>
+            <a:r>
+              <a:rPr lang="en-US" dirty="0"/>
+              <a:t> vendor lock-in, </a:t>
+            </a:r>
+            <a:r>
+              <a:rPr lang="en-US" dirty="0" err="1"/>
+              <a:t>svårare</a:t>
+            </a:r>
+            <a:r>
+              <a:rPr lang="en-US" dirty="0"/>
+              <a:t> </a:t>
+            </a:r>
+            <a:r>
+              <a:rPr lang="en-US" dirty="0" err="1"/>
+              <a:t>att</a:t>
+            </a:r>
+            <a:r>
+              <a:rPr lang="en-US" dirty="0"/>
+              <a:t> </a:t>
+            </a:r>
+            <a:r>
+              <a:rPr lang="en-US" dirty="0" err="1"/>
+              <a:t>flytta</a:t>
+            </a:r>
+            <a:r>
+              <a:rPr lang="en-US" dirty="0"/>
+              <a:t> </a:t>
+            </a:r>
+            <a:r>
+              <a:rPr lang="en-US" dirty="0" err="1"/>
+              <a:t>från</a:t>
+            </a:r>
+            <a:r>
+              <a:rPr lang="en-US" dirty="0"/>
+              <a:t> </a:t>
+            </a:r>
+            <a:r>
+              <a:rPr lang="en-US" dirty="0" err="1"/>
+              <a:t>molnet</a:t>
+            </a:r>
+            <a:endParaRPr lang="en-US" dirty="0"/>
+          </a:p>
+          <a:p>
+            <a:pPr marL="0" marR="0" lvl="0" indent="0" algn="l" defTabSz="457200" rtl="0" eaLnBrk="1" fontAlgn="auto" latinLnBrk="0" hangingPunct="1">
+              <a:lnSpc>
+                <a:spcPct val="100000"/>
+              </a:lnSpc>
+              <a:spcBef>
+                <a:spcPts val="0"/>
+              </a:spcBef>
+              <a:spcAft>
+                <a:spcPts val="0"/>
+              </a:spcAft>
+              <a:buClrTx/>
+              <a:buSzTx/>
+              <a:buFontTx/>
+              <a:buNone/>
+              <a:tabLst/>
+              <a:defRPr/>
+            </a:pPr>
+            <a:r>
+              <a:rPr lang="en-US" dirty="0"/>
+              <a:t>  - Worker runtime </a:t>
+            </a:r>
+            <a:r>
+              <a:rPr lang="en-US" dirty="0" err="1"/>
+              <a:t>är</a:t>
+            </a:r>
+            <a:r>
+              <a:rPr lang="en-US" dirty="0"/>
+              <a:t> dock open source </a:t>
+            </a:r>
+            <a:r>
+              <a:rPr lang="en-US" dirty="0" err="1"/>
+              <a:t>så</a:t>
+            </a:r>
+            <a:r>
+              <a:rPr lang="en-US" dirty="0"/>
+              <a:t> det </a:t>
+            </a:r>
+            <a:r>
+              <a:rPr lang="en-US" dirty="0" err="1"/>
+              <a:t>går</a:t>
+            </a:r>
+            <a:r>
+              <a:rPr lang="en-US" dirty="0"/>
+              <a:t> I </a:t>
+            </a:r>
+            <a:r>
+              <a:rPr lang="en-US" dirty="0" err="1"/>
+              <a:t>teorin</a:t>
+            </a:r>
+            <a:r>
+              <a:rPr lang="en-US" dirty="0"/>
+              <a:t> </a:t>
+            </a:r>
+            <a:r>
+              <a:rPr lang="en-US" dirty="0" err="1"/>
+              <a:t>att</a:t>
+            </a:r>
+            <a:r>
+              <a:rPr lang="en-US" dirty="0"/>
+              <a:t> </a:t>
+            </a:r>
+            <a:r>
+              <a:rPr lang="en-US" dirty="0" err="1"/>
+              <a:t>köra</a:t>
+            </a:r>
+            <a:r>
+              <a:rPr lang="en-US" dirty="0"/>
+              <a:t> </a:t>
+            </a:r>
+            <a:r>
+              <a:rPr lang="en-US" dirty="0" err="1"/>
+              <a:t>själv</a:t>
+            </a:r>
+            <a:endParaRPr lang="en-US" dirty="0"/>
+          </a:p>
+          <a:p>
+            <a:pPr marL="0" marR="0" lvl="0" indent="0" algn="l" defTabSz="457200" rtl="0" eaLnBrk="1" fontAlgn="auto" latinLnBrk="0" hangingPunct="1">
+              <a:lnSpc>
+                <a:spcPct val="100000"/>
+              </a:lnSpc>
+              <a:spcBef>
+                <a:spcPts val="0"/>
+              </a:spcBef>
+              <a:spcAft>
+                <a:spcPts val="0"/>
+              </a:spcAft>
+              <a:buClrTx/>
+              <a:buSzTx/>
+              <a:buFontTx/>
+              <a:buNone/>
+              <a:tabLst/>
+              <a:defRPr/>
+            </a:pPr>
+            <a:r>
+              <a:rPr lang="en-US" dirty="0"/>
+              <a:t>- </a:t>
+            </a:r>
+            <a:r>
+              <a:rPr lang="en-US" dirty="0" err="1"/>
+              <a:t>Smalare</a:t>
+            </a:r>
+            <a:r>
+              <a:rPr lang="en-US" dirty="0"/>
+              <a:t> </a:t>
+            </a:r>
+            <a:r>
+              <a:rPr lang="en-US" dirty="0" err="1"/>
+              <a:t>utbud</a:t>
+            </a:r>
+            <a:r>
+              <a:rPr lang="en-US" dirty="0"/>
+              <a:t>, </a:t>
+            </a:r>
+            <a:r>
+              <a:rPr lang="en-US" dirty="0" err="1"/>
+              <a:t>ingen</a:t>
+            </a:r>
+            <a:r>
+              <a:rPr lang="en-US" dirty="0"/>
+              <a:t> </a:t>
+            </a:r>
+            <a:r>
+              <a:rPr lang="en-US" dirty="0" err="1"/>
+              <a:t>egen</a:t>
+            </a:r>
+            <a:r>
+              <a:rPr lang="en-US" dirty="0"/>
+              <a:t> auth-</a:t>
+            </a:r>
+            <a:r>
+              <a:rPr lang="en-US" dirty="0" err="1"/>
+              <a:t>lösning</a:t>
+            </a:r>
+            <a:endParaRPr lang="en-SE" dirty="0"/>
+          </a:p>
+          <a:p>
+            <a:r>
+              <a:rPr lang="en-US" dirty="0"/>
+              <a:t>- Ingen </a:t>
+            </a:r>
+            <a:r>
+              <a:rPr lang="en-US" dirty="0" err="1"/>
+              <a:t>stor</a:t>
+            </a:r>
+            <a:r>
+              <a:rPr lang="en-US" dirty="0"/>
+              <a:t> </a:t>
+            </a:r>
+            <a:r>
+              <a:rPr lang="en-US" dirty="0" err="1"/>
+              <a:t>spelare</a:t>
+            </a:r>
+            <a:r>
+              <a:rPr lang="en-US" dirty="0"/>
+              <a:t> </a:t>
+            </a:r>
+            <a:r>
+              <a:rPr lang="en-US" dirty="0" err="1"/>
+              <a:t>inom</a:t>
+            </a:r>
+            <a:r>
+              <a:rPr lang="en-US" dirty="0"/>
+              <a:t> just cloud</a:t>
+            </a:r>
+            <a:endParaRPr lang="en-SE" dirty="0"/>
+          </a:p>
+        </p:txBody>
+      </p:sp>
+      <p:sp>
+        <p:nvSpPr>
+          <p:cNvPr id="4" name="Slide Number Placeholder 3"/>
+          <p:cNvSpPr>
+            <a:spLocks noGrp="1"/>
+          </p:cNvSpPr>
+          <p:nvPr>
+            <p:ph type="sldNum" sz="quarter" idx="5"/>
+          </p:nvPr>
+        </p:nvSpPr>
+        <p:spPr/>
+        <p:txBody>
+          <a:bodyPr/>
+          <a:lstStyle/>
+          <a:p>
+            <a:fld id="{2ECA3C8B-6150-4A40-994F-9B940BFC5C57}" type="slidenum">
+              <a:rPr lang="en-US" smtClean="0"/>
+              <a:t>13</a:t>
+            </a:fld>
+            <a:endParaRPr lang="en-US"/>
+          </a:p>
+        </p:txBody>
+      </p:sp>
+    </p:spTree>
+    <p:extLst>
+      <p:ext uri="{BB962C8B-B14F-4D97-AF65-F5344CB8AC3E}">
+        <p14:creationId xmlns:p14="http://schemas.microsoft.com/office/powerpoint/2010/main" val="3288482733"/>
+      </p:ext>
+    </p:extLst>
+  </p:cSld>
+  <p:clrMapOvr>
+    <a:masterClrMapping/>
+  </p:clrMapOvr>
+</p:notes>
+</file>
+
+<file path=ppt/notesSlides/notesSlide12.xml><?xml version="1.0" encoding="utf-8"?>
+<p:notes xmlns:a="http://schemas.openxmlformats.org/drawingml/2006/main" xmlns:r="http://schemas.openxmlformats.org/officeDocument/2006/relationships" xmlns:p="http://schemas.openxmlformats.org/presentationml/2006/main">
+  <p:cSld>
+    <p:spTree>
+      <p:nvGrpSpPr>
+        <p:cNvPr id="1" name=""/>
+        <p:cNvGrpSpPr/>
+        <p:nvPr/>
+      </p:nvGrpSpPr>
+      <p:grpSpPr>
+        <a:xfrm>
+          <a:off x="0" y="0"/>
+          <a:ext cx="0" cy="0"/>
+          <a:chOff x="0" y="0"/>
+          <a:chExt cx="0" cy="0"/>
+        </a:xfrm>
+      </p:grpSpPr>
+      <p:sp>
+        <p:nvSpPr>
+          <p:cNvPr id="2" name="Slide Image Placeholder 1"/>
+          <p:cNvSpPr>
+            <a:spLocks noGrp="1" noRot="1" noChangeAspect="1"/>
+          </p:cNvSpPr>
+          <p:nvPr>
+            <p:ph type="sldImg"/>
+          </p:nvPr>
+        </p:nvSpPr>
+        <p:spPr/>
+      </p:sp>
+      <p:sp>
+        <p:nvSpPr>
+          <p:cNvPr id="3" name="Notes Placeholder 2"/>
+          <p:cNvSpPr>
+            <a:spLocks noGrp="1"/>
+          </p:cNvSpPr>
+          <p:nvPr>
+            <p:ph type="body" idx="1"/>
+          </p:nvPr>
+        </p:nvSpPr>
+        <p:spPr/>
+        <p:txBody>
+          <a:bodyPr/>
+          <a:lstStyle/>
+          <a:p>
+            <a:pPr marL="0" marR="0" lvl="0" indent="0" algn="l" defTabSz="457200" rtl="0" eaLnBrk="1" fontAlgn="auto" latinLnBrk="0" hangingPunct="1">
+              <a:lnSpc>
+                <a:spcPct val="100000"/>
+              </a:lnSpc>
+              <a:spcBef>
+                <a:spcPts val="0"/>
+              </a:spcBef>
+              <a:spcAft>
+                <a:spcPts val="0"/>
+              </a:spcAft>
+              <a:buClrTx/>
+              <a:buSzTx/>
+              <a:buFontTx/>
+              <a:buNone/>
+              <a:tabLst/>
+              <a:defRPr/>
+            </a:pPr>
+            <a:endParaRPr lang="en-SE" dirty="0"/>
+          </a:p>
+        </p:txBody>
+      </p:sp>
+      <p:sp>
+        <p:nvSpPr>
+          <p:cNvPr id="4" name="Slide Number Placeholder 3"/>
+          <p:cNvSpPr>
+            <a:spLocks noGrp="1"/>
+          </p:cNvSpPr>
+          <p:nvPr>
+            <p:ph type="sldNum" sz="quarter" idx="5"/>
+          </p:nvPr>
+        </p:nvSpPr>
+        <p:spPr/>
+        <p:txBody>
+          <a:bodyPr/>
+          <a:lstStyle/>
+          <a:p>
+            <a:fld id="{2ECA3C8B-6150-4A40-994F-9B940BFC5C57}" type="slidenum">
+              <a:rPr lang="en-US" smtClean="0"/>
+              <a:t>14</a:t>
+            </a:fld>
+            <a:endParaRPr lang="en-US"/>
+          </a:p>
+        </p:txBody>
+      </p:sp>
+    </p:spTree>
+    <p:extLst>
+      <p:ext uri="{BB962C8B-B14F-4D97-AF65-F5344CB8AC3E}">
+        <p14:creationId xmlns:p14="http://schemas.microsoft.com/office/powerpoint/2010/main" val="3997863909"/>
       </p:ext>
     </p:extLst>
   </p:cSld>
@@ -983,7 +1660,7 @@
           <a:p>
             <a:fld id="{2ECA3C8B-6150-4A40-994F-9B940BFC5C57}" type="slidenum">
               <a:rPr lang="en-US" smtClean="0"/>
-              <a:t>3</a:t>
+              <a:t>2</a:t>
             </a:fld>
             <a:endParaRPr lang="en-US"/>
           </a:p>
@@ -992,7 +1669,7 @@
     </p:spTree>
     <p:extLst>
       <p:ext uri="{BB962C8B-B14F-4D97-AF65-F5344CB8AC3E}">
-        <p14:creationId xmlns:p14="http://schemas.microsoft.com/office/powerpoint/2010/main" val="4216081129"/>
+        <p14:creationId xmlns:p14="http://schemas.microsoft.com/office/powerpoint/2010/main" val="2748639332"/>
       </p:ext>
     </p:extLst>
   </p:cSld>
@@ -1047,526 +1724,272 @@
           <a:lstStyle/>
           <a:p>
             <a:r>
-              <a:rPr lang="en-US" b="0" dirty="0">
-                <a:solidFill>
-                  <a:srgbClr val="A6E22E"/>
-                </a:solidFill>
-                <a:effectLst/>
-                <a:highlight>
-                  <a:srgbClr val="272822"/>
-                </a:highlight>
-                <a:latin typeface="Consolas" panose="020B0609020204030204" pitchFamily="49" charset="0"/>
-              </a:rPr>
-              <a:t>-</a:t>
-            </a:r>
-            <a:r>
-              <a:rPr lang="en-US" b="0" dirty="0">
-                <a:solidFill>
-                  <a:srgbClr val="F8F8F2"/>
-                </a:solidFill>
-                <a:effectLst/>
-                <a:highlight>
-                  <a:srgbClr val="272822"/>
-                </a:highlight>
-                <a:latin typeface="Consolas" panose="020B0609020204030204" pitchFamily="49" charset="0"/>
-              </a:rPr>
-              <a:t> Workers</a:t>
-            </a:r>
-          </a:p>
-          <a:p>
-            <a:r>
-              <a:rPr lang="en-US" b="0" dirty="0">
-                <a:solidFill>
-                  <a:srgbClr val="F8F8F2"/>
-                </a:solidFill>
-                <a:effectLst/>
-                <a:highlight>
-                  <a:srgbClr val="272822"/>
-                </a:highlight>
-                <a:latin typeface="Consolas" panose="020B0609020204030204" pitchFamily="49" charset="0"/>
-              </a:rPr>
-              <a:t>  </a:t>
-            </a:r>
-            <a:r>
-              <a:rPr lang="en-US" b="0" dirty="0">
-                <a:solidFill>
-                  <a:srgbClr val="A6E22E"/>
-                </a:solidFill>
-                <a:effectLst/>
-                <a:highlight>
-                  <a:srgbClr val="272822"/>
-                </a:highlight>
-                <a:latin typeface="Consolas" panose="020B0609020204030204" pitchFamily="49" charset="0"/>
-              </a:rPr>
-              <a:t>-</a:t>
-            </a:r>
-            <a:r>
-              <a:rPr lang="en-US" b="0" dirty="0">
-                <a:solidFill>
-                  <a:srgbClr val="F8F8F2"/>
-                </a:solidFill>
-                <a:effectLst/>
-                <a:highlight>
-                  <a:srgbClr val="272822"/>
-                </a:highlight>
-                <a:latin typeface="Consolas" panose="020B0609020204030204" pitchFamily="49" charset="0"/>
-              </a:rPr>
-              <a:t> Lambda </a:t>
-            </a:r>
-            <a:r>
-              <a:rPr lang="en-US" b="0" dirty="0" err="1">
-                <a:solidFill>
-                  <a:srgbClr val="F8F8F2"/>
-                </a:solidFill>
-                <a:effectLst/>
-                <a:highlight>
-                  <a:srgbClr val="272822"/>
-                </a:highlight>
-                <a:latin typeface="Consolas" panose="020B0609020204030204" pitchFamily="49" charset="0"/>
-              </a:rPr>
-              <a:t>ekvivalent</a:t>
-            </a:r>
-            <a:endParaRPr lang="en-US" b="0" dirty="0">
-              <a:solidFill>
-                <a:srgbClr val="F8F8F2"/>
-              </a:solidFill>
-              <a:effectLst/>
-              <a:highlight>
-                <a:srgbClr val="272822"/>
-              </a:highlight>
-              <a:latin typeface="Consolas" panose="020B0609020204030204" pitchFamily="49" charset="0"/>
-            </a:endParaRPr>
-          </a:p>
-          <a:p>
-            <a:r>
-              <a:rPr lang="en-US" b="0" dirty="0">
-                <a:solidFill>
-                  <a:srgbClr val="F8F8F2"/>
-                </a:solidFill>
-                <a:effectLst/>
-                <a:highlight>
-                  <a:srgbClr val="272822"/>
-                </a:highlight>
-                <a:latin typeface="Consolas" panose="020B0609020204030204" pitchFamily="49" charset="0"/>
-              </a:rPr>
-              <a:t>  </a:t>
-            </a:r>
-            <a:r>
-              <a:rPr lang="en-US" b="0" dirty="0">
-                <a:solidFill>
-                  <a:srgbClr val="A6E22E"/>
-                </a:solidFill>
-                <a:effectLst/>
-                <a:highlight>
-                  <a:srgbClr val="272822"/>
-                </a:highlight>
-                <a:latin typeface="Consolas" panose="020B0609020204030204" pitchFamily="49" charset="0"/>
-              </a:rPr>
-              <a:t>-</a:t>
-            </a:r>
-            <a:r>
-              <a:rPr lang="en-US" b="0" dirty="0">
-                <a:solidFill>
-                  <a:srgbClr val="F8F8F2"/>
-                </a:solidFill>
-                <a:effectLst/>
-                <a:highlight>
-                  <a:srgbClr val="272822"/>
-                </a:highlight>
-                <a:latin typeface="Consolas" panose="020B0609020204030204" pitchFamily="49" charset="0"/>
-              </a:rPr>
+              <a:rPr lang="en-US" dirty="0" err="1"/>
+              <a:t>Kort</a:t>
+            </a:r>
+            <a:r>
+              <a:rPr lang="en-US" dirty="0"/>
+              <a:t> intro om </a:t>
+            </a:r>
+            <a:r>
+              <a:rPr lang="en-US" dirty="0" err="1"/>
+              <a:t>cloudflare</a:t>
+            </a:r>
+            <a:endParaRPr lang="en-US" dirty="0"/>
+          </a:p>
+          <a:p>
+            <a:r>
+              <a:rPr lang="en-US" dirty="0" err="1"/>
+              <a:t>Kända</a:t>
+            </a:r>
+            <a:r>
+              <a:rPr lang="en-US" dirty="0"/>
+              <a:t> för CDN, </a:t>
+            </a:r>
+            <a:r>
+              <a:rPr lang="en-US" dirty="0" err="1"/>
+              <a:t>säkerhetsgrejer</a:t>
+            </a:r>
+            <a:r>
+              <a:rPr lang="en-US" dirty="0"/>
+              <a:t>, DDOS-protection…</a:t>
+            </a:r>
+          </a:p>
+          <a:p>
+            <a:r>
+              <a:rPr lang="en-US" dirty="0"/>
+              <a:t>Men </a:t>
+            </a:r>
+            <a:r>
+              <a:rPr lang="en-US" dirty="0" err="1"/>
+              <a:t>dom</a:t>
+            </a:r>
+            <a:r>
+              <a:rPr lang="en-US" dirty="0"/>
               <a:t> </a:t>
             </a:r>
             <a:r>
-              <a:rPr lang="en-US" b="0" dirty="0" err="1">
-                <a:solidFill>
-                  <a:srgbClr val="F8F8F2"/>
-                </a:solidFill>
-                <a:effectLst/>
-                <a:highlight>
-                  <a:srgbClr val="272822"/>
-                </a:highlight>
-                <a:latin typeface="Consolas" panose="020B0609020204030204" pitchFamily="49" charset="0"/>
-              </a:rPr>
-              <a:t>Stöder</a:t>
-            </a:r>
-            <a:r>
-              <a:rPr lang="en-US" b="0" dirty="0">
-                <a:solidFill>
-                  <a:srgbClr val="F8F8F2"/>
-                </a:solidFill>
-                <a:effectLst/>
-                <a:highlight>
-                  <a:srgbClr val="272822"/>
-                </a:highlight>
-                <a:latin typeface="Consolas" panose="020B0609020204030204" pitchFamily="49" charset="0"/>
-              </a:rPr>
+              <a:rPr lang="en-US" dirty="0" err="1"/>
+              <a:t>har</a:t>
+            </a:r>
+            <a:r>
+              <a:rPr lang="en-US" dirty="0"/>
               <a:t> </a:t>
             </a:r>
             <a:r>
-              <a:rPr lang="en-US" b="0" dirty="0" err="1">
-                <a:solidFill>
-                  <a:srgbClr val="F8F8F2"/>
-                </a:solidFill>
-                <a:effectLst/>
-                <a:highlight>
-                  <a:srgbClr val="272822"/>
-                </a:highlight>
-                <a:latin typeface="Consolas" panose="020B0609020204030204" pitchFamily="49" charset="0"/>
-              </a:rPr>
-              <a:t>Javascript</a:t>
-            </a:r>
-            <a:r>
-              <a:rPr lang="en-US" b="0" dirty="0">
-                <a:solidFill>
-                  <a:srgbClr val="F8F8F2"/>
-                </a:solidFill>
-                <a:effectLst/>
-                <a:highlight>
-                  <a:srgbClr val="272822"/>
-                </a:highlight>
-                <a:latin typeface="Consolas" panose="020B0609020204030204" pitchFamily="49" charset="0"/>
-              </a:rPr>
-              <a:t>, Typescript, Python, Rust </a:t>
-            </a:r>
-            <a:r>
-              <a:rPr lang="en-US" b="0" dirty="0" err="1">
-                <a:solidFill>
-                  <a:srgbClr val="F8F8F2"/>
-                </a:solidFill>
-                <a:effectLst/>
-                <a:highlight>
-                  <a:srgbClr val="272822"/>
-                </a:highlight>
-                <a:latin typeface="Consolas" panose="020B0609020204030204" pitchFamily="49" charset="0"/>
-              </a:rPr>
+              <a:rPr lang="en-US" dirty="0" err="1"/>
+              <a:t>även</a:t>
+            </a:r>
+            <a:r>
+              <a:rPr lang="en-US" dirty="0"/>
+              <a:t> </a:t>
+            </a:r>
+            <a:r>
+              <a:rPr lang="en-US" dirty="0" err="1"/>
+              <a:t>ett</a:t>
+            </a:r>
+            <a:r>
+              <a:rPr lang="en-US" dirty="0"/>
+              <a:t> </a:t>
+            </a:r>
+            <a:r>
+              <a:rPr lang="en-US" dirty="0" err="1"/>
+              <a:t>molnerbjudande</a:t>
+            </a:r>
+            <a:r>
+              <a:rPr lang="en-US" dirty="0"/>
+              <a:t>!</a:t>
+            </a:r>
+          </a:p>
+          <a:p>
+            <a:endParaRPr lang="en-US" dirty="0"/>
+          </a:p>
+          <a:p>
+            <a:r>
+              <a:rPr lang="en-US" dirty="0"/>
+              <a:t>Har </a:t>
+            </a:r>
+            <a:r>
+              <a:rPr lang="en-US" dirty="0" err="1"/>
+              <a:t>hänt</a:t>
+            </a:r>
+            <a:r>
+              <a:rPr lang="en-US" dirty="0"/>
+              <a:t> </a:t>
+            </a:r>
+            <a:r>
+              <a:rPr lang="en-US" dirty="0" err="1"/>
+              <a:t>en</a:t>
+            </a:r>
+            <a:r>
+              <a:rPr lang="en-US" dirty="0"/>
+              <a:t> del </a:t>
+            </a:r>
+            <a:r>
+              <a:rPr lang="en-US" dirty="0" err="1"/>
+              <a:t>på</a:t>
+            </a:r>
+            <a:r>
+              <a:rPr lang="en-US" dirty="0"/>
+              <a:t> </a:t>
+            </a:r>
+            <a:r>
+              <a:rPr lang="en-US" dirty="0" err="1"/>
+              <a:t>senare</a:t>
+            </a:r>
+            <a:r>
+              <a:rPr lang="en-US" dirty="0"/>
+              <a:t> </a:t>
+            </a:r>
+            <a:r>
+              <a:rPr lang="en-US" dirty="0" err="1"/>
+              <a:t>år</a:t>
+            </a:r>
+            <a:r>
+              <a:rPr lang="en-US" dirty="0"/>
+              <a:t>, 2022 </a:t>
+            </a:r>
+            <a:r>
+              <a:rPr lang="en-US" dirty="0" err="1"/>
+              <a:t>lanserades</a:t>
+            </a:r>
+            <a:r>
+              <a:rPr lang="en-US" dirty="0"/>
+              <a:t> </a:t>
+            </a:r>
+            <a:r>
+              <a:rPr lang="en-US" dirty="0" err="1"/>
+              <a:t>både</a:t>
+            </a:r>
+            <a:r>
+              <a:rPr lang="en-US" dirty="0"/>
+              <a:t> R2 </a:t>
+            </a:r>
+            <a:r>
+              <a:rPr lang="en-US" dirty="0" err="1"/>
               <a:t>och</a:t>
             </a:r>
             <a:r>
-              <a:rPr lang="en-US" b="0" dirty="0">
-                <a:solidFill>
-                  <a:srgbClr val="F8F8F2"/>
-                </a:solidFill>
-                <a:effectLst/>
-                <a:highlight>
-                  <a:srgbClr val="272822"/>
-                </a:highlight>
-                <a:latin typeface="Consolas" panose="020B0609020204030204" pitchFamily="49" charset="0"/>
-              </a:rPr>
-              <a:t> WASM</a:t>
-            </a:r>
-          </a:p>
-          <a:p>
-            <a:r>
-              <a:rPr lang="en-US" b="0" dirty="0">
-                <a:solidFill>
-                  <a:srgbClr val="F8F8F2"/>
-                </a:solidFill>
-                <a:effectLst/>
-                <a:highlight>
-                  <a:srgbClr val="272822"/>
-                </a:highlight>
-                <a:latin typeface="Consolas" panose="020B0609020204030204" pitchFamily="49" charset="0"/>
-              </a:rPr>
-              <a:t>  </a:t>
-            </a:r>
-            <a:r>
-              <a:rPr lang="en-US" b="0" dirty="0">
-                <a:solidFill>
-                  <a:srgbClr val="A6E22E"/>
-                </a:solidFill>
-                <a:effectLst/>
-                <a:highlight>
-                  <a:srgbClr val="272822"/>
-                </a:highlight>
-                <a:latin typeface="Consolas" panose="020B0609020204030204" pitchFamily="49" charset="0"/>
-              </a:rPr>
-              <a:t>-</a:t>
-            </a:r>
-            <a:r>
-              <a:rPr lang="en-US" b="0" dirty="0">
-                <a:solidFill>
-                  <a:srgbClr val="F8F8F2"/>
-                </a:solidFill>
-                <a:effectLst/>
-                <a:highlight>
-                  <a:srgbClr val="272822"/>
-                </a:highlight>
-                <a:latin typeface="Consolas" panose="020B0609020204030204" pitchFamily="49" charset="0"/>
-              </a:rPr>
+              <a:rPr lang="en-US" dirty="0"/>
+              <a:t> Queues </a:t>
+            </a:r>
+            <a:r>
+              <a:rPr lang="en-US" dirty="0" err="1"/>
+              <a:t>och</a:t>
+            </a:r>
+            <a:r>
+              <a:rPr lang="en-US" dirty="0"/>
+              <a:t> 2024 </a:t>
+            </a:r>
+            <a:r>
+              <a:rPr lang="en-US" dirty="0" err="1"/>
+              <a:t>kom</a:t>
+            </a:r>
+            <a:r>
+              <a:rPr lang="en-US" dirty="0"/>
+              <a:t> D1</a:t>
+            </a:r>
+          </a:p>
+          <a:p>
+            <a:endParaRPr lang="en-US" dirty="0"/>
+          </a:p>
+          <a:p>
+            <a:r>
+              <a:rPr lang="en-US" dirty="0"/>
+              <a:t>Jag </a:t>
+            </a:r>
+            <a:r>
+              <a:rPr lang="en-US" dirty="0" err="1"/>
+              <a:t>experimenterade</a:t>
+            </a:r>
+            <a:r>
+              <a:rPr lang="en-US" dirty="0"/>
+              <a:t> med Cloudflare pages 2021, </a:t>
+            </a:r>
+            <a:r>
+              <a:rPr lang="en-US" dirty="0" err="1"/>
+              <a:t>och</a:t>
+            </a:r>
+            <a:r>
+              <a:rPr lang="en-US" dirty="0"/>
               <a:t> </a:t>
             </a:r>
             <a:r>
-              <a:rPr lang="en-US" b="0" dirty="0" err="1">
-                <a:solidFill>
-                  <a:srgbClr val="F8F8F2"/>
-                </a:solidFill>
-                <a:effectLst/>
-                <a:highlight>
-                  <a:srgbClr val="272822"/>
-                </a:highlight>
-                <a:latin typeface="Consolas" panose="020B0609020204030204" pitchFamily="49" charset="0"/>
-              </a:rPr>
-              <a:t>Kostnad</a:t>
-            </a:r>
-            <a:r>
-              <a:rPr lang="en-US" b="0" dirty="0">
-                <a:solidFill>
-                  <a:srgbClr val="F8F8F2"/>
-                </a:solidFill>
-                <a:effectLst/>
-                <a:highlight>
-                  <a:srgbClr val="272822"/>
-                </a:highlight>
-                <a:latin typeface="Consolas" panose="020B0609020204030204" pitchFamily="49" charset="0"/>
-              </a:rPr>
+              <a:rPr lang="en-US" dirty="0" err="1"/>
+              <a:t>tyckte</a:t>
+            </a:r>
+            <a:r>
+              <a:rPr lang="en-US" dirty="0"/>
+              <a:t> det var </a:t>
+            </a:r>
+            <a:r>
+              <a:rPr lang="en-US" dirty="0" err="1"/>
+              <a:t>lovande</a:t>
+            </a:r>
+            <a:endParaRPr lang="en-US" dirty="0"/>
+          </a:p>
+          <a:p>
+            <a:r>
+              <a:rPr lang="en-US" dirty="0"/>
+              <a:t>Har </a:t>
+            </a:r>
+            <a:r>
+              <a:rPr lang="en-US" dirty="0" err="1"/>
+              <a:t>hållit</a:t>
+            </a:r>
+            <a:r>
+              <a:rPr lang="en-US" dirty="0"/>
               <a:t> </a:t>
             </a:r>
             <a:r>
-              <a:rPr lang="en-US" b="0" dirty="0" err="1">
-                <a:solidFill>
-                  <a:srgbClr val="F8F8F2"/>
-                </a:solidFill>
-                <a:effectLst/>
-                <a:highlight>
-                  <a:srgbClr val="272822"/>
-                </a:highlight>
-                <a:latin typeface="Consolas" panose="020B0609020204030204" pitchFamily="49" charset="0"/>
-              </a:rPr>
-              <a:t>är</a:t>
-            </a:r>
-            <a:r>
-              <a:rPr lang="en-US" b="0" dirty="0">
-                <a:solidFill>
-                  <a:srgbClr val="F8F8F2"/>
-                </a:solidFill>
-                <a:effectLst/>
-                <a:highlight>
-                  <a:srgbClr val="272822"/>
-                </a:highlight>
-                <a:latin typeface="Consolas" panose="020B0609020204030204" pitchFamily="49" charset="0"/>
-              </a:rPr>
-              <a:t> per CPU-</a:t>
-            </a:r>
-            <a:r>
-              <a:rPr lang="en-US" b="0" dirty="0" err="1">
-                <a:solidFill>
-                  <a:srgbClr val="F8F8F2"/>
-                </a:solidFill>
-                <a:effectLst/>
-                <a:highlight>
-                  <a:srgbClr val="272822"/>
-                </a:highlight>
-                <a:latin typeface="Consolas" panose="020B0609020204030204" pitchFamily="49" charset="0"/>
-              </a:rPr>
-              <a:t>millisekund</a:t>
-            </a:r>
-            <a:r>
-              <a:rPr lang="en-US" b="0" dirty="0">
-                <a:solidFill>
-                  <a:srgbClr val="F8F8F2"/>
-                </a:solidFill>
-                <a:effectLst/>
-                <a:highlight>
-                  <a:srgbClr val="272822"/>
-                </a:highlight>
-                <a:latin typeface="Consolas" panose="020B0609020204030204" pitchFamily="49" charset="0"/>
-              </a:rPr>
-              <a:t> (</a:t>
-            </a:r>
-            <a:r>
-              <a:rPr lang="en-US" b="0" dirty="0" err="1">
-                <a:solidFill>
-                  <a:srgbClr val="F8F8F2"/>
-                </a:solidFill>
-                <a:effectLst/>
-                <a:highlight>
-                  <a:srgbClr val="272822"/>
-                </a:highlight>
-                <a:latin typeface="Consolas" panose="020B0609020204030204" pitchFamily="49" charset="0"/>
-              </a:rPr>
-              <a:t>istället</a:t>
-            </a:r>
-            <a:r>
-              <a:rPr lang="en-US" b="0" dirty="0">
-                <a:solidFill>
-                  <a:srgbClr val="F8F8F2"/>
-                </a:solidFill>
-                <a:effectLst/>
-                <a:highlight>
-                  <a:srgbClr val="272822"/>
-                </a:highlight>
-                <a:latin typeface="Consolas" panose="020B0609020204030204" pitchFamily="49" charset="0"/>
-              </a:rPr>
-              <a:t> för GB-</a:t>
-            </a:r>
-            <a:r>
-              <a:rPr lang="en-US" b="0" dirty="0" err="1">
-                <a:solidFill>
-                  <a:srgbClr val="F8F8F2"/>
-                </a:solidFill>
-                <a:effectLst/>
-                <a:highlight>
-                  <a:srgbClr val="272822"/>
-                </a:highlight>
-                <a:latin typeface="Consolas" panose="020B0609020204030204" pitchFamily="49" charset="0"/>
-              </a:rPr>
-              <a:t>sekunder</a:t>
-            </a:r>
-            <a:r>
-              <a:rPr lang="en-US" b="0" dirty="0">
-                <a:solidFill>
-                  <a:srgbClr val="F8F8F2"/>
-                </a:solidFill>
-                <a:effectLst/>
-                <a:highlight>
-                  <a:srgbClr val="272822"/>
-                </a:highlight>
-                <a:latin typeface="Consolas" panose="020B0609020204030204" pitchFamily="49" charset="0"/>
-              </a:rPr>
+              <a:rPr lang="en-US" dirty="0" err="1"/>
+              <a:t>ett</a:t>
+            </a:r>
+            <a:r>
+              <a:rPr lang="en-US" dirty="0"/>
               <a:t> </a:t>
             </a:r>
             <a:r>
-              <a:rPr lang="en-US" b="0" dirty="0" err="1">
-                <a:solidFill>
-                  <a:srgbClr val="F8F8F2"/>
-                </a:solidFill>
-                <a:effectLst/>
-                <a:highlight>
-                  <a:srgbClr val="272822"/>
-                </a:highlight>
-                <a:latin typeface="Consolas" panose="020B0609020204030204" pitchFamily="49" charset="0"/>
-              </a:rPr>
-              <a:t>eller</a:t>
-            </a:r>
-            <a:r>
-              <a:rPr lang="en-US" b="0" dirty="0">
-                <a:solidFill>
-                  <a:srgbClr val="F8F8F2"/>
-                </a:solidFill>
-                <a:effectLst/>
-                <a:highlight>
-                  <a:srgbClr val="272822"/>
-                </a:highlight>
-                <a:latin typeface="Consolas" panose="020B0609020204030204" pitchFamily="49" charset="0"/>
-              </a:rPr>
+              <a:rPr lang="en-US" dirty="0" err="1"/>
+              <a:t>öga</a:t>
+            </a:r>
+            <a:r>
+              <a:rPr lang="en-US" dirty="0"/>
               <a:t> </a:t>
             </a:r>
             <a:r>
-              <a:rPr lang="en-US" b="0" dirty="0" err="1">
-                <a:solidFill>
-                  <a:srgbClr val="F8F8F2"/>
-                </a:solidFill>
-                <a:effectLst/>
-                <a:highlight>
-                  <a:srgbClr val="272822"/>
-                </a:highlight>
-                <a:latin typeface="Consolas" panose="020B0609020204030204" pitchFamily="49" charset="0"/>
-              </a:rPr>
-              <a:t>väggtid</a:t>
-            </a:r>
-            <a:r>
-              <a:rPr lang="en-US" b="0" dirty="0">
-                <a:solidFill>
-                  <a:srgbClr val="F8F8F2"/>
-                </a:solidFill>
-                <a:effectLst/>
-                <a:highlight>
-                  <a:srgbClr val="272822"/>
-                </a:highlight>
-                <a:latin typeface="Consolas" panose="020B0609020204030204" pitchFamily="49" charset="0"/>
-              </a:rPr>
-              <a:t>) - https://blog.cloudflare.com/workers-pricing-scale-to-zero</a:t>
-            </a:r>
-          </a:p>
-          <a:p>
-            <a:r>
-              <a:rPr lang="en-US" b="0" dirty="0">
-                <a:solidFill>
-                  <a:srgbClr val="F8F8F2"/>
-                </a:solidFill>
-                <a:effectLst/>
-                <a:highlight>
-                  <a:srgbClr val="272822"/>
-                </a:highlight>
-                <a:latin typeface="Consolas" panose="020B0609020204030204" pitchFamily="49" charset="0"/>
-              </a:rPr>
-              <a:t>  </a:t>
-            </a:r>
-            <a:r>
-              <a:rPr lang="en-US" b="0" dirty="0">
-                <a:solidFill>
-                  <a:srgbClr val="A6E22E"/>
-                </a:solidFill>
-                <a:effectLst/>
-                <a:highlight>
-                  <a:srgbClr val="272822"/>
-                </a:highlight>
-                <a:latin typeface="Consolas" panose="020B0609020204030204" pitchFamily="49" charset="0"/>
-              </a:rPr>
-              <a:t>-</a:t>
-            </a:r>
-            <a:r>
-              <a:rPr lang="en-US" b="0" dirty="0">
-                <a:solidFill>
-                  <a:srgbClr val="F8F8F2"/>
-                </a:solidFill>
-                <a:effectLst/>
-                <a:highlight>
-                  <a:srgbClr val="272822"/>
-                </a:highlight>
-                <a:latin typeface="Consolas" panose="020B0609020204030204" pitchFamily="49" charset="0"/>
-              </a:rPr>
-              <a:t> Worker-to-Worker RPC calls - https://blog.cloudflare.com/javascript-native-rpc</a:t>
-            </a:r>
-          </a:p>
-          <a:p>
-            <a:r>
-              <a:rPr lang="en-US" b="0" dirty="0">
-                <a:solidFill>
-                  <a:srgbClr val="F8F8F2"/>
-                </a:solidFill>
-                <a:effectLst/>
-                <a:highlight>
-                  <a:srgbClr val="272822"/>
-                </a:highlight>
-                <a:latin typeface="Consolas" panose="020B0609020204030204" pitchFamily="49" charset="0"/>
-              </a:rPr>
-              <a:t>  </a:t>
-            </a:r>
-            <a:r>
-              <a:rPr lang="en-US" b="0" dirty="0">
-                <a:solidFill>
-                  <a:srgbClr val="A6E22E"/>
-                </a:solidFill>
-                <a:effectLst/>
-                <a:highlight>
-                  <a:srgbClr val="272822"/>
-                </a:highlight>
-                <a:latin typeface="Consolas" panose="020B0609020204030204" pitchFamily="49" charset="0"/>
-              </a:rPr>
-              <a:t>-</a:t>
-            </a:r>
-            <a:r>
-              <a:rPr lang="en-US" b="0" dirty="0">
-                <a:solidFill>
-                  <a:srgbClr val="F8F8F2"/>
-                </a:solidFill>
-                <a:effectLst/>
-                <a:highlight>
-                  <a:srgbClr val="272822"/>
-                </a:highlight>
-                <a:latin typeface="Consolas" panose="020B0609020204030204" pitchFamily="49" charset="0"/>
-              </a:rPr>
-              <a:t> Inga cold starts - https://blog.cloudflare.com/eliminating-cold-starts-with-cloudflare-workers/</a:t>
-            </a:r>
-          </a:p>
-          <a:p>
-            <a:pPr marL="0" indent="0">
-              <a:buFontTx/>
-              <a:buNone/>
-            </a:pPr>
-            <a:endParaRPr lang="en-SE" dirty="0"/>
+              <a:rPr lang="en-US" dirty="0" err="1"/>
+              <a:t>på</a:t>
+            </a:r>
+            <a:r>
+              <a:rPr lang="en-US" dirty="0"/>
+              <a:t> </a:t>
+            </a:r>
+            <a:r>
+              <a:rPr lang="en-US" dirty="0" err="1"/>
+              <a:t>utvecklingen</a:t>
+            </a:r>
+            <a:r>
+              <a:rPr lang="en-US" dirty="0"/>
+              <a:t> sedan </a:t>
+            </a:r>
+            <a:r>
+              <a:rPr lang="en-US" dirty="0" err="1"/>
+              <a:t>dess</a:t>
+            </a:r>
+            <a:endParaRPr lang="en-US" dirty="0"/>
+          </a:p>
+          <a:p>
+            <a:endParaRPr lang="en-US" dirty="0"/>
+          </a:p>
+          <a:p>
+            <a:r>
+              <a:rPr lang="en-US" dirty="0"/>
+              <a:t>https://blog.cloudflare.com/introducing-cloudflare-workers</a:t>
+            </a:r>
+          </a:p>
+          <a:p>
+            <a:endParaRPr lang="en-US" dirty="0"/>
           </a:p>
         </p:txBody>
       </p:sp>
@@ -1587,7 +2010,7 @@
           <a:p>
             <a:fld id="{2ECA3C8B-6150-4A40-994F-9B940BFC5C57}" type="slidenum">
               <a:rPr lang="en-US" smtClean="0"/>
-              <a:t>5</a:t>
+              <a:t>3</a:t>
             </a:fld>
             <a:endParaRPr lang="en-US"/>
           </a:p>
@@ -1596,7 +2019,7 @@
     </p:spTree>
     <p:extLst>
       <p:ext uri="{BB962C8B-B14F-4D97-AF65-F5344CB8AC3E}">
-        <p14:creationId xmlns:p14="http://schemas.microsoft.com/office/powerpoint/2010/main" val="4178686375"/>
+        <p14:creationId xmlns:p14="http://schemas.microsoft.com/office/powerpoint/2010/main" val="4216081129"/>
       </p:ext>
     </p:extLst>
   </p:cSld>
@@ -1674,7 +2097,7 @@
                 </a:highlight>
                 <a:latin typeface="Consolas" panose="020B0609020204030204" pitchFamily="49" charset="0"/>
               </a:rPr>
-              <a:t> D1</a:t>
+              <a:t> Workers</a:t>
             </a:r>
           </a:p>
           <a:p>
@@ -1715,10 +2138,21 @@
                 </a:highlight>
                 <a:latin typeface="Consolas" panose="020B0609020204030204" pitchFamily="49" charset="0"/>
               </a:rPr>
-              <a:t> Serverless SQL database</a:t>
-            </a:r>
-          </a:p>
-          <a:p>
+              <a:t> </a:t>
+            </a:r>
+            <a:r>
+              <a:rPr lang="en-US" b="0" dirty="0" err="1">
+                <a:solidFill>
+                  <a:srgbClr val="F8F8F2"/>
+                </a:solidFill>
+                <a:effectLst/>
+                <a:highlight>
+                  <a:srgbClr val="272822"/>
+                </a:highlight>
+                <a:latin typeface="Consolas" panose="020B0609020204030204" pitchFamily="49" charset="0"/>
+              </a:rPr>
+              <a:t>Lambda@Edge</a:t>
+            </a:r>
             <a:r>
               <a:rPr lang="en-US" b="0" dirty="0">
                 <a:solidFill>
@@ -1730,6 +2164,203 @@
                 </a:highlight>
                 <a:latin typeface="Consolas" panose="020B0609020204030204" pitchFamily="49" charset="0"/>
               </a:rPr>
+              <a:t> </a:t>
+            </a:r>
+            <a:r>
+              <a:rPr lang="en-US" b="0" dirty="0" err="1">
+                <a:solidFill>
+                  <a:srgbClr val="F8F8F2"/>
+                </a:solidFill>
+                <a:effectLst/>
+                <a:highlight>
+                  <a:srgbClr val="272822"/>
+                </a:highlight>
+                <a:latin typeface="Consolas" panose="020B0609020204030204" pitchFamily="49" charset="0"/>
+              </a:rPr>
+              <a:t>ekvivalent</a:t>
+            </a:r>
+            <a:r>
+              <a:rPr lang="en-US" b="0" dirty="0">
+                <a:solidFill>
+                  <a:srgbClr val="F8F8F2"/>
+                </a:solidFill>
+                <a:effectLst/>
+                <a:highlight>
+                  <a:srgbClr val="272822"/>
+                </a:highlight>
+                <a:latin typeface="Consolas" panose="020B0609020204030204" pitchFamily="49" charset="0"/>
+              </a:rPr>
+              <a:t>, den </a:t>
+            </a:r>
+            <a:r>
+              <a:rPr lang="en-US" b="0" dirty="0" err="1">
+                <a:solidFill>
+                  <a:srgbClr val="F8F8F2"/>
+                </a:solidFill>
+                <a:effectLst/>
+                <a:highlight>
+                  <a:srgbClr val="272822"/>
+                </a:highlight>
+                <a:latin typeface="Consolas" panose="020B0609020204030204" pitchFamily="49" charset="0"/>
+              </a:rPr>
+              <a:t>kör</a:t>
+            </a:r>
+            <a:r>
+              <a:rPr lang="en-US" b="0" dirty="0">
+                <a:solidFill>
+                  <a:srgbClr val="F8F8F2"/>
+                </a:solidFill>
+                <a:effectLst/>
+                <a:highlight>
+                  <a:srgbClr val="272822"/>
+                </a:highlight>
+                <a:latin typeface="Consolas" panose="020B0609020204030204" pitchFamily="49" charset="0"/>
+              </a:rPr>
+              <a:t> </a:t>
+            </a:r>
+            <a:r>
+              <a:rPr lang="en-US" b="0" dirty="0" err="1">
+                <a:solidFill>
+                  <a:srgbClr val="F8F8F2"/>
+                </a:solidFill>
+                <a:effectLst/>
+                <a:highlight>
+                  <a:srgbClr val="272822"/>
+                </a:highlight>
+                <a:latin typeface="Consolas" panose="020B0609020204030204" pitchFamily="49" charset="0"/>
+              </a:rPr>
+              <a:t>alltså</a:t>
+            </a:r>
+            <a:r>
+              <a:rPr lang="en-US" b="0" dirty="0">
+                <a:solidFill>
+                  <a:srgbClr val="F8F8F2"/>
+                </a:solidFill>
+                <a:effectLst/>
+                <a:highlight>
+                  <a:srgbClr val="272822"/>
+                </a:highlight>
+                <a:latin typeface="Consolas" panose="020B0609020204030204" pitchFamily="49" charset="0"/>
+              </a:rPr>
+              <a:t> I </a:t>
+            </a:r>
+            <a:r>
+              <a:rPr lang="en-US" b="0" dirty="0" err="1">
+                <a:solidFill>
+                  <a:srgbClr val="F8F8F2"/>
+                </a:solidFill>
+                <a:effectLst/>
+                <a:highlight>
+                  <a:srgbClr val="272822"/>
+                </a:highlight>
+                <a:latin typeface="Consolas" panose="020B0609020204030204" pitchFamily="49" charset="0"/>
+              </a:rPr>
+              <a:t>datacentret</a:t>
+            </a:r>
+            <a:r>
+              <a:rPr lang="en-US" b="0" dirty="0">
+                <a:solidFill>
+                  <a:srgbClr val="F8F8F2"/>
+                </a:solidFill>
+                <a:effectLst/>
+                <a:highlight>
+                  <a:srgbClr val="272822"/>
+                </a:highlight>
+                <a:latin typeface="Consolas" panose="020B0609020204030204" pitchFamily="49" charset="0"/>
+              </a:rPr>
+              <a:t> </a:t>
+            </a:r>
+            <a:r>
+              <a:rPr lang="en-US" b="0" dirty="0" err="1">
+                <a:solidFill>
+                  <a:srgbClr val="F8F8F2"/>
+                </a:solidFill>
+                <a:effectLst/>
+                <a:highlight>
+                  <a:srgbClr val="272822"/>
+                </a:highlight>
+                <a:latin typeface="Consolas" panose="020B0609020204030204" pitchFamily="49" charset="0"/>
+              </a:rPr>
+              <a:t>närmast</a:t>
+            </a:r>
+            <a:r>
+              <a:rPr lang="en-US" b="0" dirty="0">
+                <a:solidFill>
+                  <a:srgbClr val="F8F8F2"/>
+                </a:solidFill>
+                <a:effectLst/>
+                <a:highlight>
+                  <a:srgbClr val="272822"/>
+                </a:highlight>
+                <a:latin typeface="Consolas" panose="020B0609020204030204" pitchFamily="49" charset="0"/>
+              </a:rPr>
+              <a:t> </a:t>
+            </a:r>
+            <a:r>
+              <a:rPr lang="en-US" b="0" dirty="0" err="1">
+                <a:solidFill>
+                  <a:srgbClr val="F8F8F2"/>
+                </a:solidFill>
+                <a:effectLst/>
+                <a:highlight>
+                  <a:srgbClr val="272822"/>
+                </a:highlight>
+                <a:latin typeface="Consolas" panose="020B0609020204030204" pitchFamily="49" charset="0"/>
+              </a:rPr>
+              <a:t>användaren</a:t>
+            </a:r>
+            <a:r>
+              <a:rPr lang="en-US" b="0" dirty="0">
+                <a:solidFill>
+                  <a:srgbClr val="F8F8F2"/>
+                </a:solidFill>
+                <a:effectLst/>
+                <a:highlight>
+                  <a:srgbClr val="272822"/>
+                </a:highlight>
+                <a:latin typeface="Consolas" panose="020B0609020204030204" pitchFamily="49" charset="0"/>
+              </a:rPr>
+              <a:t> (inga </a:t>
+            </a:r>
+            <a:r>
+              <a:rPr lang="en-US" b="0" dirty="0" err="1">
+                <a:solidFill>
+                  <a:srgbClr val="F8F8F2"/>
+                </a:solidFill>
+                <a:effectLst/>
+                <a:highlight>
+                  <a:srgbClr val="272822"/>
+                </a:highlight>
+                <a:latin typeface="Consolas" panose="020B0609020204030204" pitchFamily="49" charset="0"/>
+              </a:rPr>
+              <a:t>regioner</a:t>
+            </a:r>
+            <a:r>
+              <a:rPr lang="en-US" b="0" dirty="0">
+                <a:solidFill>
+                  <a:srgbClr val="F8F8F2"/>
+                </a:solidFill>
+                <a:effectLst/>
+                <a:highlight>
+                  <a:srgbClr val="272822"/>
+                </a:highlight>
+                <a:latin typeface="Consolas" panose="020B0609020204030204" pitchFamily="49" charset="0"/>
+              </a:rPr>
+              <a:t>!)</a:t>
+            </a:r>
+          </a:p>
+          <a:p>
+            <a:r>
+              <a:rPr lang="en-US" b="0" dirty="0">
+                <a:solidFill>
+                  <a:srgbClr val="F8F8F2"/>
+                </a:solidFill>
+                <a:effectLst/>
+                <a:highlight>
+                  <a:srgbClr val="272822"/>
+                </a:highlight>
+                <a:latin typeface="Consolas" panose="020B0609020204030204" pitchFamily="49" charset="0"/>
+              </a:rPr>
               <a:t>  </a:t>
             </a:r>
             <a:r>
@@ -1769,7 +2400,7 @@
                 </a:highlight>
                 <a:latin typeface="Consolas" panose="020B0609020204030204" pitchFamily="49" charset="0"/>
               </a:rPr>
-              <a:t>Likt</a:t>
+              <a:t>Stöder</a:t>
             </a:r>
             <a:r>
               <a:rPr lang="en-US" b="0" dirty="0">
@@ -1782,13 +2413,136 @@
                 </a:highlight>
                 <a:latin typeface="Consolas" panose="020B0609020204030204" pitchFamily="49" charset="0"/>
               </a:rPr>
-              <a:t> AWS Aurora</a:t>
-            </a:r>
-          </a:p>
-          <a:p>
+              <a:t> </a:t>
+            </a:r>
+            <a:r>
+              <a:rPr lang="en-US" b="0" dirty="0" err="1">
+                <a:solidFill>
+                  <a:srgbClr val="F8F8F2"/>
+                </a:solidFill>
+                <a:effectLst/>
+                <a:highlight>
+                  <a:srgbClr val="272822"/>
+                </a:highlight>
+                <a:latin typeface="Consolas" panose="020B0609020204030204" pitchFamily="49" charset="0"/>
+              </a:rPr>
+              <a:t>Javascript</a:t>
+            </a:r>
             <a:r>
               <a:rPr lang="en-US" b="0" dirty="0">
                 <a:solidFill>
+                  <a:srgbClr val="F8F8F2"/>
+                </a:solidFill>
+                <a:effectLst/>
+                <a:highlight>
+                  <a:srgbClr val="272822"/>
+                </a:highlight>
+                <a:latin typeface="Consolas" panose="020B0609020204030204" pitchFamily="49" charset="0"/>
+              </a:rPr>
+              <a:t>, Typescript, Python, Rust </a:t>
+            </a:r>
+            <a:r>
+              <a:rPr lang="en-US" b="0" dirty="0" err="1">
+                <a:solidFill>
+                  <a:srgbClr val="F8F8F2"/>
+                </a:solidFill>
+                <a:effectLst/>
+                <a:highlight>
+                  <a:srgbClr val="272822"/>
+                </a:highlight>
+                <a:latin typeface="Consolas" panose="020B0609020204030204" pitchFamily="49" charset="0"/>
+              </a:rPr>
+              <a:t>och</a:t>
+            </a:r>
+            <a:r>
+              <a:rPr lang="en-US" b="0" dirty="0">
+                <a:solidFill>
+                  <a:srgbClr val="F8F8F2"/>
+                </a:solidFill>
+                <a:effectLst/>
+                <a:highlight>
+                  <a:srgbClr val="272822"/>
+                </a:highlight>
+                <a:latin typeface="Consolas" panose="020B0609020204030204" pitchFamily="49" charset="0"/>
+              </a:rPr>
+              <a:t> WASM</a:t>
+            </a:r>
+          </a:p>
+          <a:p>
+            <a:r>
+              <a:rPr lang="en-US" b="0" dirty="0">
+                <a:solidFill>
+                  <a:srgbClr val="F8F8F2"/>
+                </a:solidFill>
+                <a:effectLst/>
+                <a:highlight>
+                  <a:srgbClr val="272822"/>
+                </a:highlight>
+                <a:latin typeface="Consolas" panose="020B0609020204030204" pitchFamily="49" charset="0"/>
+              </a:rPr>
+              <a:t>  - Runtime </a:t>
+            </a:r>
+            <a:r>
+              <a:rPr lang="en-US" b="0" dirty="0" err="1">
+                <a:solidFill>
+                  <a:srgbClr val="F8F8F2"/>
+                </a:solidFill>
+                <a:effectLst/>
+                <a:highlight>
+                  <a:srgbClr val="272822"/>
+                </a:highlight>
+                <a:latin typeface="Consolas" panose="020B0609020204030204" pitchFamily="49" charset="0"/>
+              </a:rPr>
+              <a:t>är</a:t>
+            </a:r>
+            <a:r>
+              <a:rPr lang="en-US" b="0" dirty="0">
+                <a:solidFill>
+                  <a:srgbClr val="F8F8F2"/>
+                </a:solidFill>
+                <a:effectLst/>
+                <a:highlight>
+                  <a:srgbClr val="272822"/>
+                </a:highlight>
+                <a:latin typeface="Consolas" panose="020B0609020204030204" pitchFamily="49" charset="0"/>
+              </a:rPr>
+              <a:t> V8</a:t>
+            </a:r>
+          </a:p>
+          <a:p>
+            <a:pPr marL="0" marR="0" lvl="0" indent="0" algn="l" defTabSz="457200" rtl="0" eaLnBrk="1" fontAlgn="auto" latinLnBrk="0" hangingPunct="1">
+              <a:lnSpc>
+                <a:spcPct val="100000"/>
+              </a:lnSpc>
+              <a:spcBef>
+                <a:spcPts val="0"/>
+              </a:spcBef>
+              <a:spcAft>
+                <a:spcPts val="0"/>
+              </a:spcAft>
+              <a:buClrTx/>
+              <a:buSzTx/>
+              <a:buFontTx/>
+              <a:buNone/>
+              <a:tabLst/>
+              <a:defRPr/>
+            </a:pPr>
+            <a:r>
+              <a:rPr lang="en-US" b="0" dirty="0">
+                <a:solidFill>
+                  <a:srgbClr val="F8F8F2"/>
+                </a:solidFill>
+                <a:effectLst/>
+                <a:highlight>
+                  <a:srgbClr val="272822"/>
+                </a:highlight>
+                <a:latin typeface="Consolas" panose="020B0609020204030204" pitchFamily="49" charset="0"/>
+              </a:rPr>
+              <a:t>  </a:t>
+            </a:r>
+            <a:r>
+              <a:rPr lang="en-US" b="0" dirty="0">
+                <a:solidFill>
                   <a:srgbClr val="A6E22E"/>
                 </a:solidFill>
                 <a:effectLst/>
@@ -1810,10 +2564,27 @@
                 </a:highlight>
                 <a:latin typeface="Consolas" panose="020B0609020204030204" pitchFamily="49" charset="0"/>
               </a:rPr>
-              <a:t> R2</a:t>
-            </a:r>
-          </a:p>
-          <a:p>
+              <a:t> Inga cold starts - https://blog.cloudflare.com/eliminating-cold-starts-with-cloudflare-workers/</a:t>
+            </a:r>
+          </a:p>
+          <a:p>
+            <a:pPr marL="0" marR="0" lvl="0" indent="0" algn="l" defTabSz="457200" rtl="0" eaLnBrk="1" fontAlgn="auto" latinLnBrk="0" hangingPunct="1">
+              <a:lnSpc>
+                <a:spcPct val="100000"/>
+              </a:lnSpc>
+              <a:spcBef>
+                <a:spcPts val="0"/>
+              </a:spcBef>
+              <a:spcAft>
+                <a:spcPts val="0"/>
+              </a:spcAft>
+              <a:buClrTx/>
+              <a:buSzTx/>
+              <a:buFontTx/>
+              <a:buNone/>
+              <a:tabLst/>
+              <a:defRPr/>
+            </a:pPr>
             <a:r>
               <a:rPr lang="en-US" b="0" dirty="0">
                 <a:solidFill>
@@ -1825,20 +2596,46 @@
                 </a:highlight>
                 <a:latin typeface="Consolas" panose="020B0609020204030204" pitchFamily="49" charset="0"/>
               </a:rPr>
-              <a:t>  </a:t>
+              <a:t>     - En worker </a:t>
+            </a:r>
+            <a:r>
+              <a:rPr lang="en-US" b="0" dirty="0" err="1">
+                <a:solidFill>
+                  <a:srgbClr val="F8F8F2"/>
+                </a:solidFill>
+                <a:effectLst/>
+                <a:highlight>
+                  <a:srgbClr val="272822"/>
+                </a:highlight>
+                <a:latin typeface="Consolas" panose="020B0609020204030204" pitchFamily="49" charset="0"/>
+              </a:rPr>
+              <a:t>laddas</a:t>
             </a:r>
             <a:r>
               <a:rPr lang="en-US" b="0" dirty="0">
                 <a:solidFill>
-                  <a:srgbClr val="A6E22E"/>
-                </a:solidFill>
-                <a:effectLst/>
-                <a:highlight>
-                  <a:srgbClr val="272822"/>
-                </a:highlight>
-                <a:latin typeface="Consolas" panose="020B0609020204030204" pitchFamily="49" charset="0"/>
-              </a:rPr>
-              <a:t>-</a:t>
+                  <a:srgbClr val="F8F8F2"/>
+                </a:solidFill>
+                <a:effectLst/>
+                <a:highlight>
+                  <a:srgbClr val="272822"/>
+                </a:highlight>
+                <a:latin typeface="Consolas" panose="020B0609020204030204" pitchFamily="49" charset="0"/>
+              </a:rPr>
+              <a:t> in I </a:t>
+            </a:r>
+            <a:r>
+              <a:rPr lang="en-US" b="0" dirty="0" err="1">
+                <a:solidFill>
+                  <a:srgbClr val="F8F8F2"/>
+                </a:solidFill>
+                <a:effectLst/>
+                <a:highlight>
+                  <a:srgbClr val="272822"/>
+                </a:highlight>
+                <a:latin typeface="Consolas" panose="020B0609020204030204" pitchFamily="49" charset="0"/>
+              </a:rPr>
+              <a:t>minnet</a:t>
             </a:r>
             <a:r>
               <a:rPr lang="en-US" b="0" dirty="0">
@@ -1851,6 +2648,32 @@
                 </a:highlight>
                 <a:latin typeface="Consolas" panose="020B0609020204030204" pitchFamily="49" charset="0"/>
               </a:rPr>
+              <a:t> under TLS handshake </a:t>
+            </a:r>
+            <a:r>
+              <a:rPr lang="en-US" b="0" dirty="0" err="1">
+                <a:solidFill>
+                  <a:srgbClr val="F8F8F2"/>
+                </a:solidFill>
+                <a:effectLst/>
+                <a:highlight>
+                  <a:srgbClr val="272822"/>
+                </a:highlight>
+                <a:latin typeface="Consolas" panose="020B0609020204030204" pitchFamily="49" charset="0"/>
+              </a:rPr>
+              <a:t>och</a:t>
+            </a:r>
+            <a:r>
+              <a:rPr lang="en-US" b="0" dirty="0">
+                <a:solidFill>
+                  <a:srgbClr val="F8F8F2"/>
+                </a:solidFill>
+                <a:effectLst/>
+                <a:highlight>
+                  <a:srgbClr val="272822"/>
+                </a:highlight>
+                <a:latin typeface="Consolas" panose="020B0609020204030204" pitchFamily="49" charset="0"/>
+              </a:rPr>
               <a:t> </a:t>
             </a:r>
             <a:r>
@@ -1864,7 +2687,189 @@
                 </a:highlight>
                 <a:latin typeface="Consolas" panose="020B0609020204030204" pitchFamily="49" charset="0"/>
               </a:rPr>
-              <a:t>Objectstorage</a:t>
+              <a:t>är</a:t>
+            </a:r>
+            <a:r>
+              <a:rPr lang="en-US" b="0" dirty="0">
+                <a:solidFill>
+                  <a:srgbClr val="F8F8F2"/>
+                </a:solidFill>
+                <a:effectLst/>
+                <a:highlight>
+                  <a:srgbClr val="272822"/>
+                </a:highlight>
+                <a:latin typeface="Consolas" panose="020B0609020204030204" pitchFamily="49" charset="0"/>
+              </a:rPr>
+              <a:t> redo </a:t>
+            </a:r>
+            <a:r>
+              <a:rPr lang="en-US" b="0" dirty="0" err="1">
+                <a:solidFill>
+                  <a:srgbClr val="F8F8F2"/>
+                </a:solidFill>
+                <a:effectLst/>
+                <a:highlight>
+                  <a:srgbClr val="272822"/>
+                </a:highlight>
+                <a:latin typeface="Consolas" panose="020B0609020204030204" pitchFamily="49" charset="0"/>
+              </a:rPr>
+              <a:t>att</a:t>
+            </a:r>
+            <a:r>
+              <a:rPr lang="en-US" b="0" dirty="0">
+                <a:solidFill>
+                  <a:srgbClr val="F8F8F2"/>
+                </a:solidFill>
+                <a:effectLst/>
+                <a:highlight>
+                  <a:srgbClr val="272822"/>
+                </a:highlight>
+                <a:latin typeface="Consolas" panose="020B0609020204030204" pitchFamily="49" charset="0"/>
+              </a:rPr>
+              <a:t> ta </a:t>
+            </a:r>
+            <a:r>
+              <a:rPr lang="en-US" b="0" dirty="0" err="1">
+                <a:solidFill>
+                  <a:srgbClr val="F8F8F2"/>
+                </a:solidFill>
+                <a:effectLst/>
+                <a:highlight>
+                  <a:srgbClr val="272822"/>
+                </a:highlight>
+                <a:latin typeface="Consolas" panose="020B0609020204030204" pitchFamily="49" charset="0"/>
+              </a:rPr>
+              <a:t>emot</a:t>
+            </a:r>
+            <a:r>
+              <a:rPr lang="en-US" b="0" dirty="0">
+                <a:solidFill>
+                  <a:srgbClr val="F8F8F2"/>
+                </a:solidFill>
+                <a:effectLst/>
+                <a:highlight>
+                  <a:srgbClr val="272822"/>
+                </a:highlight>
+                <a:latin typeface="Consolas" panose="020B0609020204030204" pitchFamily="49" charset="0"/>
+              </a:rPr>
+              <a:t> den “</a:t>
+            </a:r>
+            <a:r>
+              <a:rPr lang="en-US" b="0" dirty="0" err="1">
+                <a:solidFill>
+                  <a:srgbClr val="F8F8F2"/>
+                </a:solidFill>
+                <a:effectLst/>
+                <a:highlight>
+                  <a:srgbClr val="272822"/>
+                </a:highlight>
+                <a:latin typeface="Consolas" panose="020B0609020204030204" pitchFamily="49" charset="0"/>
+              </a:rPr>
+              <a:t>riktiga</a:t>
+            </a:r>
+            <a:r>
+              <a:rPr lang="en-US" b="0" dirty="0">
+                <a:solidFill>
+                  <a:srgbClr val="F8F8F2"/>
+                </a:solidFill>
+                <a:effectLst/>
+                <a:highlight>
+                  <a:srgbClr val="272822"/>
+                </a:highlight>
+                <a:latin typeface="Consolas" panose="020B0609020204030204" pitchFamily="49" charset="0"/>
+              </a:rPr>
+              <a:t>” </a:t>
+            </a:r>
+            <a:r>
+              <a:rPr lang="en-US" b="0" dirty="0" err="1">
+                <a:solidFill>
+                  <a:srgbClr val="F8F8F2"/>
+                </a:solidFill>
+                <a:effectLst/>
+                <a:highlight>
+                  <a:srgbClr val="272822"/>
+                </a:highlight>
+                <a:latin typeface="Consolas" panose="020B0609020204030204" pitchFamily="49" charset="0"/>
+              </a:rPr>
+              <a:t>requesten</a:t>
+            </a:r>
+            <a:r>
+              <a:rPr lang="en-US" b="0" dirty="0">
+                <a:solidFill>
+                  <a:srgbClr val="F8F8F2"/>
+                </a:solidFill>
+                <a:effectLst/>
+                <a:highlight>
+                  <a:srgbClr val="272822"/>
+                </a:highlight>
+                <a:latin typeface="Consolas" panose="020B0609020204030204" pitchFamily="49" charset="0"/>
+              </a:rPr>
+              <a:t> </a:t>
+            </a:r>
+            <a:r>
+              <a:rPr lang="en-US" b="0" dirty="0" err="1">
+                <a:solidFill>
+                  <a:srgbClr val="F8F8F2"/>
+                </a:solidFill>
+                <a:effectLst/>
+                <a:highlight>
+                  <a:srgbClr val="272822"/>
+                </a:highlight>
+                <a:latin typeface="Consolas" panose="020B0609020204030204" pitchFamily="49" charset="0"/>
+              </a:rPr>
+              <a:t>när</a:t>
+            </a:r>
+            <a:r>
+              <a:rPr lang="en-US" b="0" dirty="0">
+                <a:solidFill>
+                  <a:srgbClr val="F8F8F2"/>
+                </a:solidFill>
+                <a:effectLst/>
+                <a:highlight>
+                  <a:srgbClr val="272822"/>
+                </a:highlight>
+                <a:latin typeface="Consolas" panose="020B0609020204030204" pitchFamily="49" charset="0"/>
+              </a:rPr>
+              <a:t> handshake </a:t>
+            </a:r>
+            <a:r>
+              <a:rPr lang="en-US" b="0" dirty="0" err="1">
+                <a:solidFill>
+                  <a:srgbClr val="F8F8F2"/>
+                </a:solidFill>
+                <a:effectLst/>
+                <a:highlight>
+                  <a:srgbClr val="272822"/>
+                </a:highlight>
+                <a:latin typeface="Consolas" panose="020B0609020204030204" pitchFamily="49" charset="0"/>
+              </a:rPr>
+              <a:t>är</a:t>
+            </a:r>
+            <a:r>
+              <a:rPr lang="en-US" b="0" dirty="0">
+                <a:solidFill>
+                  <a:srgbClr val="F8F8F2"/>
+                </a:solidFill>
+                <a:effectLst/>
+                <a:highlight>
+                  <a:srgbClr val="272822"/>
+                </a:highlight>
+                <a:latin typeface="Consolas" panose="020B0609020204030204" pitchFamily="49" charset="0"/>
+              </a:rPr>
+              <a:t> </a:t>
+            </a:r>
+            <a:r>
+              <a:rPr lang="en-US" b="0" dirty="0" err="1">
+                <a:solidFill>
+                  <a:srgbClr val="F8F8F2"/>
+                </a:solidFill>
+                <a:effectLst/>
+                <a:highlight>
+                  <a:srgbClr val="272822"/>
+                </a:highlight>
+                <a:latin typeface="Consolas" panose="020B0609020204030204" pitchFamily="49" charset="0"/>
+              </a:rPr>
+              <a:t>genomförd</a:t>
             </a:r>
             <a:endParaRPr lang="en-US" b="0" dirty="0">
               <a:solidFill>
@@ -1915,7 +2920,7 @@
                 </a:highlight>
                 <a:latin typeface="Consolas" panose="020B0609020204030204" pitchFamily="49" charset="0"/>
               </a:rPr>
-              <a:t> S3 </a:t>
+              <a:t> </a:t>
             </a:r>
             <a:r>
               <a:rPr lang="en-US" b="0" dirty="0" err="1">
@@ -1928,7 +2933,386 @@
                 </a:highlight>
                 <a:latin typeface="Consolas" panose="020B0609020204030204" pitchFamily="49" charset="0"/>
               </a:rPr>
-              <a:t>ekvivalent</a:t>
+              <a:t>Kostnad</a:t>
+            </a:r>
+            <a:r>
+              <a:rPr lang="en-US" b="0" dirty="0">
+                <a:solidFill>
+                  <a:srgbClr val="F8F8F2"/>
+                </a:solidFill>
+                <a:effectLst/>
+                <a:highlight>
+                  <a:srgbClr val="272822"/>
+                </a:highlight>
+                <a:latin typeface="Consolas" panose="020B0609020204030204" pitchFamily="49" charset="0"/>
+              </a:rPr>
+              <a:t> </a:t>
+            </a:r>
+            <a:r>
+              <a:rPr lang="en-US" b="0" dirty="0" err="1">
+                <a:solidFill>
+                  <a:srgbClr val="F8F8F2"/>
+                </a:solidFill>
+                <a:effectLst/>
+                <a:highlight>
+                  <a:srgbClr val="272822"/>
+                </a:highlight>
+                <a:latin typeface="Consolas" panose="020B0609020204030204" pitchFamily="49" charset="0"/>
+              </a:rPr>
+              <a:t>är</a:t>
+            </a:r>
+            <a:r>
+              <a:rPr lang="en-US" b="0" dirty="0">
+                <a:solidFill>
+                  <a:srgbClr val="F8F8F2"/>
+                </a:solidFill>
+                <a:effectLst/>
+                <a:highlight>
+                  <a:srgbClr val="272822"/>
+                </a:highlight>
+                <a:latin typeface="Consolas" panose="020B0609020204030204" pitchFamily="49" charset="0"/>
+              </a:rPr>
+              <a:t> per CPU-</a:t>
+            </a:r>
+            <a:r>
+              <a:rPr lang="en-US" b="0" dirty="0" err="1">
+                <a:solidFill>
+                  <a:srgbClr val="F8F8F2"/>
+                </a:solidFill>
+                <a:effectLst/>
+                <a:highlight>
+                  <a:srgbClr val="272822"/>
+                </a:highlight>
+                <a:latin typeface="Consolas" panose="020B0609020204030204" pitchFamily="49" charset="0"/>
+              </a:rPr>
+              <a:t>millisekund</a:t>
+            </a:r>
+            <a:r>
+              <a:rPr lang="en-US" b="0" dirty="0">
+                <a:solidFill>
+                  <a:srgbClr val="F8F8F2"/>
+                </a:solidFill>
+                <a:effectLst/>
+                <a:highlight>
+                  <a:srgbClr val="272822"/>
+                </a:highlight>
+                <a:latin typeface="Consolas" panose="020B0609020204030204" pitchFamily="49" charset="0"/>
+              </a:rPr>
+              <a:t> (</a:t>
+            </a:r>
+            <a:r>
+              <a:rPr lang="en-US" b="0" dirty="0" err="1">
+                <a:solidFill>
+                  <a:srgbClr val="F8F8F2"/>
+                </a:solidFill>
+                <a:effectLst/>
+                <a:highlight>
+                  <a:srgbClr val="272822"/>
+                </a:highlight>
+                <a:latin typeface="Consolas" panose="020B0609020204030204" pitchFamily="49" charset="0"/>
+              </a:rPr>
+              <a:t>istället</a:t>
+            </a:r>
+            <a:r>
+              <a:rPr lang="en-US" b="0" dirty="0">
+                <a:solidFill>
+                  <a:srgbClr val="F8F8F2"/>
+                </a:solidFill>
+                <a:effectLst/>
+                <a:highlight>
+                  <a:srgbClr val="272822"/>
+                </a:highlight>
+                <a:latin typeface="Consolas" panose="020B0609020204030204" pitchFamily="49" charset="0"/>
+              </a:rPr>
+              <a:t> för GB-</a:t>
+            </a:r>
+            <a:r>
+              <a:rPr lang="en-US" b="0" dirty="0" err="1">
+                <a:solidFill>
+                  <a:srgbClr val="F8F8F2"/>
+                </a:solidFill>
+                <a:effectLst/>
+                <a:highlight>
+                  <a:srgbClr val="272822"/>
+                </a:highlight>
+                <a:latin typeface="Consolas" panose="020B0609020204030204" pitchFamily="49" charset="0"/>
+              </a:rPr>
+              <a:t>sekunder</a:t>
+            </a:r>
+            <a:r>
+              <a:rPr lang="en-US" b="0" dirty="0">
+                <a:solidFill>
+                  <a:srgbClr val="F8F8F2"/>
+                </a:solidFill>
+                <a:effectLst/>
+                <a:highlight>
+                  <a:srgbClr val="272822"/>
+                </a:highlight>
+                <a:latin typeface="Consolas" panose="020B0609020204030204" pitchFamily="49" charset="0"/>
+              </a:rPr>
+              <a:t> </a:t>
+            </a:r>
+            <a:r>
+              <a:rPr lang="en-US" b="0" dirty="0" err="1">
+                <a:solidFill>
+                  <a:srgbClr val="F8F8F2"/>
+                </a:solidFill>
+                <a:effectLst/>
+                <a:highlight>
+                  <a:srgbClr val="272822"/>
+                </a:highlight>
+                <a:latin typeface="Consolas" panose="020B0609020204030204" pitchFamily="49" charset="0"/>
+              </a:rPr>
+              <a:t>eller</a:t>
+            </a:r>
+            <a:r>
+              <a:rPr lang="en-US" b="0" dirty="0">
+                <a:solidFill>
+                  <a:srgbClr val="F8F8F2"/>
+                </a:solidFill>
+                <a:effectLst/>
+                <a:highlight>
+                  <a:srgbClr val="272822"/>
+                </a:highlight>
+                <a:latin typeface="Consolas" panose="020B0609020204030204" pitchFamily="49" charset="0"/>
+              </a:rPr>
+              <a:t> </a:t>
+            </a:r>
+            <a:r>
+              <a:rPr lang="en-US" b="0" dirty="0" err="1">
+                <a:solidFill>
+                  <a:srgbClr val="F8F8F2"/>
+                </a:solidFill>
+                <a:effectLst/>
+                <a:highlight>
+                  <a:srgbClr val="272822"/>
+                </a:highlight>
+                <a:latin typeface="Consolas" panose="020B0609020204030204" pitchFamily="49" charset="0"/>
+              </a:rPr>
+              <a:t>väggtid</a:t>
+            </a:r>
+            <a:r>
+              <a:rPr lang="en-US" b="0" dirty="0">
+                <a:solidFill>
+                  <a:srgbClr val="F8F8F2"/>
+                </a:solidFill>
+                <a:effectLst/>
+                <a:highlight>
+                  <a:srgbClr val="272822"/>
+                </a:highlight>
+                <a:latin typeface="Consolas" panose="020B0609020204030204" pitchFamily="49" charset="0"/>
+              </a:rPr>
+              <a:t>) - https://blog.cloudflare.com/workers-pricing-scale-to-zero</a:t>
+            </a:r>
+          </a:p>
+          <a:p>
+            <a:r>
+              <a:rPr lang="en-US" b="0" dirty="0">
+                <a:solidFill>
+                  <a:srgbClr val="F8F8F2"/>
+                </a:solidFill>
+                <a:effectLst/>
+                <a:highlight>
+                  <a:srgbClr val="272822"/>
+                </a:highlight>
+                <a:latin typeface="Consolas" panose="020B0609020204030204" pitchFamily="49" charset="0"/>
+              </a:rPr>
+              <a:t>    - </a:t>
+            </a:r>
+            <a:r>
+              <a:rPr lang="en-US" b="0" dirty="0" err="1">
+                <a:solidFill>
+                  <a:srgbClr val="F8F8F2"/>
+                </a:solidFill>
+                <a:effectLst/>
+                <a:highlight>
+                  <a:srgbClr val="272822"/>
+                </a:highlight>
+                <a:latin typeface="Consolas" panose="020B0609020204030204" pitchFamily="49" charset="0"/>
+              </a:rPr>
+              <a:t>Kostar</a:t>
+            </a:r>
+            <a:r>
+              <a:rPr lang="en-US" b="0" dirty="0">
+                <a:solidFill>
+                  <a:srgbClr val="F8F8F2"/>
+                </a:solidFill>
+                <a:effectLst/>
+                <a:highlight>
+                  <a:srgbClr val="272822"/>
+                </a:highlight>
+                <a:latin typeface="Consolas" panose="020B0609020204030204" pitchFamily="49" charset="0"/>
+              </a:rPr>
+              <a:t> </a:t>
+            </a:r>
+            <a:r>
+              <a:rPr lang="en-US" b="0" dirty="0" err="1">
+                <a:solidFill>
+                  <a:srgbClr val="F8F8F2"/>
+                </a:solidFill>
+                <a:effectLst/>
+                <a:highlight>
+                  <a:srgbClr val="272822"/>
+                </a:highlight>
+                <a:latin typeface="Consolas" panose="020B0609020204030204" pitchFamily="49" charset="0"/>
+              </a:rPr>
+              <a:t>alltså</a:t>
+            </a:r>
+            <a:r>
+              <a:rPr lang="en-US" b="0" dirty="0">
+                <a:solidFill>
+                  <a:srgbClr val="F8F8F2"/>
+                </a:solidFill>
+                <a:effectLst/>
+                <a:highlight>
+                  <a:srgbClr val="272822"/>
+                </a:highlight>
+                <a:latin typeface="Consolas" panose="020B0609020204030204" pitchFamily="49" charset="0"/>
+              </a:rPr>
+              <a:t> </a:t>
+            </a:r>
+            <a:r>
+              <a:rPr lang="en-US" b="0" dirty="0" err="1">
+                <a:solidFill>
+                  <a:srgbClr val="F8F8F2"/>
+                </a:solidFill>
+                <a:effectLst/>
+                <a:highlight>
+                  <a:srgbClr val="272822"/>
+                </a:highlight>
+                <a:latin typeface="Consolas" panose="020B0609020204030204" pitchFamily="49" charset="0"/>
+              </a:rPr>
+              <a:t>inget</a:t>
+            </a:r>
+            <a:r>
+              <a:rPr lang="en-US" b="0" dirty="0">
+                <a:solidFill>
+                  <a:srgbClr val="F8F8F2"/>
+                </a:solidFill>
+                <a:effectLst/>
+                <a:highlight>
+                  <a:srgbClr val="272822"/>
+                </a:highlight>
+                <a:latin typeface="Consolas" panose="020B0609020204030204" pitchFamily="49" charset="0"/>
+              </a:rPr>
+              <a:t> </a:t>
+            </a:r>
+            <a:r>
+              <a:rPr lang="en-US" b="0" dirty="0" err="1">
+                <a:solidFill>
+                  <a:srgbClr val="F8F8F2"/>
+                </a:solidFill>
+                <a:effectLst/>
+                <a:highlight>
+                  <a:srgbClr val="272822"/>
+                </a:highlight>
+                <a:latin typeface="Consolas" panose="020B0609020204030204" pitchFamily="49" charset="0"/>
+              </a:rPr>
+              <a:t>att</a:t>
+            </a:r>
+            <a:r>
+              <a:rPr lang="en-US" b="0" dirty="0">
+                <a:solidFill>
+                  <a:srgbClr val="F8F8F2"/>
+                </a:solidFill>
+                <a:effectLst/>
+                <a:highlight>
+                  <a:srgbClr val="272822"/>
+                </a:highlight>
+                <a:latin typeface="Consolas" panose="020B0609020204030204" pitchFamily="49" charset="0"/>
+              </a:rPr>
+              <a:t> </a:t>
+            </a:r>
+            <a:r>
+              <a:rPr lang="en-US" b="0" dirty="0" err="1">
+                <a:solidFill>
+                  <a:srgbClr val="F8F8F2"/>
+                </a:solidFill>
+                <a:effectLst/>
+                <a:highlight>
+                  <a:srgbClr val="272822"/>
+                </a:highlight>
+                <a:latin typeface="Consolas" panose="020B0609020204030204" pitchFamily="49" charset="0"/>
+              </a:rPr>
+              <a:t>vänta</a:t>
+            </a:r>
+            <a:r>
+              <a:rPr lang="en-US" b="0" dirty="0">
+                <a:solidFill>
+                  <a:srgbClr val="F8F8F2"/>
+                </a:solidFill>
+                <a:effectLst/>
+                <a:highlight>
+                  <a:srgbClr val="272822"/>
+                </a:highlight>
+                <a:latin typeface="Consolas" panose="020B0609020204030204" pitchFamily="49" charset="0"/>
+              </a:rPr>
+              <a:t> </a:t>
+            </a:r>
+            <a:r>
+              <a:rPr lang="en-US" b="0" dirty="0" err="1">
+                <a:solidFill>
+                  <a:srgbClr val="F8F8F2"/>
+                </a:solidFill>
+                <a:effectLst/>
+                <a:highlight>
+                  <a:srgbClr val="272822"/>
+                </a:highlight>
+                <a:latin typeface="Consolas" panose="020B0609020204030204" pitchFamily="49" charset="0"/>
+              </a:rPr>
+              <a:t>på</a:t>
+            </a:r>
+            <a:r>
+              <a:rPr lang="en-US" b="0" dirty="0">
+                <a:solidFill>
+                  <a:srgbClr val="F8F8F2"/>
+                </a:solidFill>
+                <a:effectLst/>
+                <a:highlight>
+                  <a:srgbClr val="272822"/>
+                </a:highlight>
+                <a:latin typeface="Consolas" panose="020B0609020204030204" pitchFamily="49" charset="0"/>
+              </a:rPr>
+              <a:t> IO </a:t>
+            </a:r>
+            <a:r>
+              <a:rPr lang="en-US" b="0" dirty="0" err="1">
+                <a:solidFill>
+                  <a:srgbClr val="F8F8F2"/>
+                </a:solidFill>
+                <a:effectLst/>
+                <a:highlight>
+                  <a:srgbClr val="272822"/>
+                </a:highlight>
+                <a:latin typeface="Consolas" panose="020B0609020204030204" pitchFamily="49" charset="0"/>
+              </a:rPr>
+              <a:t>eller</a:t>
+            </a:r>
+            <a:r>
+              <a:rPr lang="en-US" b="0" dirty="0">
+                <a:solidFill>
+                  <a:srgbClr val="F8F8F2"/>
+                </a:solidFill>
+                <a:effectLst/>
+                <a:highlight>
+                  <a:srgbClr val="272822"/>
+                </a:highlight>
+                <a:latin typeface="Consolas" panose="020B0609020204030204" pitchFamily="49" charset="0"/>
+              </a:rPr>
+              <a:t> requests till externa </a:t>
+            </a:r>
+            <a:r>
+              <a:rPr lang="en-US" b="0" dirty="0" err="1">
+                <a:solidFill>
+                  <a:srgbClr val="F8F8F2"/>
+                </a:solidFill>
+                <a:effectLst/>
+                <a:highlight>
+                  <a:srgbClr val="272822"/>
+                </a:highlight>
+                <a:latin typeface="Consolas" panose="020B0609020204030204" pitchFamily="49" charset="0"/>
+              </a:rPr>
+              <a:t>tjänster</a:t>
             </a:r>
             <a:endParaRPr lang="en-US" b="0" dirty="0">
               <a:solidFill>
@@ -1979,473 +3363,14 @@
                 </a:highlight>
                 <a:latin typeface="Consolas" panose="020B0609020204030204" pitchFamily="49" charset="0"/>
               </a:rPr>
-              <a:t> S3-kompatibelt API</a:t>
-            </a:r>
-          </a:p>
-          <a:p>
-            <a:r>
-              <a:rPr lang="en-US" b="0" dirty="0">
-                <a:solidFill>
-                  <a:srgbClr val="F8F8F2"/>
-                </a:solidFill>
-                <a:effectLst/>
-                <a:highlight>
-                  <a:srgbClr val="272822"/>
-                </a:highlight>
-                <a:latin typeface="Consolas" panose="020B0609020204030204" pitchFamily="49" charset="0"/>
-              </a:rPr>
-              <a:t>  </a:t>
-            </a:r>
-            <a:r>
-              <a:rPr lang="en-US" b="0" dirty="0">
-                <a:solidFill>
-                  <a:srgbClr val="A6E22E"/>
-                </a:solidFill>
-                <a:effectLst/>
-                <a:highlight>
-                  <a:srgbClr val="272822"/>
-                </a:highlight>
-                <a:latin typeface="Consolas" panose="020B0609020204030204" pitchFamily="49" charset="0"/>
-              </a:rPr>
-              <a:t>-</a:t>
-            </a:r>
-            <a:r>
-              <a:rPr lang="en-US" b="0" dirty="0">
-                <a:solidFill>
-                  <a:srgbClr val="F8F8F2"/>
-                </a:solidFill>
-                <a:effectLst/>
-                <a:highlight>
-                  <a:srgbClr val="272822"/>
-                </a:highlight>
-                <a:latin typeface="Consolas" panose="020B0609020204030204" pitchFamily="49" charset="0"/>
-              </a:rPr>
-              <a:t> Inga </a:t>
-            </a:r>
-            <a:r>
-              <a:rPr lang="en-US" b="0" dirty="0" err="1">
-                <a:solidFill>
-                  <a:srgbClr val="F8F8F2"/>
-                </a:solidFill>
-                <a:effectLst/>
-                <a:highlight>
-                  <a:srgbClr val="272822"/>
-                </a:highlight>
-                <a:latin typeface="Consolas" panose="020B0609020204030204" pitchFamily="49" charset="0"/>
-              </a:rPr>
-              <a:t>kostnader</a:t>
-            </a:r>
-            <a:r>
-              <a:rPr lang="en-US" b="0" dirty="0">
-                <a:solidFill>
-                  <a:srgbClr val="F8F8F2"/>
-                </a:solidFill>
-                <a:effectLst/>
-                <a:highlight>
-                  <a:srgbClr val="272822"/>
-                </a:highlight>
-                <a:latin typeface="Consolas" panose="020B0609020204030204" pitchFamily="49" charset="0"/>
-              </a:rPr>
-              <a:t> for egress</a:t>
-            </a:r>
-          </a:p>
-          <a:p>
-            <a:r>
-              <a:rPr lang="en-US" b="0" dirty="0">
-                <a:solidFill>
-                  <a:srgbClr val="A6E22E"/>
-                </a:solidFill>
-                <a:effectLst/>
-                <a:highlight>
-                  <a:srgbClr val="272822"/>
-                </a:highlight>
-                <a:latin typeface="Consolas" panose="020B0609020204030204" pitchFamily="49" charset="0"/>
-              </a:rPr>
-              <a:t>-</a:t>
-            </a:r>
-            <a:r>
-              <a:rPr lang="en-US" b="0" dirty="0">
-                <a:solidFill>
-                  <a:srgbClr val="F8F8F2"/>
-                </a:solidFill>
-                <a:effectLst/>
-                <a:highlight>
-                  <a:srgbClr val="272822"/>
-                </a:highlight>
-                <a:latin typeface="Consolas" panose="020B0609020204030204" pitchFamily="49" charset="0"/>
-              </a:rPr>
-              <a:t> KV</a:t>
-            </a:r>
-          </a:p>
-          <a:p>
-            <a:r>
-              <a:rPr lang="en-US" b="0" dirty="0">
-                <a:solidFill>
-                  <a:srgbClr val="F8F8F2"/>
-                </a:solidFill>
-                <a:effectLst/>
-                <a:highlight>
-                  <a:srgbClr val="272822"/>
-                </a:highlight>
-                <a:latin typeface="Consolas" panose="020B0609020204030204" pitchFamily="49" charset="0"/>
-              </a:rPr>
-              <a:t>  </a:t>
-            </a:r>
-            <a:r>
-              <a:rPr lang="en-US" b="0" dirty="0">
-                <a:solidFill>
-                  <a:srgbClr val="A6E22E"/>
-                </a:solidFill>
-                <a:effectLst/>
-                <a:highlight>
-                  <a:srgbClr val="272822"/>
-                </a:highlight>
-                <a:latin typeface="Consolas" panose="020B0609020204030204" pitchFamily="49" charset="0"/>
-              </a:rPr>
-              <a:t>-</a:t>
-            </a:r>
-            <a:r>
-              <a:rPr lang="en-US" b="0" dirty="0">
-                <a:solidFill>
-                  <a:srgbClr val="F8F8F2"/>
-                </a:solidFill>
-                <a:effectLst/>
-                <a:highlight>
-                  <a:srgbClr val="272822"/>
-                </a:highlight>
-                <a:latin typeface="Consolas" panose="020B0609020204030204" pitchFamily="49" charset="0"/>
-              </a:rPr>
-              <a:t> Key/Value store</a:t>
-            </a:r>
-          </a:p>
-          <a:p>
-            <a:r>
-              <a:rPr lang="en-US" b="0" dirty="0">
-                <a:solidFill>
-                  <a:srgbClr val="F8F8F2"/>
-                </a:solidFill>
-                <a:effectLst/>
-                <a:highlight>
-                  <a:srgbClr val="272822"/>
-                </a:highlight>
-                <a:latin typeface="Consolas" panose="020B0609020204030204" pitchFamily="49" charset="0"/>
-              </a:rPr>
-              <a:t>  </a:t>
-            </a:r>
-            <a:r>
-              <a:rPr lang="en-US" b="0" dirty="0">
-                <a:solidFill>
-                  <a:srgbClr val="A6E22E"/>
-                </a:solidFill>
-                <a:effectLst/>
-                <a:highlight>
-                  <a:srgbClr val="272822"/>
-                </a:highlight>
-                <a:latin typeface="Consolas" panose="020B0609020204030204" pitchFamily="49" charset="0"/>
-              </a:rPr>
-              <a:t>-</a:t>
-            </a:r>
-            <a:r>
-              <a:rPr lang="en-US" b="0" dirty="0">
-                <a:solidFill>
-                  <a:srgbClr val="F8F8F2"/>
-                </a:solidFill>
-                <a:effectLst/>
-                <a:highlight>
-                  <a:srgbClr val="272822"/>
-                </a:highlight>
-                <a:latin typeface="Consolas" panose="020B0609020204030204" pitchFamily="49" charset="0"/>
-              </a:rPr>
-              <a:t> Som </a:t>
-            </a:r>
-            <a:r>
-              <a:rPr lang="en-US" b="0" dirty="0" err="1">
-                <a:solidFill>
-                  <a:srgbClr val="F8F8F2"/>
-                </a:solidFill>
-                <a:effectLst/>
-                <a:highlight>
-                  <a:srgbClr val="272822"/>
-                </a:highlight>
-                <a:latin typeface="Consolas" panose="020B0609020204030204" pitchFamily="49" charset="0"/>
-              </a:rPr>
-              <a:t>localStorage</a:t>
-            </a:r>
-            <a:r>
-              <a:rPr lang="en-US" b="0" dirty="0">
-                <a:solidFill>
-                  <a:srgbClr val="F8F8F2"/>
-                </a:solidFill>
-                <a:effectLst/>
-                <a:highlight>
-                  <a:srgbClr val="272822"/>
-                </a:highlight>
-                <a:latin typeface="Consolas" panose="020B0609020204030204" pitchFamily="49" charset="0"/>
-              </a:rPr>
-              <a:t> </a:t>
-            </a:r>
-            <a:r>
-              <a:rPr lang="en-US" b="0" dirty="0" err="1">
-                <a:solidFill>
-                  <a:srgbClr val="F8F8F2"/>
-                </a:solidFill>
-                <a:effectLst/>
-                <a:highlight>
-                  <a:srgbClr val="272822"/>
-                </a:highlight>
-                <a:latin typeface="Consolas" panose="020B0609020204030204" pitchFamily="49" charset="0"/>
-              </a:rPr>
-              <a:t>i</a:t>
-            </a:r>
-            <a:r>
-              <a:rPr lang="en-US" b="0" dirty="0">
-                <a:solidFill>
-                  <a:srgbClr val="F8F8F2"/>
-                </a:solidFill>
-                <a:effectLst/>
-                <a:highlight>
-                  <a:srgbClr val="272822"/>
-                </a:highlight>
-                <a:latin typeface="Consolas" panose="020B0609020204030204" pitchFamily="49" charset="0"/>
-              </a:rPr>
-              <a:t> </a:t>
-            </a:r>
-            <a:r>
-              <a:rPr lang="en-US" b="0" dirty="0" err="1">
-                <a:solidFill>
-                  <a:srgbClr val="F8F8F2"/>
-                </a:solidFill>
-                <a:effectLst/>
-                <a:highlight>
-                  <a:srgbClr val="272822"/>
-                </a:highlight>
-                <a:latin typeface="Consolas" panose="020B0609020204030204" pitchFamily="49" charset="0"/>
-              </a:rPr>
-              <a:t>webbläsare</a:t>
-            </a:r>
-            <a:endParaRPr lang="en-US" b="0" dirty="0">
-              <a:solidFill>
-                <a:srgbClr val="F8F8F2"/>
-              </a:solidFill>
-              <a:effectLst/>
-              <a:highlight>
-                <a:srgbClr val="272822"/>
-              </a:highlight>
-              <a:latin typeface="Consolas" panose="020B0609020204030204" pitchFamily="49" charset="0"/>
-            </a:endParaRPr>
-          </a:p>
-          <a:p>
-            <a:r>
-              <a:rPr lang="en-US" b="0" dirty="0">
-                <a:solidFill>
-                  <a:srgbClr val="A6E22E"/>
-                </a:solidFill>
-                <a:effectLst/>
-                <a:highlight>
-                  <a:srgbClr val="272822"/>
-                </a:highlight>
-                <a:latin typeface="Consolas" panose="020B0609020204030204" pitchFamily="49" charset="0"/>
-              </a:rPr>
-              <a:t>-</a:t>
-            </a:r>
-            <a:r>
-              <a:rPr lang="en-US" b="0" dirty="0">
-                <a:solidFill>
-                  <a:srgbClr val="F8F8F2"/>
-                </a:solidFill>
-                <a:effectLst/>
-                <a:highlight>
-                  <a:srgbClr val="272822"/>
-                </a:highlight>
-                <a:latin typeface="Consolas" panose="020B0609020204030204" pitchFamily="49" charset="0"/>
-              </a:rPr>
-              <a:t> Durable Objects</a:t>
-            </a:r>
-          </a:p>
-          <a:p>
-            <a:r>
-              <a:rPr lang="en-US" b="0" dirty="0">
-                <a:solidFill>
-                  <a:srgbClr val="F8F8F2"/>
-                </a:solidFill>
-                <a:effectLst/>
-                <a:highlight>
-                  <a:srgbClr val="272822"/>
-                </a:highlight>
-                <a:latin typeface="Consolas" panose="020B0609020204030204" pitchFamily="49" charset="0"/>
-              </a:rPr>
-              <a:t>  </a:t>
-            </a:r>
-            <a:r>
-              <a:rPr lang="en-US" b="0" dirty="0">
-                <a:solidFill>
-                  <a:srgbClr val="A6E22E"/>
-                </a:solidFill>
-                <a:effectLst/>
-                <a:highlight>
-                  <a:srgbClr val="272822"/>
-                </a:highlight>
-                <a:latin typeface="Consolas" panose="020B0609020204030204" pitchFamily="49" charset="0"/>
-              </a:rPr>
-              <a:t>-</a:t>
-            </a:r>
-            <a:r>
-              <a:rPr lang="en-US" b="0" dirty="0">
-                <a:solidFill>
-                  <a:srgbClr val="F8F8F2"/>
-                </a:solidFill>
-                <a:effectLst/>
-                <a:highlight>
-                  <a:srgbClr val="272822"/>
-                </a:highlight>
-                <a:latin typeface="Consolas" panose="020B0609020204030204" pitchFamily="49" charset="0"/>
-              </a:rPr>
-              <a:t> </a:t>
-            </a:r>
-            <a:r>
-              <a:rPr lang="en-US" b="0" dirty="0" err="1">
-                <a:solidFill>
-                  <a:srgbClr val="F8F8F2"/>
-                </a:solidFill>
-                <a:effectLst/>
-                <a:highlight>
-                  <a:srgbClr val="272822"/>
-                </a:highlight>
-                <a:latin typeface="Consolas" panose="020B0609020204030204" pitchFamily="49" charset="0"/>
-              </a:rPr>
-              <a:t>Koordinera</a:t>
-            </a:r>
-            <a:r>
-              <a:rPr lang="en-US" b="0" dirty="0">
-                <a:solidFill>
-                  <a:srgbClr val="F8F8F2"/>
-                </a:solidFill>
-                <a:effectLst/>
-                <a:highlight>
-                  <a:srgbClr val="272822"/>
-                </a:highlight>
-                <a:latin typeface="Consolas" panose="020B0609020204030204" pitchFamily="49" charset="0"/>
-              </a:rPr>
-              <a:t> state </a:t>
-            </a:r>
-            <a:r>
-              <a:rPr lang="en-US" b="0" dirty="0" err="1">
-                <a:solidFill>
-                  <a:srgbClr val="F8F8F2"/>
-                </a:solidFill>
-                <a:effectLst/>
-                <a:highlight>
-                  <a:srgbClr val="272822"/>
-                </a:highlight>
-                <a:latin typeface="Consolas" panose="020B0609020204030204" pitchFamily="49" charset="0"/>
-              </a:rPr>
-              <a:t>mellan</a:t>
-            </a:r>
-            <a:r>
-              <a:rPr lang="en-US" b="0" dirty="0">
-                <a:solidFill>
-                  <a:srgbClr val="F8F8F2"/>
-                </a:solidFill>
-                <a:effectLst/>
-                <a:highlight>
-                  <a:srgbClr val="272822"/>
-                </a:highlight>
-                <a:latin typeface="Consolas" panose="020B0609020204030204" pitchFamily="49" charset="0"/>
-              </a:rPr>
-              <a:t> </a:t>
-            </a:r>
-            <a:r>
-              <a:rPr lang="en-US" b="0" dirty="0" err="1">
-                <a:solidFill>
-                  <a:srgbClr val="F8F8F2"/>
-                </a:solidFill>
-                <a:effectLst/>
-                <a:highlight>
-                  <a:srgbClr val="272822"/>
-                </a:highlight>
-                <a:latin typeface="Consolas" panose="020B0609020204030204" pitchFamily="49" charset="0"/>
-              </a:rPr>
-              <a:t>flera</a:t>
-            </a:r>
-            <a:r>
-              <a:rPr lang="en-US" b="0" dirty="0">
-                <a:solidFill>
-                  <a:srgbClr val="F8F8F2"/>
-                </a:solidFill>
-                <a:effectLst/>
-                <a:highlight>
-                  <a:srgbClr val="272822"/>
-                </a:highlight>
-                <a:latin typeface="Consolas" panose="020B0609020204030204" pitchFamily="49" charset="0"/>
-              </a:rPr>
-              <a:t> </a:t>
-            </a:r>
-            <a:r>
-              <a:rPr lang="en-US" b="0" dirty="0" err="1">
-                <a:solidFill>
-                  <a:srgbClr val="F8F8F2"/>
-                </a:solidFill>
-                <a:effectLst/>
-                <a:highlight>
-                  <a:srgbClr val="272822"/>
-                </a:highlight>
-                <a:latin typeface="Consolas" panose="020B0609020204030204" pitchFamily="49" charset="0"/>
-              </a:rPr>
-              <a:t>klienter</a:t>
-            </a:r>
-            <a:endParaRPr lang="en-US" b="0" dirty="0">
-              <a:solidFill>
-                <a:srgbClr val="F8F8F2"/>
-              </a:solidFill>
-              <a:effectLst/>
-              <a:highlight>
-                <a:srgbClr val="272822"/>
-              </a:highlight>
-              <a:latin typeface="Consolas" panose="020B0609020204030204" pitchFamily="49" charset="0"/>
-            </a:endParaRPr>
-          </a:p>
-          <a:p>
-            <a:r>
-              <a:rPr lang="en-US" b="0" dirty="0">
-                <a:solidFill>
-                  <a:srgbClr val="F8F8F2"/>
-                </a:solidFill>
-                <a:effectLst/>
-                <a:highlight>
-                  <a:srgbClr val="272822"/>
-                </a:highlight>
-                <a:latin typeface="Consolas" panose="020B0609020204030204" pitchFamily="49" charset="0"/>
-              </a:rPr>
-              <a:t>  </a:t>
-            </a:r>
-            <a:r>
-              <a:rPr lang="en-US" b="0" dirty="0">
-                <a:solidFill>
-                  <a:srgbClr val="A6E22E"/>
-                </a:solidFill>
-                <a:effectLst/>
-                <a:highlight>
-                  <a:srgbClr val="272822"/>
-                </a:highlight>
-                <a:latin typeface="Consolas" panose="020B0609020204030204" pitchFamily="49" charset="0"/>
-              </a:rPr>
-              <a:t>-</a:t>
-            </a:r>
-            <a:r>
-              <a:rPr lang="en-US" b="0" dirty="0">
-                <a:solidFill>
-                  <a:srgbClr val="F8F8F2"/>
-                </a:solidFill>
-                <a:effectLst/>
-                <a:highlight>
-                  <a:srgbClr val="272822"/>
-                </a:highlight>
-                <a:latin typeface="Consolas" panose="020B0609020204030204" pitchFamily="49" charset="0"/>
-              </a:rPr>
-              <a:t> "Durable Objects allow you to create a "named" worker instance somewhere on the network that multiple other workers can then talk to, in order to coordinate between them. Each Durable Object also has its own private on-disk storage where it can store state long-term."</a:t>
-            </a:r>
-          </a:p>
-          <a:p>
+              <a:t> Worker-to-Worker RPC calls - https://blog.cloudflare.com/javascript-native-rpc</a:t>
+            </a:r>
+          </a:p>
+          <a:p>
+            <a:pPr marL="0" indent="0">
+              <a:buFontTx/>
+              <a:buNone/>
+            </a:pPr>
             <a:endParaRPr lang="en-SE" dirty="0"/>
           </a:p>
         </p:txBody>
@@ -2467,7 +3392,7 @@
           <a:p>
             <a:fld id="{2ECA3C8B-6150-4A40-994F-9B940BFC5C57}" type="slidenum">
               <a:rPr lang="en-US" smtClean="0"/>
-              <a:t>6</a:t>
+              <a:t>5</a:t>
             </a:fld>
             <a:endParaRPr lang="en-US"/>
           </a:p>
@@ -2476,7 +3401,7 @@
     </p:spTree>
     <p:extLst>
       <p:ext uri="{BB962C8B-B14F-4D97-AF65-F5344CB8AC3E}">
-        <p14:creationId xmlns:p14="http://schemas.microsoft.com/office/powerpoint/2010/main" val="2757635967"/>
+        <p14:creationId xmlns:p14="http://schemas.microsoft.com/office/powerpoint/2010/main" val="4178686375"/>
       </p:ext>
     </p:extLst>
   </p:cSld>
@@ -2554,7 +3479,7 @@
                 </a:highlight>
                 <a:latin typeface="Consolas" panose="020B0609020204030204" pitchFamily="49" charset="0"/>
               </a:rPr>
-              <a:t> Pub/Sub</a:t>
+              <a:t> D1</a:t>
             </a:r>
           </a:p>
           <a:p>
@@ -2595,6 +3520,47 @@
                 </a:highlight>
                 <a:latin typeface="Consolas" panose="020B0609020204030204" pitchFamily="49" charset="0"/>
               </a:rPr>
+              <a:t> Serverless SQL database</a:t>
+            </a:r>
+          </a:p>
+          <a:p>
+            <a:r>
+              <a:rPr lang="en-US" b="0" dirty="0">
+                <a:solidFill>
+                  <a:srgbClr val="F8F8F2"/>
+                </a:solidFill>
+                <a:effectLst/>
+                <a:highlight>
+                  <a:srgbClr val="272822"/>
+                </a:highlight>
+                <a:latin typeface="Consolas" panose="020B0609020204030204" pitchFamily="49" charset="0"/>
+              </a:rPr>
+              <a:t>  </a:t>
+            </a:r>
+            <a:r>
+              <a:rPr lang="en-US" b="0" dirty="0">
+                <a:solidFill>
+                  <a:srgbClr val="A6E22E"/>
+                </a:solidFill>
+                <a:effectLst/>
+                <a:highlight>
+                  <a:srgbClr val="272822"/>
+                </a:highlight>
+                <a:latin typeface="Consolas" panose="020B0609020204030204" pitchFamily="49" charset="0"/>
+              </a:rPr>
+              <a:t>-</a:t>
+            </a:r>
+            <a:r>
+              <a:rPr lang="en-US" b="0" dirty="0">
+                <a:solidFill>
+                  <a:srgbClr val="F8F8F2"/>
+                </a:solidFill>
+                <a:effectLst/>
+                <a:highlight>
+                  <a:srgbClr val="272822"/>
+                </a:highlight>
+                <a:latin typeface="Consolas" panose="020B0609020204030204" pitchFamily="49" charset="0"/>
+              </a:rPr>
               <a:t> </a:t>
             </a:r>
             <a:r>
@@ -2608,7 +3574,7 @@
                 </a:highlight>
                 <a:latin typeface="Consolas" panose="020B0609020204030204" pitchFamily="49" charset="0"/>
               </a:rPr>
-              <a:t>Distribuerad</a:t>
+              <a:t>Likt</a:t>
             </a:r>
             <a:r>
               <a:rPr lang="en-US" b="0" dirty="0">
@@ -2621,13 +3587,41 @@
                 </a:highlight>
                 <a:latin typeface="Consolas" panose="020B0609020204030204" pitchFamily="49" charset="0"/>
               </a:rPr>
-              <a:t> MQTT</a:t>
+              <a:t> AWS Aurora</a:t>
             </a:r>
           </a:p>
           <a:p>
             <a:r>
               <a:rPr lang="en-US" b="0" dirty="0">
                 <a:solidFill>
+                  <a:srgbClr val="A6E22E"/>
+                </a:solidFill>
+                <a:effectLst/>
+                <a:highlight>
+                  <a:srgbClr val="272822"/>
+                </a:highlight>
+                <a:latin typeface="Consolas" panose="020B0609020204030204" pitchFamily="49" charset="0"/>
+              </a:rPr>
+              <a:t>-</a:t>
+            </a:r>
+            <a:r>
+              <a:rPr lang="en-US" b="0" dirty="0">
+                <a:solidFill>
+                  <a:srgbClr val="F8F8F2"/>
+                </a:solidFill>
+                <a:effectLst/>
+                <a:highlight>
+                  <a:srgbClr val="272822"/>
+                </a:highlight>
+                <a:latin typeface="Consolas" panose="020B0609020204030204" pitchFamily="49" charset="0"/>
+              </a:rPr>
+              <a:t> R2</a:t>
+            </a:r>
+          </a:p>
+          <a:p>
+            <a:r>
+              <a:rPr lang="en-US" b="0" dirty="0">
+                <a:solidFill>
                   <a:srgbClr val="F8F8F2"/>
                 </a:solidFill>
                 <a:effectLst/>
@@ -2675,8 +3669,20 @@
                 </a:highlight>
                 <a:latin typeface="Consolas" panose="020B0609020204030204" pitchFamily="49" charset="0"/>
               </a:rPr>
-              <a:t>Stängd</a:t>
-            </a:r>
+              <a:t>Objectstorage</a:t>
+            </a:r>
+            <a:endParaRPr lang="en-US" b="0" dirty="0">
+              <a:solidFill>
+                <a:srgbClr val="F8F8F2"/>
+              </a:solidFill>
+              <a:effectLst/>
+              <a:highlight>
+                <a:srgbClr val="272822"/>
+              </a:highlight>
+              <a:latin typeface="Consolas" panose="020B0609020204030204" pitchFamily="49" charset="0"/>
+            </a:endParaRPr>
+          </a:p>
+          <a:p>
             <a:r>
               <a:rPr lang="en-US" b="0" dirty="0">
                 <a:solidFill>
@@ -2688,10 +3694,8 @@
                 </a:highlight>
                 <a:latin typeface="Consolas" panose="020B0609020204030204" pitchFamily="49" charset="0"/>
               </a:rPr>
-              <a:t> beta</a:t>
-            </a:r>
-          </a:p>
-          <a:p>
+              <a:t>  </a:t>
+            </a:r>
             <a:r>
               <a:rPr lang="en-US" b="0" dirty="0">
                 <a:solidFill>
@@ -2716,8 +3720,31 @@
                 </a:highlight>
                 <a:latin typeface="Consolas" panose="020B0609020204030204" pitchFamily="49" charset="0"/>
               </a:rPr>
-              <a:t> Queues</a:t>
-            </a:r>
+              <a:t> S3 </a:t>
+            </a:r>
+            <a:r>
+              <a:rPr lang="en-US" b="0" dirty="0" err="1">
+                <a:solidFill>
+                  <a:srgbClr val="F8F8F2"/>
+                </a:solidFill>
+                <a:effectLst/>
+                <a:highlight>
+                  <a:srgbClr val="272822"/>
+                </a:highlight>
+                <a:latin typeface="Consolas" panose="020B0609020204030204" pitchFamily="49" charset="0"/>
+              </a:rPr>
+              <a:t>ekvivalent</a:t>
+            </a:r>
+            <a:endParaRPr lang="en-US" b="0" dirty="0">
+              <a:solidFill>
+                <a:srgbClr val="F8F8F2"/>
+              </a:solidFill>
+              <a:effectLst/>
+              <a:highlight>
+                <a:srgbClr val="272822"/>
+              </a:highlight>
+              <a:latin typeface="Consolas" panose="020B0609020204030204" pitchFamily="49" charset="0"/>
+            </a:endParaRPr>
           </a:p>
           <a:p>
             <a:r>
@@ -2757,6 +3784,73 @@
                 </a:highlight>
                 <a:latin typeface="Consolas" panose="020B0609020204030204" pitchFamily="49" charset="0"/>
               </a:rPr>
+              <a:t> S3-kompatibelt API</a:t>
+            </a:r>
+          </a:p>
+          <a:p>
+            <a:r>
+              <a:rPr lang="en-US" b="0" dirty="0">
+                <a:solidFill>
+                  <a:srgbClr val="F8F8F2"/>
+                </a:solidFill>
+                <a:effectLst/>
+                <a:highlight>
+                  <a:srgbClr val="272822"/>
+                </a:highlight>
+                <a:latin typeface="Consolas" panose="020B0609020204030204" pitchFamily="49" charset="0"/>
+              </a:rPr>
+              <a:t>    - Finns </a:t>
+            </a:r>
+            <a:r>
+              <a:rPr lang="en-US" b="0" dirty="0" err="1">
+                <a:solidFill>
+                  <a:srgbClr val="F8F8F2"/>
+                </a:solidFill>
+                <a:effectLst/>
+                <a:highlight>
+                  <a:srgbClr val="272822"/>
+                </a:highlight>
+                <a:latin typeface="Consolas" panose="020B0609020204030204" pitchFamily="49" charset="0"/>
+              </a:rPr>
+              <a:t>tjänst</a:t>
+            </a:r>
+            <a:r>
+              <a:rPr lang="en-US" b="0" dirty="0">
+                <a:solidFill>
+                  <a:srgbClr val="F8F8F2"/>
+                </a:solidFill>
+                <a:effectLst/>
+                <a:highlight>
+                  <a:srgbClr val="272822"/>
+                </a:highlight>
+                <a:latin typeface="Consolas" panose="020B0609020204030204" pitchFamily="49" charset="0"/>
+              </a:rPr>
+              <a:t> för </a:t>
+            </a:r>
+            <a:r>
+              <a:rPr lang="en-US" b="0" dirty="0" err="1">
+                <a:solidFill>
+                  <a:srgbClr val="F8F8F2"/>
+                </a:solidFill>
+                <a:effectLst/>
+                <a:highlight>
+                  <a:srgbClr val="272822"/>
+                </a:highlight>
+                <a:latin typeface="Consolas" panose="020B0609020204030204" pitchFamily="49" charset="0"/>
+              </a:rPr>
+              <a:t>att</a:t>
+            </a:r>
+            <a:r>
+              <a:rPr lang="en-US" b="0" dirty="0">
+                <a:solidFill>
+                  <a:srgbClr val="F8F8F2"/>
+                </a:solidFill>
+                <a:effectLst/>
+                <a:highlight>
+                  <a:srgbClr val="272822"/>
+                </a:highlight>
+                <a:latin typeface="Consolas" panose="020B0609020204030204" pitchFamily="49" charset="0"/>
+              </a:rPr>
               <a:t> </a:t>
             </a:r>
             <a:r>
@@ -2770,7 +3864,7 @@
                 </a:highlight>
                 <a:latin typeface="Consolas" panose="020B0609020204030204" pitchFamily="49" charset="0"/>
               </a:rPr>
-              <a:t>Likt</a:t>
+              <a:t>migrera</a:t>
             </a:r>
             <a:r>
               <a:rPr lang="en-US" b="0" dirty="0">
@@ -2783,10 +3877,21 @@
                 </a:highlight>
                 <a:latin typeface="Consolas" panose="020B0609020204030204" pitchFamily="49" charset="0"/>
               </a:rPr>
-              <a:t> SQS</a:t>
-            </a:r>
-          </a:p>
-          <a:p>
+              <a:t> </a:t>
+            </a:r>
+            <a:r>
+              <a:rPr lang="en-US" b="0" dirty="0" err="1">
+                <a:solidFill>
+                  <a:srgbClr val="F8F8F2"/>
+                </a:solidFill>
+                <a:effectLst/>
+                <a:highlight>
+                  <a:srgbClr val="272822"/>
+                </a:highlight>
+                <a:latin typeface="Consolas" panose="020B0609020204030204" pitchFamily="49" charset="0"/>
+              </a:rPr>
+              <a:t>från</a:t>
+            </a:r>
             <a:r>
               <a:rPr lang="en-US" b="0" dirty="0">
                 <a:solidFill>
@@ -2798,6 +3903,21 @@
                 </a:highlight>
                 <a:latin typeface="Consolas" panose="020B0609020204030204" pitchFamily="49" charset="0"/>
               </a:rPr>
+              <a:t> S3 till R2</a:t>
+            </a:r>
+          </a:p>
+          <a:p>
+            <a:r>
+              <a:rPr lang="en-US" b="0" dirty="0">
+                <a:solidFill>
+                  <a:srgbClr val="F8F8F2"/>
+                </a:solidFill>
+                <a:effectLst/>
+                <a:highlight>
+                  <a:srgbClr val="272822"/>
+                </a:highlight>
+                <a:latin typeface="Consolas" panose="020B0609020204030204" pitchFamily="49" charset="0"/>
+              </a:rPr>
               <a:t>  </a:t>
             </a:r>
             <a:r>
@@ -2824,6 +3944,172 @@
                 </a:highlight>
                 <a:latin typeface="Consolas" panose="020B0609020204030204" pitchFamily="49" charset="0"/>
               </a:rPr>
+              <a:t> Inga </a:t>
+            </a:r>
+            <a:r>
+              <a:rPr lang="en-US" b="0" dirty="0" err="1">
+                <a:solidFill>
+                  <a:srgbClr val="F8F8F2"/>
+                </a:solidFill>
+                <a:effectLst/>
+                <a:highlight>
+                  <a:srgbClr val="272822"/>
+                </a:highlight>
+                <a:latin typeface="Consolas" panose="020B0609020204030204" pitchFamily="49" charset="0"/>
+              </a:rPr>
+              <a:t>kostnader</a:t>
+            </a:r>
+            <a:r>
+              <a:rPr lang="en-US" b="0" dirty="0">
+                <a:solidFill>
+                  <a:srgbClr val="F8F8F2"/>
+                </a:solidFill>
+                <a:effectLst/>
+                <a:highlight>
+                  <a:srgbClr val="272822"/>
+                </a:highlight>
+                <a:latin typeface="Consolas" panose="020B0609020204030204" pitchFamily="49" charset="0"/>
+              </a:rPr>
+              <a:t> for egress</a:t>
+            </a:r>
+          </a:p>
+          <a:p>
+            <a:r>
+              <a:rPr lang="en-US" b="0" dirty="0">
+                <a:solidFill>
+                  <a:srgbClr val="A6E22E"/>
+                </a:solidFill>
+                <a:effectLst/>
+                <a:highlight>
+                  <a:srgbClr val="272822"/>
+                </a:highlight>
+                <a:latin typeface="Consolas" panose="020B0609020204030204" pitchFamily="49" charset="0"/>
+              </a:rPr>
+              <a:t>-</a:t>
+            </a:r>
+            <a:r>
+              <a:rPr lang="en-US" b="0" dirty="0">
+                <a:solidFill>
+                  <a:srgbClr val="F8F8F2"/>
+                </a:solidFill>
+                <a:effectLst/>
+                <a:highlight>
+                  <a:srgbClr val="272822"/>
+                </a:highlight>
+                <a:latin typeface="Consolas" panose="020B0609020204030204" pitchFamily="49" charset="0"/>
+              </a:rPr>
+              <a:t> KV</a:t>
+            </a:r>
+          </a:p>
+          <a:p>
+            <a:r>
+              <a:rPr lang="en-US" b="0" dirty="0">
+                <a:solidFill>
+                  <a:srgbClr val="F8F8F2"/>
+                </a:solidFill>
+                <a:effectLst/>
+                <a:highlight>
+                  <a:srgbClr val="272822"/>
+                </a:highlight>
+                <a:latin typeface="Consolas" panose="020B0609020204030204" pitchFamily="49" charset="0"/>
+              </a:rPr>
+              <a:t>  </a:t>
+            </a:r>
+            <a:r>
+              <a:rPr lang="en-US" b="0" dirty="0">
+                <a:solidFill>
+                  <a:srgbClr val="A6E22E"/>
+                </a:solidFill>
+                <a:effectLst/>
+                <a:highlight>
+                  <a:srgbClr val="272822"/>
+                </a:highlight>
+                <a:latin typeface="Consolas" panose="020B0609020204030204" pitchFamily="49" charset="0"/>
+              </a:rPr>
+              <a:t>-</a:t>
+            </a:r>
+            <a:r>
+              <a:rPr lang="en-US" b="0" dirty="0">
+                <a:solidFill>
+                  <a:srgbClr val="F8F8F2"/>
+                </a:solidFill>
+                <a:effectLst/>
+                <a:highlight>
+                  <a:srgbClr val="272822"/>
+                </a:highlight>
+                <a:latin typeface="Consolas" panose="020B0609020204030204" pitchFamily="49" charset="0"/>
+              </a:rPr>
+              <a:t> Key/Value store</a:t>
+            </a:r>
+          </a:p>
+          <a:p>
+            <a:pPr marL="0" marR="0" lvl="0" indent="0" algn="l" defTabSz="457200" rtl="0" eaLnBrk="1" fontAlgn="auto" latinLnBrk="0" hangingPunct="1">
+              <a:lnSpc>
+                <a:spcPct val="100000"/>
+              </a:lnSpc>
+              <a:spcBef>
+                <a:spcPts val="0"/>
+              </a:spcBef>
+              <a:spcAft>
+                <a:spcPts val="0"/>
+              </a:spcAft>
+              <a:buClrTx/>
+              <a:buSzTx/>
+              <a:buFontTx/>
+              <a:buNone/>
+              <a:tabLst/>
+              <a:defRPr/>
+            </a:pPr>
+            <a:r>
+              <a:rPr lang="en-US" b="0" dirty="0">
+                <a:solidFill>
+                  <a:srgbClr val="A6E22E"/>
+                </a:solidFill>
+                <a:effectLst/>
+                <a:highlight>
+                  <a:srgbClr val="272822"/>
+                </a:highlight>
+                <a:latin typeface="Consolas" panose="020B0609020204030204" pitchFamily="49" charset="0"/>
+              </a:rPr>
+              <a:t>  -</a:t>
+            </a:r>
+            <a:r>
+              <a:rPr lang="en-US" b="0" dirty="0">
+                <a:solidFill>
+                  <a:srgbClr val="F8F8F2"/>
+                </a:solidFill>
+                <a:effectLst/>
+                <a:highlight>
+                  <a:srgbClr val="272822"/>
+                </a:highlight>
+                <a:latin typeface="Consolas" panose="020B0609020204030204" pitchFamily="49" charset="0"/>
+              </a:rPr>
+              <a:t> Som </a:t>
+            </a:r>
+            <a:r>
+              <a:rPr lang="en-US" b="0" dirty="0" err="1">
+                <a:solidFill>
+                  <a:srgbClr val="F8F8F2"/>
+                </a:solidFill>
+                <a:effectLst/>
+                <a:highlight>
+                  <a:srgbClr val="272822"/>
+                </a:highlight>
+                <a:latin typeface="Consolas" panose="020B0609020204030204" pitchFamily="49" charset="0"/>
+              </a:rPr>
+              <a:t>localStorage</a:t>
+            </a:r>
+            <a:r>
+              <a:rPr lang="en-US" b="0" dirty="0">
+                <a:solidFill>
+                  <a:srgbClr val="F8F8F2"/>
+                </a:solidFill>
+                <a:effectLst/>
+                <a:highlight>
+                  <a:srgbClr val="272822"/>
+                </a:highlight>
+                <a:latin typeface="Consolas" panose="020B0609020204030204" pitchFamily="49" charset="0"/>
+              </a:rPr>
               <a:t> </a:t>
             </a:r>
             <a:r>
@@ -2837,7 +4123,7 @@
                 </a:highlight>
                 <a:latin typeface="Consolas" panose="020B0609020204030204" pitchFamily="49" charset="0"/>
               </a:rPr>
-              <a:t>Öppen</a:t>
+              <a:t>i</a:t>
             </a:r>
             <a:r>
               <a:rPr lang="en-US" b="0" dirty="0">
@@ -2850,7 +4136,946 @@
                 </a:highlight>
                 <a:latin typeface="Consolas" panose="020B0609020204030204" pitchFamily="49" charset="0"/>
               </a:rPr>
-              <a:t> beta</a:t>
+              <a:t> </a:t>
+            </a:r>
+            <a:r>
+              <a:rPr lang="en-US" b="0" dirty="0" err="1">
+                <a:solidFill>
+                  <a:srgbClr val="F8F8F2"/>
+                </a:solidFill>
+                <a:effectLst/>
+                <a:highlight>
+                  <a:srgbClr val="272822"/>
+                </a:highlight>
+                <a:latin typeface="Consolas" panose="020B0609020204030204" pitchFamily="49" charset="0"/>
+              </a:rPr>
+              <a:t>webbläsare</a:t>
+            </a:r>
+            <a:endParaRPr lang="en-US" b="0" dirty="0">
+              <a:solidFill>
+                <a:srgbClr val="F8F8F2"/>
+              </a:solidFill>
+              <a:effectLst/>
+              <a:highlight>
+                <a:srgbClr val="272822"/>
+              </a:highlight>
+              <a:latin typeface="Consolas" panose="020B0609020204030204" pitchFamily="49" charset="0"/>
+            </a:endParaRPr>
+          </a:p>
+          <a:p>
+            <a:r>
+              <a:rPr lang="en-US" b="0" dirty="0">
+                <a:solidFill>
+                  <a:srgbClr val="F8F8F2"/>
+                </a:solidFill>
+                <a:effectLst/>
+                <a:highlight>
+                  <a:srgbClr val="272822"/>
+                </a:highlight>
+                <a:latin typeface="Consolas" panose="020B0609020204030204" pitchFamily="49" charset="0"/>
+              </a:rPr>
+              <a:t>  - </a:t>
+            </a:r>
+            <a:r>
+              <a:rPr lang="en-US" b="0" dirty="0" err="1">
+                <a:solidFill>
+                  <a:srgbClr val="F8F8F2"/>
+                </a:solidFill>
+                <a:effectLst/>
+                <a:highlight>
+                  <a:srgbClr val="272822"/>
+                </a:highlight>
+                <a:latin typeface="Consolas" panose="020B0609020204030204" pitchFamily="49" charset="0"/>
+              </a:rPr>
+              <a:t>Gjord</a:t>
+            </a:r>
+            <a:r>
+              <a:rPr lang="en-US" b="0" dirty="0">
+                <a:solidFill>
+                  <a:srgbClr val="F8F8F2"/>
+                </a:solidFill>
+                <a:effectLst/>
+                <a:highlight>
+                  <a:srgbClr val="272822"/>
+                </a:highlight>
+                <a:latin typeface="Consolas" panose="020B0609020204030204" pitchFamily="49" charset="0"/>
+              </a:rPr>
+              <a:t> för </a:t>
+            </a:r>
+            <a:r>
+              <a:rPr lang="en-US" b="0" dirty="0" err="1">
+                <a:solidFill>
+                  <a:srgbClr val="F8F8F2"/>
+                </a:solidFill>
+                <a:effectLst/>
+                <a:highlight>
+                  <a:srgbClr val="272822"/>
+                </a:highlight>
+                <a:latin typeface="Consolas" panose="020B0609020204030204" pitchFamily="49" charset="0"/>
+              </a:rPr>
+              <a:t>läs-tunga</a:t>
+            </a:r>
+            <a:r>
+              <a:rPr lang="en-US" b="0" dirty="0">
+                <a:solidFill>
+                  <a:srgbClr val="F8F8F2"/>
+                </a:solidFill>
+                <a:effectLst/>
+                <a:highlight>
+                  <a:srgbClr val="272822"/>
+                </a:highlight>
+                <a:latin typeface="Consolas" panose="020B0609020204030204" pitchFamily="49" charset="0"/>
+              </a:rPr>
+              <a:t> </a:t>
+            </a:r>
+            <a:r>
+              <a:rPr lang="en-US" b="0" dirty="0" err="1">
+                <a:solidFill>
+                  <a:srgbClr val="F8F8F2"/>
+                </a:solidFill>
+                <a:effectLst/>
+                <a:highlight>
+                  <a:srgbClr val="272822"/>
+                </a:highlight>
+                <a:latin typeface="Consolas" panose="020B0609020204030204" pitchFamily="49" charset="0"/>
+              </a:rPr>
+              <a:t>applikationer</a:t>
+            </a:r>
+            <a:endParaRPr lang="en-US" b="0" dirty="0">
+              <a:solidFill>
+                <a:srgbClr val="F8F8F2"/>
+              </a:solidFill>
+              <a:effectLst/>
+              <a:highlight>
+                <a:srgbClr val="272822"/>
+              </a:highlight>
+              <a:latin typeface="Consolas" panose="020B0609020204030204" pitchFamily="49" charset="0"/>
+            </a:endParaRPr>
+          </a:p>
+          <a:p>
+            <a:r>
+              <a:rPr lang="en-US" b="0" dirty="0">
+                <a:solidFill>
+                  <a:srgbClr val="F8F8F2"/>
+                </a:solidFill>
+                <a:effectLst/>
+                <a:highlight>
+                  <a:srgbClr val="272822"/>
+                </a:highlight>
+                <a:latin typeface="Consolas" panose="020B0609020204030204" pitchFamily="49" charset="0"/>
+              </a:rPr>
+              <a:t>  - Data </a:t>
+            </a:r>
+            <a:r>
+              <a:rPr lang="en-US" b="0" dirty="0" err="1">
+                <a:solidFill>
+                  <a:srgbClr val="F8F8F2"/>
+                </a:solidFill>
+                <a:effectLst/>
+                <a:highlight>
+                  <a:srgbClr val="272822"/>
+                </a:highlight>
+                <a:latin typeface="Consolas" panose="020B0609020204030204" pitchFamily="49" charset="0"/>
+              </a:rPr>
+              <a:t>synkas</a:t>
+            </a:r>
+            <a:r>
+              <a:rPr lang="en-US" b="0" dirty="0">
+                <a:solidFill>
+                  <a:srgbClr val="F8F8F2"/>
+                </a:solidFill>
+                <a:effectLst/>
+                <a:highlight>
+                  <a:srgbClr val="272822"/>
+                </a:highlight>
+                <a:latin typeface="Consolas" panose="020B0609020204030204" pitchFamily="49" charset="0"/>
+              </a:rPr>
+              <a:t> </a:t>
+            </a:r>
+            <a:r>
+              <a:rPr lang="en-US" b="0" dirty="0" err="1">
+                <a:solidFill>
+                  <a:srgbClr val="F8F8F2"/>
+                </a:solidFill>
+                <a:effectLst/>
+                <a:highlight>
+                  <a:srgbClr val="272822"/>
+                </a:highlight>
+                <a:latin typeface="Consolas" panose="020B0609020204030204" pitchFamily="49" charset="0"/>
+              </a:rPr>
+              <a:t>från</a:t>
+            </a:r>
+            <a:r>
+              <a:rPr lang="en-US" b="0" dirty="0">
+                <a:solidFill>
+                  <a:srgbClr val="F8F8F2"/>
+                </a:solidFill>
+                <a:effectLst/>
+                <a:highlight>
+                  <a:srgbClr val="272822"/>
+                </a:highlight>
+                <a:latin typeface="Consolas" panose="020B0609020204030204" pitchFamily="49" charset="0"/>
+              </a:rPr>
+              <a:t> Edge </a:t>
+            </a:r>
+            <a:r>
+              <a:rPr lang="en-US" b="0" dirty="0" err="1">
+                <a:solidFill>
+                  <a:srgbClr val="F8F8F2"/>
+                </a:solidFill>
+                <a:effectLst/>
+                <a:highlight>
+                  <a:srgbClr val="272822"/>
+                </a:highlight>
+                <a:latin typeface="Consolas" panose="020B0609020204030204" pitchFamily="49" charset="0"/>
+              </a:rPr>
+              <a:t>där</a:t>
+            </a:r>
+            <a:r>
+              <a:rPr lang="en-US" b="0" dirty="0">
+                <a:solidFill>
+                  <a:srgbClr val="F8F8F2"/>
+                </a:solidFill>
+                <a:effectLst/>
+                <a:highlight>
+                  <a:srgbClr val="272822"/>
+                </a:highlight>
+                <a:latin typeface="Consolas" panose="020B0609020204030204" pitchFamily="49" charset="0"/>
+              </a:rPr>
+              <a:t> den </a:t>
+            </a:r>
+            <a:r>
+              <a:rPr lang="en-US" b="0" dirty="0" err="1">
+                <a:solidFill>
+                  <a:srgbClr val="F8F8F2"/>
+                </a:solidFill>
+                <a:effectLst/>
+                <a:highlight>
+                  <a:srgbClr val="272822"/>
+                </a:highlight>
+                <a:latin typeface="Consolas" panose="020B0609020204030204" pitchFamily="49" charset="0"/>
+              </a:rPr>
+              <a:t>skrevs</a:t>
+            </a:r>
+            <a:r>
+              <a:rPr lang="en-US" b="0" dirty="0">
+                <a:solidFill>
+                  <a:srgbClr val="F8F8F2"/>
+                </a:solidFill>
+                <a:effectLst/>
+                <a:highlight>
+                  <a:srgbClr val="272822"/>
+                </a:highlight>
+                <a:latin typeface="Consolas" panose="020B0609020204030204" pitchFamily="49" charset="0"/>
+              </a:rPr>
+              <a:t>, </a:t>
+            </a:r>
+            <a:r>
+              <a:rPr lang="en-US" b="0" dirty="0" err="1">
+                <a:solidFill>
+                  <a:srgbClr val="F8F8F2"/>
+                </a:solidFill>
+                <a:effectLst/>
+                <a:highlight>
+                  <a:srgbClr val="272822"/>
+                </a:highlight>
+                <a:latin typeface="Consolas" panose="020B0609020204030204" pitchFamily="49" charset="0"/>
+              </a:rPr>
+              <a:t>leder</a:t>
+            </a:r>
+            <a:r>
+              <a:rPr lang="en-US" b="0" dirty="0">
+                <a:solidFill>
+                  <a:srgbClr val="F8F8F2"/>
+                </a:solidFill>
+                <a:effectLst/>
+                <a:highlight>
+                  <a:srgbClr val="272822"/>
+                </a:highlight>
+                <a:latin typeface="Consolas" panose="020B0609020204030204" pitchFamily="49" charset="0"/>
+              </a:rPr>
+              <a:t> till </a:t>
+            </a:r>
+            <a:r>
+              <a:rPr lang="en-US" b="0" dirty="0" err="1">
+                <a:solidFill>
+                  <a:srgbClr val="F8F8F2"/>
+                </a:solidFill>
+                <a:effectLst/>
+                <a:highlight>
+                  <a:srgbClr val="272822"/>
+                </a:highlight>
+                <a:latin typeface="Consolas" panose="020B0609020204030204" pitchFamily="49" charset="0"/>
+              </a:rPr>
+              <a:t>eventuell</a:t>
+            </a:r>
+            <a:r>
+              <a:rPr lang="en-US" b="0" dirty="0">
+                <a:solidFill>
+                  <a:srgbClr val="F8F8F2"/>
+                </a:solidFill>
+                <a:effectLst/>
+                <a:highlight>
+                  <a:srgbClr val="272822"/>
+                </a:highlight>
+                <a:latin typeface="Consolas" panose="020B0609020204030204" pitchFamily="49" charset="0"/>
+              </a:rPr>
+              <a:t> consistency</a:t>
+            </a:r>
+          </a:p>
+          <a:p>
+            <a:r>
+              <a:rPr lang="en-US" b="0" dirty="0">
+                <a:solidFill>
+                  <a:srgbClr val="F8F8F2"/>
+                </a:solidFill>
+                <a:effectLst/>
+                <a:highlight>
+                  <a:srgbClr val="272822"/>
+                </a:highlight>
+                <a:latin typeface="Consolas" panose="020B0609020204030204" pitchFamily="49" charset="0"/>
+              </a:rPr>
+              <a:t>  - För strong consistency </a:t>
+            </a:r>
+            <a:r>
+              <a:rPr lang="en-US" b="0" dirty="0" err="1">
+                <a:solidFill>
+                  <a:srgbClr val="F8F8F2"/>
+                </a:solidFill>
+                <a:effectLst/>
+                <a:highlight>
+                  <a:srgbClr val="272822"/>
+                </a:highlight>
+                <a:latin typeface="Consolas" panose="020B0609020204030204" pitchFamily="49" charset="0"/>
+              </a:rPr>
+              <a:t>finns</a:t>
+            </a:r>
+            <a:endParaRPr lang="en-US" b="0" dirty="0">
+              <a:solidFill>
+                <a:srgbClr val="F8F8F2"/>
+              </a:solidFill>
+              <a:effectLst/>
+              <a:highlight>
+                <a:srgbClr val="272822"/>
+              </a:highlight>
+              <a:latin typeface="Consolas" panose="020B0609020204030204" pitchFamily="49" charset="0"/>
+            </a:endParaRPr>
+          </a:p>
+          <a:p>
+            <a:r>
+              <a:rPr lang="en-US" b="0" dirty="0">
+                <a:solidFill>
+                  <a:srgbClr val="A6E22E"/>
+                </a:solidFill>
+                <a:effectLst/>
+                <a:highlight>
+                  <a:srgbClr val="272822"/>
+                </a:highlight>
+                <a:latin typeface="Consolas" panose="020B0609020204030204" pitchFamily="49" charset="0"/>
+              </a:rPr>
+              <a:t>-</a:t>
+            </a:r>
+            <a:r>
+              <a:rPr lang="en-US" b="0" dirty="0">
+                <a:solidFill>
+                  <a:srgbClr val="F8F8F2"/>
+                </a:solidFill>
+                <a:effectLst/>
+                <a:highlight>
+                  <a:srgbClr val="272822"/>
+                </a:highlight>
+                <a:latin typeface="Consolas" panose="020B0609020204030204" pitchFamily="49" charset="0"/>
+              </a:rPr>
+              <a:t> Durable Objects</a:t>
+            </a:r>
+          </a:p>
+          <a:p>
+            <a:r>
+              <a:rPr lang="en-US" b="0" dirty="0">
+                <a:solidFill>
+                  <a:srgbClr val="F8F8F2"/>
+                </a:solidFill>
+                <a:effectLst/>
+                <a:highlight>
+                  <a:srgbClr val="272822"/>
+                </a:highlight>
+                <a:latin typeface="Consolas" panose="020B0609020204030204" pitchFamily="49" charset="0"/>
+              </a:rPr>
+              <a:t>  </a:t>
+            </a:r>
+            <a:r>
+              <a:rPr lang="en-US" b="0" dirty="0">
+                <a:solidFill>
+                  <a:srgbClr val="A6E22E"/>
+                </a:solidFill>
+                <a:effectLst/>
+                <a:highlight>
+                  <a:srgbClr val="272822"/>
+                </a:highlight>
+                <a:latin typeface="Consolas" panose="020B0609020204030204" pitchFamily="49" charset="0"/>
+              </a:rPr>
+              <a:t>-</a:t>
+            </a:r>
+            <a:r>
+              <a:rPr lang="en-US" b="0" dirty="0">
+                <a:solidFill>
+                  <a:srgbClr val="F8F8F2"/>
+                </a:solidFill>
+                <a:effectLst/>
+                <a:highlight>
+                  <a:srgbClr val="272822"/>
+                </a:highlight>
+                <a:latin typeface="Consolas" panose="020B0609020204030204" pitchFamily="49" charset="0"/>
+              </a:rPr>
+              <a:t> </a:t>
+            </a:r>
+            <a:r>
+              <a:rPr lang="en-US" b="0" dirty="0" err="1">
+                <a:solidFill>
+                  <a:srgbClr val="F8F8F2"/>
+                </a:solidFill>
+                <a:effectLst/>
+                <a:highlight>
+                  <a:srgbClr val="272822"/>
+                </a:highlight>
+                <a:latin typeface="Consolas" panose="020B0609020204030204" pitchFamily="49" charset="0"/>
+              </a:rPr>
+              <a:t>Koordinera</a:t>
+            </a:r>
+            <a:r>
+              <a:rPr lang="en-US" b="0" dirty="0">
+                <a:solidFill>
+                  <a:srgbClr val="F8F8F2"/>
+                </a:solidFill>
+                <a:effectLst/>
+                <a:highlight>
+                  <a:srgbClr val="272822"/>
+                </a:highlight>
+                <a:latin typeface="Consolas" panose="020B0609020204030204" pitchFamily="49" charset="0"/>
+              </a:rPr>
+              <a:t> state </a:t>
+            </a:r>
+            <a:r>
+              <a:rPr lang="en-US" b="0" dirty="0" err="1">
+                <a:solidFill>
+                  <a:srgbClr val="F8F8F2"/>
+                </a:solidFill>
+                <a:effectLst/>
+                <a:highlight>
+                  <a:srgbClr val="272822"/>
+                </a:highlight>
+                <a:latin typeface="Consolas" panose="020B0609020204030204" pitchFamily="49" charset="0"/>
+              </a:rPr>
+              <a:t>mellan</a:t>
+            </a:r>
+            <a:r>
+              <a:rPr lang="en-US" b="0" dirty="0">
+                <a:solidFill>
+                  <a:srgbClr val="F8F8F2"/>
+                </a:solidFill>
+                <a:effectLst/>
+                <a:highlight>
+                  <a:srgbClr val="272822"/>
+                </a:highlight>
+                <a:latin typeface="Consolas" panose="020B0609020204030204" pitchFamily="49" charset="0"/>
+              </a:rPr>
+              <a:t> </a:t>
+            </a:r>
+            <a:r>
+              <a:rPr lang="en-US" b="0" dirty="0" err="1">
+                <a:solidFill>
+                  <a:srgbClr val="F8F8F2"/>
+                </a:solidFill>
+                <a:effectLst/>
+                <a:highlight>
+                  <a:srgbClr val="272822"/>
+                </a:highlight>
+                <a:latin typeface="Consolas" panose="020B0609020204030204" pitchFamily="49" charset="0"/>
+              </a:rPr>
+              <a:t>flera</a:t>
+            </a:r>
+            <a:r>
+              <a:rPr lang="en-US" b="0" dirty="0">
+                <a:solidFill>
+                  <a:srgbClr val="F8F8F2"/>
+                </a:solidFill>
+                <a:effectLst/>
+                <a:highlight>
+                  <a:srgbClr val="272822"/>
+                </a:highlight>
+                <a:latin typeface="Consolas" panose="020B0609020204030204" pitchFamily="49" charset="0"/>
+              </a:rPr>
+              <a:t> </a:t>
+            </a:r>
+            <a:r>
+              <a:rPr lang="en-US" b="0" dirty="0" err="1">
+                <a:solidFill>
+                  <a:srgbClr val="F8F8F2"/>
+                </a:solidFill>
+                <a:effectLst/>
+                <a:highlight>
+                  <a:srgbClr val="272822"/>
+                </a:highlight>
+                <a:latin typeface="Consolas" panose="020B0609020204030204" pitchFamily="49" charset="0"/>
+              </a:rPr>
+              <a:t>klienter</a:t>
+            </a:r>
+            <a:endParaRPr lang="en-US" b="0" dirty="0">
+              <a:solidFill>
+                <a:srgbClr val="F8F8F2"/>
+              </a:solidFill>
+              <a:effectLst/>
+              <a:highlight>
+                <a:srgbClr val="272822"/>
+              </a:highlight>
+              <a:latin typeface="Consolas" panose="020B0609020204030204" pitchFamily="49" charset="0"/>
+            </a:endParaRPr>
+          </a:p>
+          <a:p>
+            <a:r>
+              <a:rPr lang="en-US" b="0" dirty="0">
+                <a:solidFill>
+                  <a:srgbClr val="F8F8F2"/>
+                </a:solidFill>
+                <a:effectLst/>
+                <a:highlight>
+                  <a:srgbClr val="272822"/>
+                </a:highlight>
+                <a:latin typeface="Consolas" panose="020B0609020204030204" pitchFamily="49" charset="0"/>
+              </a:rPr>
+              <a:t>  - </a:t>
+            </a:r>
+            <a:r>
+              <a:rPr lang="en-US" b="0" dirty="0" err="1">
+                <a:solidFill>
+                  <a:srgbClr val="F8F8F2"/>
+                </a:solidFill>
+                <a:effectLst/>
+                <a:highlight>
+                  <a:srgbClr val="272822"/>
+                </a:highlight>
+                <a:latin typeface="Consolas" panose="020B0609020204030204" pitchFamily="49" charset="0"/>
+              </a:rPr>
+              <a:t>Används</a:t>
+            </a:r>
+            <a:r>
+              <a:rPr lang="en-US" b="0" dirty="0">
+                <a:solidFill>
+                  <a:srgbClr val="F8F8F2"/>
+                </a:solidFill>
+                <a:effectLst/>
+                <a:highlight>
+                  <a:srgbClr val="272822"/>
+                </a:highlight>
+                <a:latin typeface="Consolas" panose="020B0609020204030204" pitchFamily="49" charset="0"/>
+              </a:rPr>
+              <a:t> </a:t>
+            </a:r>
+            <a:r>
+              <a:rPr lang="en-US" b="0" dirty="0" err="1">
+                <a:solidFill>
+                  <a:srgbClr val="F8F8F2"/>
+                </a:solidFill>
+                <a:effectLst/>
+                <a:highlight>
+                  <a:srgbClr val="272822"/>
+                </a:highlight>
+                <a:latin typeface="Consolas" panose="020B0609020204030204" pitchFamily="49" charset="0"/>
+              </a:rPr>
+              <a:t>ofta</a:t>
+            </a:r>
+            <a:r>
+              <a:rPr lang="en-US" b="0" dirty="0">
+                <a:solidFill>
+                  <a:srgbClr val="F8F8F2"/>
+                </a:solidFill>
+                <a:effectLst/>
+                <a:highlight>
+                  <a:srgbClr val="272822"/>
+                </a:highlight>
+                <a:latin typeface="Consolas" panose="020B0609020204030204" pitchFamily="49" charset="0"/>
+              </a:rPr>
+              <a:t> I combination med </a:t>
+            </a:r>
+            <a:r>
+              <a:rPr lang="en-US" b="0" dirty="0" err="1">
+                <a:solidFill>
+                  <a:srgbClr val="F8F8F2"/>
+                </a:solidFill>
+                <a:effectLst/>
+                <a:highlight>
+                  <a:srgbClr val="272822"/>
+                </a:highlight>
+                <a:latin typeface="Consolas" panose="020B0609020204030204" pitchFamily="49" charset="0"/>
+              </a:rPr>
+              <a:t>websockets</a:t>
+            </a:r>
+            <a:r>
+              <a:rPr lang="en-US" b="0" dirty="0">
+                <a:solidFill>
+                  <a:srgbClr val="F8F8F2"/>
+                </a:solidFill>
+                <a:effectLst/>
+                <a:highlight>
+                  <a:srgbClr val="272822"/>
+                </a:highlight>
+                <a:latin typeface="Consolas" panose="020B0609020204030204" pitchFamily="49" charset="0"/>
+              </a:rPr>
+              <a:t> för </a:t>
+            </a:r>
+            <a:r>
+              <a:rPr lang="en-US" b="0" dirty="0" err="1">
+                <a:solidFill>
+                  <a:srgbClr val="F8F8F2"/>
+                </a:solidFill>
+                <a:effectLst/>
+                <a:highlight>
+                  <a:srgbClr val="272822"/>
+                </a:highlight>
+                <a:latin typeface="Consolas" panose="020B0609020204030204" pitchFamily="49" charset="0"/>
+              </a:rPr>
+              <a:t>att</a:t>
+            </a:r>
+            <a:r>
+              <a:rPr lang="en-US" b="0" dirty="0">
+                <a:solidFill>
+                  <a:srgbClr val="F8F8F2"/>
+                </a:solidFill>
+                <a:effectLst/>
+                <a:highlight>
+                  <a:srgbClr val="272822"/>
+                </a:highlight>
+                <a:latin typeface="Consolas" panose="020B0609020204030204" pitchFamily="49" charset="0"/>
+              </a:rPr>
+              <a:t> </a:t>
+            </a:r>
+            <a:r>
+              <a:rPr lang="en-US" b="0" dirty="0" err="1">
+                <a:solidFill>
+                  <a:srgbClr val="F8F8F2"/>
+                </a:solidFill>
+                <a:effectLst/>
+                <a:highlight>
+                  <a:srgbClr val="272822"/>
+                </a:highlight>
+                <a:latin typeface="Consolas" panose="020B0609020204030204" pitchFamily="49" charset="0"/>
+              </a:rPr>
+              <a:t>hålla</a:t>
+            </a:r>
+            <a:r>
+              <a:rPr lang="en-US" b="0" dirty="0">
+                <a:solidFill>
+                  <a:srgbClr val="F8F8F2"/>
+                </a:solidFill>
+                <a:effectLst/>
+                <a:highlight>
+                  <a:srgbClr val="272822"/>
+                </a:highlight>
+                <a:latin typeface="Consolas" panose="020B0609020204030204" pitchFamily="49" charset="0"/>
+              </a:rPr>
+              <a:t> state </a:t>
+            </a:r>
+            <a:r>
+              <a:rPr lang="en-US" b="0" dirty="0" err="1">
+                <a:solidFill>
+                  <a:srgbClr val="F8F8F2"/>
+                </a:solidFill>
+                <a:effectLst/>
+                <a:highlight>
+                  <a:srgbClr val="272822"/>
+                </a:highlight>
+                <a:latin typeface="Consolas" panose="020B0609020204030204" pitchFamily="49" charset="0"/>
+              </a:rPr>
+              <a:t>mellan</a:t>
+            </a:r>
+            <a:r>
+              <a:rPr lang="en-US" b="0" dirty="0">
+                <a:solidFill>
+                  <a:srgbClr val="F8F8F2"/>
+                </a:solidFill>
+                <a:effectLst/>
+                <a:highlight>
+                  <a:srgbClr val="272822"/>
+                </a:highlight>
+                <a:latin typeface="Consolas" panose="020B0609020204030204" pitchFamily="49" charset="0"/>
+              </a:rPr>
+              <a:t> </a:t>
+            </a:r>
+            <a:r>
+              <a:rPr lang="en-US" b="0" dirty="0" err="1">
+                <a:solidFill>
+                  <a:srgbClr val="F8F8F2"/>
+                </a:solidFill>
+                <a:effectLst/>
+                <a:highlight>
+                  <a:srgbClr val="272822"/>
+                </a:highlight>
+                <a:latin typeface="Consolas" panose="020B0609020204030204" pitchFamily="49" charset="0"/>
+              </a:rPr>
+              <a:t>klienter</a:t>
+            </a:r>
+            <a:r>
+              <a:rPr lang="en-US" b="0" dirty="0">
+                <a:solidFill>
+                  <a:srgbClr val="F8F8F2"/>
+                </a:solidFill>
+                <a:effectLst/>
+                <a:highlight>
+                  <a:srgbClr val="272822"/>
+                </a:highlight>
+                <a:latin typeface="Consolas" panose="020B0609020204030204" pitchFamily="49" charset="0"/>
+              </a:rPr>
+              <a:t> </a:t>
+            </a:r>
+            <a:r>
+              <a:rPr lang="en-US" b="0" dirty="0" err="1">
+                <a:solidFill>
+                  <a:srgbClr val="F8F8F2"/>
+                </a:solidFill>
+                <a:effectLst/>
+                <a:highlight>
+                  <a:srgbClr val="272822"/>
+                </a:highlight>
+                <a:latin typeface="Consolas" panose="020B0609020204030204" pitchFamily="49" charset="0"/>
+              </a:rPr>
+              <a:t>och</a:t>
+            </a:r>
+            <a:r>
+              <a:rPr lang="en-US" b="0" dirty="0">
+                <a:solidFill>
+                  <a:srgbClr val="F8F8F2"/>
+                </a:solidFill>
+                <a:effectLst/>
+                <a:highlight>
+                  <a:srgbClr val="272822"/>
+                </a:highlight>
+                <a:latin typeface="Consolas" panose="020B0609020204030204" pitchFamily="49" charset="0"/>
+              </a:rPr>
+              <a:t> sessions</a:t>
+            </a:r>
+          </a:p>
+          <a:p>
+            <a:r>
+              <a:rPr lang="en-US" b="0" dirty="0">
+                <a:solidFill>
+                  <a:srgbClr val="F8F8F2"/>
+                </a:solidFill>
+                <a:effectLst/>
+                <a:highlight>
+                  <a:srgbClr val="272822"/>
+                </a:highlight>
+                <a:latin typeface="Consolas" panose="020B0609020204030204" pitchFamily="49" charset="0"/>
+              </a:rPr>
+              <a:t>  </a:t>
+            </a:r>
+            <a:r>
+              <a:rPr lang="en-US" b="0" dirty="0">
+                <a:solidFill>
+                  <a:srgbClr val="A6E22E"/>
+                </a:solidFill>
+                <a:effectLst/>
+                <a:highlight>
+                  <a:srgbClr val="272822"/>
+                </a:highlight>
+                <a:latin typeface="Consolas" panose="020B0609020204030204" pitchFamily="49" charset="0"/>
+              </a:rPr>
+              <a:t>-</a:t>
+            </a:r>
+            <a:r>
+              <a:rPr lang="en-US" b="0" dirty="0">
+                <a:solidFill>
+                  <a:srgbClr val="F8F8F2"/>
+                </a:solidFill>
+                <a:effectLst/>
+                <a:highlight>
+                  <a:srgbClr val="272822"/>
+                </a:highlight>
+                <a:latin typeface="Consolas" panose="020B0609020204030204" pitchFamily="49" charset="0"/>
+              </a:rPr>
+              <a:t> "Durable Objects allow you to create a "named" worker instance somewhere on the network that multiple other workers can then talk to, in order to coordinate between them. Each Durable Object also has its own private on-disk storage where it can store state long-term.“</a:t>
+            </a:r>
+          </a:p>
+          <a:p>
+            <a:endParaRPr lang="en-US" b="0" dirty="0">
+              <a:solidFill>
+                <a:srgbClr val="F8F8F2"/>
+              </a:solidFill>
+              <a:effectLst/>
+              <a:highlight>
+                <a:srgbClr val="272822"/>
+              </a:highlight>
+              <a:latin typeface="Consolas" panose="020B0609020204030204" pitchFamily="49" charset="0"/>
+            </a:endParaRPr>
+          </a:p>
+          <a:p>
+            <a:r>
+              <a:rPr lang="en-US" b="0" dirty="0">
+                <a:solidFill>
+                  <a:srgbClr val="F8F8F2"/>
+                </a:solidFill>
+                <a:effectLst/>
+                <a:highlight>
+                  <a:srgbClr val="272822"/>
+                </a:highlight>
+                <a:latin typeface="Consolas" panose="020B0609020204030204" pitchFamily="49" charset="0"/>
+              </a:rPr>
+              <a:t>Finns </a:t>
+            </a:r>
+            <a:r>
+              <a:rPr lang="en-US" b="0" dirty="0" err="1">
+                <a:solidFill>
+                  <a:srgbClr val="F8F8F2"/>
+                </a:solidFill>
+                <a:effectLst/>
+                <a:highlight>
+                  <a:srgbClr val="272822"/>
+                </a:highlight>
+                <a:latin typeface="Consolas" panose="020B0609020204030204" pitchFamily="49" charset="0"/>
+              </a:rPr>
+              <a:t>även</a:t>
+            </a:r>
+            <a:r>
+              <a:rPr lang="en-US" b="0" dirty="0">
+                <a:solidFill>
+                  <a:srgbClr val="F8F8F2"/>
+                </a:solidFill>
+                <a:effectLst/>
+                <a:highlight>
+                  <a:srgbClr val="272822"/>
+                </a:highlight>
+                <a:latin typeface="Consolas" panose="020B0609020204030204" pitchFamily="49" charset="0"/>
+              </a:rPr>
+              <a:t> Hyperdrive för </a:t>
+            </a:r>
+            <a:r>
+              <a:rPr lang="en-US" b="0" dirty="0" err="1">
+                <a:solidFill>
+                  <a:srgbClr val="F8F8F2"/>
+                </a:solidFill>
+                <a:effectLst/>
+                <a:highlight>
+                  <a:srgbClr val="272822"/>
+                </a:highlight>
+                <a:latin typeface="Consolas" panose="020B0609020204030204" pitchFamily="49" charset="0"/>
+              </a:rPr>
+              <a:t>att</a:t>
+            </a:r>
+            <a:r>
+              <a:rPr lang="en-US" b="0" dirty="0">
+                <a:solidFill>
+                  <a:srgbClr val="F8F8F2"/>
+                </a:solidFill>
+                <a:effectLst/>
+                <a:highlight>
+                  <a:srgbClr val="272822"/>
+                </a:highlight>
+                <a:latin typeface="Consolas" panose="020B0609020204030204" pitchFamily="49" charset="0"/>
+              </a:rPr>
+              <a:t> </a:t>
+            </a:r>
+            <a:r>
+              <a:rPr lang="en-US" b="0" dirty="0" err="1">
+                <a:solidFill>
+                  <a:srgbClr val="F8F8F2"/>
+                </a:solidFill>
+                <a:effectLst/>
+                <a:highlight>
+                  <a:srgbClr val="272822"/>
+                </a:highlight>
+                <a:latin typeface="Consolas" panose="020B0609020204030204" pitchFamily="49" charset="0"/>
+              </a:rPr>
+              <a:t>använda</a:t>
+            </a:r>
+            <a:r>
+              <a:rPr lang="en-US" b="0" dirty="0">
+                <a:solidFill>
+                  <a:srgbClr val="F8F8F2"/>
+                </a:solidFill>
+                <a:effectLst/>
+                <a:highlight>
+                  <a:srgbClr val="272822"/>
+                </a:highlight>
+                <a:latin typeface="Consolas" panose="020B0609020204030204" pitchFamily="49" charset="0"/>
+              </a:rPr>
+              <a:t> </a:t>
+            </a:r>
+            <a:r>
+              <a:rPr lang="en-US" b="0" dirty="0" err="1">
+                <a:solidFill>
+                  <a:srgbClr val="F8F8F2"/>
+                </a:solidFill>
+                <a:effectLst/>
+                <a:highlight>
+                  <a:srgbClr val="272822"/>
+                </a:highlight>
+                <a:latin typeface="Consolas" panose="020B0609020204030204" pitchFamily="49" charset="0"/>
+              </a:rPr>
+              <a:t>existerande</a:t>
+            </a:r>
+            <a:r>
+              <a:rPr lang="en-US" b="0" dirty="0">
+                <a:solidFill>
+                  <a:srgbClr val="F8F8F2"/>
+                </a:solidFill>
+                <a:effectLst/>
+                <a:highlight>
+                  <a:srgbClr val="272822"/>
+                </a:highlight>
+                <a:latin typeface="Consolas" panose="020B0609020204030204" pitchFamily="49" charset="0"/>
+              </a:rPr>
+              <a:t> </a:t>
+            </a:r>
+            <a:r>
+              <a:rPr lang="en-US" b="0" dirty="0" err="1">
+                <a:solidFill>
+                  <a:srgbClr val="F8F8F2"/>
+                </a:solidFill>
+                <a:effectLst/>
+                <a:highlight>
+                  <a:srgbClr val="272822"/>
+                </a:highlight>
+                <a:latin typeface="Consolas" panose="020B0609020204030204" pitchFamily="49" charset="0"/>
+              </a:rPr>
+              <a:t>databaser</a:t>
+            </a:r>
+            <a:r>
+              <a:rPr lang="en-US" b="0" dirty="0">
+                <a:solidFill>
+                  <a:srgbClr val="F8F8F2"/>
+                </a:solidFill>
+                <a:effectLst/>
+                <a:highlight>
+                  <a:srgbClr val="272822"/>
+                </a:highlight>
+                <a:latin typeface="Consolas" panose="020B0609020204030204" pitchFamily="49" charset="0"/>
+              </a:rPr>
+              <a:t> </a:t>
+            </a:r>
+            <a:r>
+              <a:rPr lang="en-US" b="0" dirty="0" err="1">
+                <a:solidFill>
+                  <a:srgbClr val="F8F8F2"/>
+                </a:solidFill>
+                <a:effectLst/>
+                <a:highlight>
+                  <a:srgbClr val="272822"/>
+                </a:highlight>
+                <a:latin typeface="Consolas" panose="020B0609020204030204" pitchFamily="49" charset="0"/>
+              </a:rPr>
+              <a:t>och</a:t>
+            </a:r>
+            <a:r>
+              <a:rPr lang="en-US" b="0" dirty="0">
+                <a:solidFill>
+                  <a:srgbClr val="F8F8F2"/>
+                </a:solidFill>
+                <a:effectLst/>
+                <a:highlight>
+                  <a:srgbClr val="272822"/>
+                </a:highlight>
+                <a:latin typeface="Consolas" panose="020B0609020204030204" pitchFamily="49" charset="0"/>
+              </a:rPr>
+              <a:t> Analytics Engine</a:t>
             </a:r>
           </a:p>
           <a:p>
@@ -2875,6 +5100,810 @@
           <a:p>
             <a:fld id="{2ECA3C8B-6150-4A40-994F-9B940BFC5C57}" type="slidenum">
               <a:rPr lang="en-US" smtClean="0"/>
+              <a:t>6</a:t>
+            </a:fld>
+            <a:endParaRPr lang="en-US"/>
+          </a:p>
+        </p:txBody>
+      </p:sp>
+    </p:spTree>
+    <p:extLst>
+      <p:ext uri="{BB962C8B-B14F-4D97-AF65-F5344CB8AC3E}">
+        <p14:creationId xmlns:p14="http://schemas.microsoft.com/office/powerpoint/2010/main" val="2757635967"/>
+      </p:ext>
+    </p:extLst>
+  </p:cSld>
+  <p:clrMapOvr>
+    <a:masterClrMapping/>
+  </p:clrMapOvr>
+</p:notes>
+</file>
+
+<file path=ppt/notesSlides/notesSlide6.xml><?xml version="1.0" encoding="utf-8"?>
+<p:notes xmlns:a="http://schemas.openxmlformats.org/drawingml/2006/main" xmlns:r="http://schemas.openxmlformats.org/officeDocument/2006/relationships" xmlns:p="http://schemas.openxmlformats.org/presentationml/2006/main">
+  <p:cSld>
+    <p:spTree>
+      <p:nvGrpSpPr>
+        <p:cNvPr id="1" name=""/>
+        <p:cNvGrpSpPr/>
+        <p:nvPr/>
+      </p:nvGrpSpPr>
+      <p:grpSpPr>
+        <a:xfrm>
+          <a:off x="0" y="0"/>
+          <a:ext cx="0" cy="0"/>
+          <a:chOff x="0" y="0"/>
+          <a:chExt cx="0" cy="0"/>
+        </a:xfrm>
+      </p:grpSpPr>
+      <p:sp>
+        <p:nvSpPr>
+          <p:cNvPr id="2" name="Slide Image Placeholder 1"/>
+          <p:cNvSpPr>
+            <a:spLocks noGrp="1" noRot="1" noChangeAspect="1"/>
+          </p:cNvSpPr>
+          <p:nvPr>
+            <p:ph type="sldImg"/>
+          </p:nvPr>
+        </p:nvSpPr>
+        <p:spPr/>
+      </p:sp>
+      <p:sp>
+        <p:nvSpPr>
+          <p:cNvPr id="3" name="Notes Placeholder 2"/>
+          <p:cNvSpPr>
+            <a:spLocks noGrp="1"/>
+          </p:cNvSpPr>
+          <p:nvPr>
+            <p:ph type="body" idx="1"/>
+          </p:nvPr>
+        </p:nvSpPr>
+        <p:spPr/>
+        <p:txBody>
+          <a:bodyPr/>
+          <a:lstStyle/>
+          <a:p>
+            <a:r>
+              <a:rPr lang="en-US" b="0" dirty="0">
+                <a:solidFill>
+                  <a:srgbClr val="A6E22E"/>
+                </a:solidFill>
+                <a:effectLst/>
+                <a:highlight>
+                  <a:srgbClr val="272822"/>
+                </a:highlight>
+                <a:latin typeface="Consolas" panose="020B0609020204030204" pitchFamily="49" charset="0"/>
+              </a:rPr>
+              <a:t>-</a:t>
+            </a:r>
+            <a:r>
+              <a:rPr lang="en-US" b="0" dirty="0">
+                <a:solidFill>
+                  <a:srgbClr val="F8F8F2"/>
+                </a:solidFill>
+                <a:effectLst/>
+                <a:highlight>
+                  <a:srgbClr val="272822"/>
+                </a:highlight>
+                <a:latin typeface="Consolas" panose="020B0609020204030204" pitchFamily="49" charset="0"/>
+              </a:rPr>
+              <a:t> Pub/Sub</a:t>
+            </a:r>
+          </a:p>
+          <a:p>
+            <a:r>
+              <a:rPr lang="en-US" b="0" dirty="0">
+                <a:solidFill>
+                  <a:srgbClr val="F8F8F2"/>
+                </a:solidFill>
+                <a:effectLst/>
+                <a:highlight>
+                  <a:srgbClr val="272822"/>
+                </a:highlight>
+                <a:latin typeface="Consolas" panose="020B0609020204030204" pitchFamily="49" charset="0"/>
+              </a:rPr>
+              <a:t>  </a:t>
+            </a:r>
+            <a:r>
+              <a:rPr lang="en-US" b="0" dirty="0">
+                <a:solidFill>
+                  <a:srgbClr val="A6E22E"/>
+                </a:solidFill>
+                <a:effectLst/>
+                <a:highlight>
+                  <a:srgbClr val="272822"/>
+                </a:highlight>
+                <a:latin typeface="Consolas" panose="020B0609020204030204" pitchFamily="49" charset="0"/>
+              </a:rPr>
+              <a:t>-</a:t>
+            </a:r>
+            <a:r>
+              <a:rPr lang="en-US" b="0" dirty="0">
+                <a:solidFill>
+                  <a:srgbClr val="F8F8F2"/>
+                </a:solidFill>
+                <a:effectLst/>
+                <a:highlight>
+                  <a:srgbClr val="272822"/>
+                </a:highlight>
+                <a:latin typeface="Consolas" panose="020B0609020204030204" pitchFamily="49" charset="0"/>
+              </a:rPr>
+              <a:t> </a:t>
+            </a:r>
+            <a:r>
+              <a:rPr lang="en-US" b="0" dirty="0" err="1">
+                <a:solidFill>
+                  <a:srgbClr val="F8F8F2"/>
+                </a:solidFill>
+                <a:effectLst/>
+                <a:highlight>
+                  <a:srgbClr val="272822"/>
+                </a:highlight>
+                <a:latin typeface="Consolas" panose="020B0609020204030204" pitchFamily="49" charset="0"/>
+              </a:rPr>
+              <a:t>Distribuerad</a:t>
+            </a:r>
+            <a:r>
+              <a:rPr lang="en-US" b="0" dirty="0">
+                <a:solidFill>
+                  <a:srgbClr val="F8F8F2"/>
+                </a:solidFill>
+                <a:effectLst/>
+                <a:highlight>
+                  <a:srgbClr val="272822"/>
+                </a:highlight>
+                <a:latin typeface="Consolas" panose="020B0609020204030204" pitchFamily="49" charset="0"/>
+              </a:rPr>
+              <a:t> MQTT</a:t>
+            </a:r>
+          </a:p>
+          <a:p>
+            <a:r>
+              <a:rPr lang="en-US" b="0" dirty="0">
+                <a:solidFill>
+                  <a:srgbClr val="F8F8F2"/>
+                </a:solidFill>
+                <a:effectLst/>
+                <a:highlight>
+                  <a:srgbClr val="272822"/>
+                </a:highlight>
+                <a:latin typeface="Consolas" panose="020B0609020204030204" pitchFamily="49" charset="0"/>
+              </a:rPr>
+              <a:t>  </a:t>
+            </a:r>
+            <a:r>
+              <a:rPr lang="en-US" b="0" dirty="0">
+                <a:solidFill>
+                  <a:srgbClr val="A6E22E"/>
+                </a:solidFill>
+                <a:effectLst/>
+                <a:highlight>
+                  <a:srgbClr val="272822"/>
+                </a:highlight>
+                <a:latin typeface="Consolas" panose="020B0609020204030204" pitchFamily="49" charset="0"/>
+              </a:rPr>
+              <a:t>-</a:t>
+            </a:r>
+            <a:r>
+              <a:rPr lang="en-US" b="0" dirty="0">
+                <a:solidFill>
+                  <a:srgbClr val="F8F8F2"/>
+                </a:solidFill>
+                <a:effectLst/>
+                <a:highlight>
+                  <a:srgbClr val="272822"/>
+                </a:highlight>
+                <a:latin typeface="Consolas" panose="020B0609020204030204" pitchFamily="49" charset="0"/>
+              </a:rPr>
+              <a:t> </a:t>
+            </a:r>
+            <a:r>
+              <a:rPr lang="en-US" b="0" dirty="0" err="1">
+                <a:solidFill>
+                  <a:srgbClr val="F8F8F2"/>
+                </a:solidFill>
+                <a:effectLst/>
+                <a:highlight>
+                  <a:srgbClr val="272822"/>
+                </a:highlight>
+                <a:latin typeface="Consolas" panose="020B0609020204030204" pitchFamily="49" charset="0"/>
+              </a:rPr>
+              <a:t>Stängd</a:t>
+            </a:r>
+            <a:r>
+              <a:rPr lang="en-US" b="0" dirty="0">
+                <a:solidFill>
+                  <a:srgbClr val="F8F8F2"/>
+                </a:solidFill>
+                <a:effectLst/>
+                <a:highlight>
+                  <a:srgbClr val="272822"/>
+                </a:highlight>
+                <a:latin typeface="Consolas" panose="020B0609020204030204" pitchFamily="49" charset="0"/>
+              </a:rPr>
+              <a:t> beta</a:t>
+            </a:r>
+          </a:p>
+          <a:p>
+            <a:r>
+              <a:rPr lang="en-US" b="0" dirty="0">
+                <a:solidFill>
+                  <a:srgbClr val="A6E22E"/>
+                </a:solidFill>
+                <a:effectLst/>
+                <a:highlight>
+                  <a:srgbClr val="272822"/>
+                </a:highlight>
+                <a:latin typeface="Consolas" panose="020B0609020204030204" pitchFamily="49" charset="0"/>
+              </a:rPr>
+              <a:t>-</a:t>
+            </a:r>
+            <a:r>
+              <a:rPr lang="en-US" b="0" dirty="0">
+                <a:solidFill>
+                  <a:srgbClr val="F8F8F2"/>
+                </a:solidFill>
+                <a:effectLst/>
+                <a:highlight>
+                  <a:srgbClr val="272822"/>
+                </a:highlight>
+                <a:latin typeface="Consolas" panose="020B0609020204030204" pitchFamily="49" charset="0"/>
+              </a:rPr>
+              <a:t> Queues</a:t>
+            </a:r>
+          </a:p>
+          <a:p>
+            <a:r>
+              <a:rPr lang="en-US" b="0" dirty="0">
+                <a:solidFill>
+                  <a:srgbClr val="F8F8F2"/>
+                </a:solidFill>
+                <a:effectLst/>
+                <a:highlight>
+                  <a:srgbClr val="272822"/>
+                </a:highlight>
+                <a:latin typeface="Consolas" panose="020B0609020204030204" pitchFamily="49" charset="0"/>
+              </a:rPr>
+              <a:t>  </a:t>
+            </a:r>
+            <a:r>
+              <a:rPr lang="en-US" b="0" dirty="0">
+                <a:solidFill>
+                  <a:srgbClr val="A6E22E"/>
+                </a:solidFill>
+                <a:effectLst/>
+                <a:highlight>
+                  <a:srgbClr val="272822"/>
+                </a:highlight>
+                <a:latin typeface="Consolas" panose="020B0609020204030204" pitchFamily="49" charset="0"/>
+              </a:rPr>
+              <a:t>-</a:t>
+            </a:r>
+            <a:r>
+              <a:rPr lang="en-US" b="0" dirty="0">
+                <a:solidFill>
+                  <a:srgbClr val="F8F8F2"/>
+                </a:solidFill>
+                <a:effectLst/>
+                <a:highlight>
+                  <a:srgbClr val="272822"/>
+                </a:highlight>
+                <a:latin typeface="Consolas" panose="020B0609020204030204" pitchFamily="49" charset="0"/>
+              </a:rPr>
+              <a:t> </a:t>
+            </a:r>
+            <a:r>
+              <a:rPr lang="en-US" b="0" dirty="0" err="1">
+                <a:solidFill>
+                  <a:srgbClr val="F8F8F2"/>
+                </a:solidFill>
+                <a:effectLst/>
+                <a:highlight>
+                  <a:srgbClr val="272822"/>
+                </a:highlight>
+                <a:latin typeface="Consolas" panose="020B0609020204030204" pitchFamily="49" charset="0"/>
+              </a:rPr>
+              <a:t>Likt</a:t>
+            </a:r>
+            <a:r>
+              <a:rPr lang="en-US" b="0" dirty="0">
+                <a:solidFill>
+                  <a:srgbClr val="F8F8F2"/>
+                </a:solidFill>
+                <a:effectLst/>
+                <a:highlight>
+                  <a:srgbClr val="272822"/>
+                </a:highlight>
+                <a:latin typeface="Consolas" panose="020B0609020204030204" pitchFamily="49" charset="0"/>
+              </a:rPr>
+              <a:t> SQS</a:t>
+            </a:r>
+          </a:p>
+          <a:p>
+            <a:r>
+              <a:rPr lang="en-US" b="0" dirty="0">
+                <a:solidFill>
+                  <a:srgbClr val="F8F8F2"/>
+                </a:solidFill>
+                <a:effectLst/>
+                <a:highlight>
+                  <a:srgbClr val="272822"/>
+                </a:highlight>
+                <a:latin typeface="Consolas" panose="020B0609020204030204" pitchFamily="49" charset="0"/>
+              </a:rPr>
+              <a:t>  </a:t>
+            </a:r>
+            <a:r>
+              <a:rPr lang="en-US" b="0" dirty="0">
+                <a:solidFill>
+                  <a:srgbClr val="A6E22E"/>
+                </a:solidFill>
+                <a:effectLst/>
+                <a:highlight>
+                  <a:srgbClr val="272822"/>
+                </a:highlight>
+                <a:latin typeface="Consolas" panose="020B0609020204030204" pitchFamily="49" charset="0"/>
+              </a:rPr>
+              <a:t>-</a:t>
+            </a:r>
+            <a:r>
+              <a:rPr lang="en-US" b="0" dirty="0">
+                <a:solidFill>
+                  <a:srgbClr val="F8F8F2"/>
+                </a:solidFill>
+                <a:effectLst/>
+                <a:highlight>
+                  <a:srgbClr val="272822"/>
+                </a:highlight>
+                <a:latin typeface="Consolas" panose="020B0609020204030204" pitchFamily="49" charset="0"/>
+              </a:rPr>
+              <a:t> </a:t>
+            </a:r>
+            <a:r>
+              <a:rPr lang="en-US" b="0" dirty="0" err="1">
+                <a:solidFill>
+                  <a:srgbClr val="F8F8F2"/>
+                </a:solidFill>
+                <a:effectLst/>
+                <a:highlight>
+                  <a:srgbClr val="272822"/>
+                </a:highlight>
+                <a:latin typeface="Consolas" panose="020B0609020204030204" pitchFamily="49" charset="0"/>
+              </a:rPr>
+              <a:t>Öppen</a:t>
+            </a:r>
+            <a:r>
+              <a:rPr lang="en-US" b="0" dirty="0">
+                <a:solidFill>
+                  <a:srgbClr val="F8F8F2"/>
+                </a:solidFill>
+                <a:effectLst/>
+                <a:highlight>
+                  <a:srgbClr val="272822"/>
+                </a:highlight>
+                <a:latin typeface="Consolas" panose="020B0609020204030204" pitchFamily="49" charset="0"/>
+              </a:rPr>
+              <a:t> beta</a:t>
+            </a:r>
+          </a:p>
+          <a:p>
+            <a:r>
+              <a:rPr lang="en-US" b="0" dirty="0">
+                <a:solidFill>
+                  <a:srgbClr val="F8F8F2"/>
+                </a:solidFill>
+                <a:effectLst/>
+                <a:highlight>
+                  <a:srgbClr val="272822"/>
+                </a:highlight>
+                <a:latin typeface="Consolas" panose="020B0609020204030204" pitchFamily="49" charset="0"/>
+              </a:rPr>
+              <a:t>  - Ingen </a:t>
+            </a:r>
+            <a:r>
+              <a:rPr lang="en-US" b="0" dirty="0" err="1">
+                <a:solidFill>
+                  <a:srgbClr val="F8F8F2"/>
+                </a:solidFill>
+                <a:effectLst/>
+                <a:highlight>
+                  <a:srgbClr val="272822"/>
+                </a:highlight>
+                <a:latin typeface="Consolas" panose="020B0609020204030204" pitchFamily="49" charset="0"/>
+              </a:rPr>
+              <a:t>kostnad</a:t>
+            </a:r>
+            <a:r>
+              <a:rPr lang="en-US" b="0" dirty="0">
+                <a:solidFill>
+                  <a:srgbClr val="F8F8F2"/>
+                </a:solidFill>
+                <a:effectLst/>
+                <a:highlight>
+                  <a:srgbClr val="272822"/>
+                </a:highlight>
+                <a:latin typeface="Consolas" panose="020B0609020204030204" pitchFamily="49" charset="0"/>
+              </a:rPr>
+              <a:t> för data </a:t>
+            </a:r>
+            <a:r>
+              <a:rPr lang="en-US" b="0" dirty="0" err="1">
+                <a:solidFill>
+                  <a:srgbClr val="F8F8F2"/>
+                </a:solidFill>
+                <a:effectLst/>
+                <a:highlight>
+                  <a:srgbClr val="272822"/>
+                </a:highlight>
+                <a:latin typeface="Consolas" panose="020B0609020204030204" pitchFamily="49" charset="0"/>
+              </a:rPr>
+              <a:t>transger</a:t>
+            </a:r>
+            <a:r>
+              <a:rPr lang="en-US" b="0" dirty="0">
+                <a:solidFill>
+                  <a:srgbClr val="F8F8F2"/>
+                </a:solidFill>
+                <a:effectLst/>
+                <a:highlight>
+                  <a:srgbClr val="272822"/>
+                </a:highlight>
+                <a:latin typeface="Consolas" panose="020B0609020204030204" pitchFamily="49" charset="0"/>
+              </a:rPr>
+              <a:t> </a:t>
+            </a:r>
+            <a:r>
+              <a:rPr lang="en-US" b="0" dirty="0" err="1">
+                <a:solidFill>
+                  <a:srgbClr val="F8F8F2"/>
+                </a:solidFill>
+                <a:effectLst/>
+                <a:highlight>
+                  <a:srgbClr val="272822"/>
+                </a:highlight>
+                <a:latin typeface="Consolas" panose="020B0609020204030204" pitchFamily="49" charset="0"/>
+              </a:rPr>
+              <a:t>eller</a:t>
+            </a:r>
+            <a:r>
+              <a:rPr lang="en-US" b="0" dirty="0">
+                <a:solidFill>
+                  <a:srgbClr val="F8F8F2"/>
+                </a:solidFill>
+                <a:effectLst/>
+                <a:highlight>
+                  <a:srgbClr val="272822"/>
+                </a:highlight>
+                <a:latin typeface="Consolas" panose="020B0609020204030204" pitchFamily="49" charset="0"/>
+              </a:rPr>
+              <a:t> throughput</a:t>
+            </a:r>
+          </a:p>
+          <a:p>
+            <a:endParaRPr lang="en-US" b="0" dirty="0">
+              <a:solidFill>
+                <a:srgbClr val="F8F8F2"/>
+              </a:solidFill>
+              <a:effectLst/>
+              <a:highlight>
+                <a:srgbClr val="272822"/>
+              </a:highlight>
+              <a:latin typeface="Consolas" panose="020B0609020204030204" pitchFamily="49" charset="0"/>
+            </a:endParaRPr>
+          </a:p>
+          <a:p>
+            <a:r>
+              <a:rPr lang="en-US" b="0" dirty="0">
+                <a:solidFill>
+                  <a:srgbClr val="F8F8F2"/>
+                </a:solidFill>
+                <a:effectLst/>
+                <a:highlight>
+                  <a:srgbClr val="272822"/>
+                </a:highlight>
+                <a:latin typeface="Consolas" panose="020B0609020204030204" pitchFamily="49" charset="0"/>
+              </a:rPr>
+              <a:t>Service bindings </a:t>
+            </a:r>
+            <a:r>
+              <a:rPr lang="en-US" b="0" dirty="0" err="1">
+                <a:solidFill>
+                  <a:srgbClr val="F8F8F2"/>
+                </a:solidFill>
+                <a:effectLst/>
+                <a:highlight>
+                  <a:srgbClr val="272822"/>
+                </a:highlight>
+                <a:latin typeface="Consolas" panose="020B0609020204030204" pitchFamily="49" charset="0"/>
+              </a:rPr>
+              <a:t>finns</a:t>
+            </a:r>
+            <a:r>
+              <a:rPr lang="en-US" b="0" dirty="0">
+                <a:solidFill>
+                  <a:srgbClr val="F8F8F2"/>
+                </a:solidFill>
+                <a:effectLst/>
+                <a:highlight>
+                  <a:srgbClr val="272822"/>
+                </a:highlight>
+                <a:latin typeface="Consolas" panose="020B0609020204030204" pitchFamily="49" charset="0"/>
+              </a:rPr>
+              <a:t> med för </a:t>
+            </a:r>
+            <a:r>
+              <a:rPr lang="en-US" b="0" dirty="0" err="1">
+                <a:solidFill>
+                  <a:srgbClr val="F8F8F2"/>
+                </a:solidFill>
+                <a:effectLst/>
+                <a:highlight>
+                  <a:srgbClr val="272822"/>
+                </a:highlight>
+                <a:latin typeface="Consolas" panose="020B0609020204030204" pitchFamily="49" charset="0"/>
+              </a:rPr>
+              <a:t>att</a:t>
+            </a:r>
+            <a:r>
+              <a:rPr lang="en-US" b="0" dirty="0">
+                <a:solidFill>
+                  <a:srgbClr val="F8F8F2"/>
+                </a:solidFill>
+                <a:effectLst/>
+                <a:highlight>
+                  <a:srgbClr val="272822"/>
+                </a:highlight>
+                <a:latin typeface="Consolas" panose="020B0609020204030204" pitchFamily="49" charset="0"/>
+              </a:rPr>
+              <a:t> </a:t>
+            </a:r>
+            <a:r>
+              <a:rPr lang="en-US" b="0" dirty="0" err="1">
+                <a:solidFill>
+                  <a:srgbClr val="F8F8F2"/>
+                </a:solidFill>
+                <a:effectLst/>
+                <a:highlight>
+                  <a:srgbClr val="272822"/>
+                </a:highlight>
+                <a:latin typeface="Consolas" panose="020B0609020204030204" pitchFamily="49" charset="0"/>
+              </a:rPr>
+              <a:t>kalla</a:t>
+            </a:r>
+            <a:r>
+              <a:rPr lang="en-US" b="0" dirty="0">
+                <a:solidFill>
+                  <a:srgbClr val="F8F8F2"/>
+                </a:solidFill>
+                <a:effectLst/>
+                <a:highlight>
+                  <a:srgbClr val="272822"/>
+                </a:highlight>
+                <a:latin typeface="Consolas" panose="020B0609020204030204" pitchFamily="49" charset="0"/>
+              </a:rPr>
+              <a:t> </a:t>
+            </a:r>
+            <a:r>
+              <a:rPr lang="en-US" b="0" dirty="0" err="1">
+                <a:solidFill>
+                  <a:srgbClr val="F8F8F2"/>
+                </a:solidFill>
+                <a:effectLst/>
+                <a:highlight>
+                  <a:srgbClr val="272822"/>
+                </a:highlight>
+                <a:latin typeface="Consolas" panose="020B0609020204030204" pitchFamily="49" charset="0"/>
+              </a:rPr>
+              <a:t>på</a:t>
+            </a:r>
+            <a:r>
+              <a:rPr lang="en-US" b="0" dirty="0">
+                <a:solidFill>
+                  <a:srgbClr val="F8F8F2"/>
+                </a:solidFill>
+                <a:effectLst/>
+                <a:highlight>
+                  <a:srgbClr val="272822"/>
+                </a:highlight>
+                <a:latin typeface="Consolas" panose="020B0609020204030204" pitchFamily="49" charset="0"/>
+              </a:rPr>
+              <a:t> </a:t>
+            </a:r>
+            <a:r>
+              <a:rPr lang="en-US" b="0" dirty="0" err="1">
+                <a:solidFill>
+                  <a:srgbClr val="F8F8F2"/>
+                </a:solidFill>
+                <a:effectLst/>
+                <a:highlight>
+                  <a:srgbClr val="272822"/>
+                </a:highlight>
+                <a:latin typeface="Consolas" panose="020B0609020204030204" pitchFamily="49" charset="0"/>
+              </a:rPr>
+              <a:t>en</a:t>
+            </a:r>
+            <a:r>
+              <a:rPr lang="en-US" b="0" dirty="0">
+                <a:solidFill>
+                  <a:srgbClr val="F8F8F2"/>
+                </a:solidFill>
+                <a:effectLst/>
+                <a:highlight>
+                  <a:srgbClr val="272822"/>
+                </a:highlight>
+                <a:latin typeface="Consolas" panose="020B0609020204030204" pitchFamily="49" charset="0"/>
+              </a:rPr>
+              <a:t> worker </a:t>
+            </a:r>
+            <a:r>
+              <a:rPr lang="en-US" b="0" dirty="0" err="1">
+                <a:solidFill>
+                  <a:srgbClr val="F8F8F2"/>
+                </a:solidFill>
+                <a:effectLst/>
+                <a:highlight>
+                  <a:srgbClr val="272822"/>
+                </a:highlight>
+                <a:latin typeface="Consolas" panose="020B0609020204030204" pitchFamily="49" charset="0"/>
+              </a:rPr>
+              <a:t>från</a:t>
+            </a:r>
+            <a:r>
+              <a:rPr lang="en-US" b="0" dirty="0">
+                <a:solidFill>
+                  <a:srgbClr val="F8F8F2"/>
+                </a:solidFill>
+                <a:effectLst/>
+                <a:highlight>
+                  <a:srgbClr val="272822"/>
+                </a:highlight>
+                <a:latin typeface="Consolas" panose="020B0609020204030204" pitchFamily="49" charset="0"/>
+              </a:rPr>
+              <a:t> </a:t>
+            </a:r>
+            <a:r>
+              <a:rPr lang="en-US" b="0" dirty="0" err="1">
+                <a:solidFill>
+                  <a:srgbClr val="F8F8F2"/>
+                </a:solidFill>
+                <a:effectLst/>
+                <a:highlight>
+                  <a:srgbClr val="272822"/>
+                </a:highlight>
+                <a:latin typeface="Consolas" panose="020B0609020204030204" pitchFamily="49" charset="0"/>
+              </a:rPr>
+              <a:t>en</a:t>
+            </a:r>
+            <a:r>
+              <a:rPr lang="en-US" b="0" dirty="0">
+                <a:solidFill>
+                  <a:srgbClr val="F8F8F2"/>
+                </a:solidFill>
+                <a:effectLst/>
+                <a:highlight>
+                  <a:srgbClr val="272822"/>
+                </a:highlight>
+                <a:latin typeface="Consolas" panose="020B0609020204030204" pitchFamily="49" charset="0"/>
+              </a:rPr>
+              <a:t> </a:t>
+            </a:r>
+            <a:r>
+              <a:rPr lang="en-US" b="0" dirty="0" err="1">
+                <a:solidFill>
+                  <a:srgbClr val="F8F8F2"/>
+                </a:solidFill>
+                <a:effectLst/>
+                <a:highlight>
+                  <a:srgbClr val="272822"/>
+                </a:highlight>
+                <a:latin typeface="Consolas" panose="020B0609020204030204" pitchFamily="49" charset="0"/>
+              </a:rPr>
+              <a:t>annan</a:t>
+            </a:r>
+            <a:r>
+              <a:rPr lang="en-US" b="0" dirty="0">
+                <a:solidFill>
+                  <a:srgbClr val="F8F8F2"/>
+                </a:solidFill>
+                <a:effectLst/>
+                <a:highlight>
+                  <a:srgbClr val="272822"/>
+                </a:highlight>
+                <a:latin typeface="Consolas" panose="020B0609020204030204" pitchFamily="49" charset="0"/>
+              </a:rPr>
+              <a:t> worker</a:t>
+            </a:r>
+          </a:p>
+          <a:p>
+            <a:r>
+              <a:rPr lang="en-US" b="0" dirty="0">
+                <a:solidFill>
+                  <a:srgbClr val="F8F8F2"/>
+                </a:solidFill>
+                <a:effectLst/>
+                <a:highlight>
+                  <a:srgbClr val="272822"/>
+                </a:highlight>
+                <a:latin typeface="Consolas" panose="020B0609020204030204" pitchFamily="49" charset="0"/>
+              </a:rPr>
+              <a:t>  - HTTP </a:t>
+            </a:r>
+            <a:r>
+              <a:rPr lang="en-US" b="0" dirty="0" err="1">
+                <a:solidFill>
+                  <a:srgbClr val="F8F8F2"/>
+                </a:solidFill>
+                <a:effectLst/>
+                <a:highlight>
+                  <a:srgbClr val="272822"/>
+                </a:highlight>
+                <a:latin typeface="Consolas" panose="020B0609020204030204" pitchFamily="49" charset="0"/>
+              </a:rPr>
+              <a:t>utan</a:t>
+            </a:r>
+            <a:r>
+              <a:rPr lang="en-US" b="0" dirty="0">
+                <a:solidFill>
+                  <a:srgbClr val="F8F8F2"/>
+                </a:solidFill>
+                <a:effectLst/>
+                <a:highlight>
+                  <a:srgbClr val="272822"/>
+                </a:highlight>
+                <a:latin typeface="Consolas" panose="020B0609020204030204" pitchFamily="49" charset="0"/>
+              </a:rPr>
+              <a:t> overhead</a:t>
+            </a:r>
+          </a:p>
+          <a:p>
+            <a:r>
+              <a:rPr lang="en-US" b="0" dirty="0">
+                <a:solidFill>
+                  <a:srgbClr val="F8F8F2"/>
+                </a:solidFill>
+                <a:effectLst/>
+                <a:highlight>
+                  <a:srgbClr val="272822"/>
+                </a:highlight>
+                <a:latin typeface="Consolas" panose="020B0609020204030204" pitchFamily="49" charset="0"/>
+              </a:rPr>
+              <a:t>  - RPC</a:t>
+            </a:r>
+          </a:p>
+          <a:p>
+            <a:endParaRPr lang="en-US" b="0" dirty="0">
+              <a:solidFill>
+                <a:srgbClr val="F8F8F2"/>
+              </a:solidFill>
+              <a:effectLst/>
+              <a:highlight>
+                <a:srgbClr val="272822"/>
+              </a:highlight>
+              <a:latin typeface="Consolas" panose="020B0609020204030204" pitchFamily="49" charset="0"/>
+            </a:endParaRPr>
+          </a:p>
+          <a:p>
+            <a:endParaRPr lang="en-SE" dirty="0"/>
+          </a:p>
+        </p:txBody>
+      </p:sp>
+      <p:sp>
+        <p:nvSpPr>
+          <p:cNvPr id="4" name="Slide Number Placeholder 3"/>
+          <p:cNvSpPr>
+            <a:spLocks noGrp="1"/>
+          </p:cNvSpPr>
+          <p:nvPr>
+            <p:ph type="sldNum" sz="quarter" idx="5"/>
+          </p:nvPr>
+        </p:nvSpPr>
+        <p:spPr/>
+        <p:txBody>
+          <a:bodyPr/>
+          <a:lstStyle/>
+          <a:p>
+            <a:fld id="{2ECA3C8B-6150-4A40-994F-9B940BFC5C57}" type="slidenum">
+              <a:rPr lang="en-US" smtClean="0"/>
               <a:t>7</a:t>
             </a:fld>
             <a:endParaRPr lang="en-US"/>
@@ -2885,6 +5914,622 @@
     <p:extLst>
       <p:ext uri="{BB962C8B-B14F-4D97-AF65-F5344CB8AC3E}">
         <p14:creationId xmlns:p14="http://schemas.microsoft.com/office/powerpoint/2010/main" val="3542931365"/>
+      </p:ext>
+    </p:extLst>
+  </p:cSld>
+  <p:clrMapOvr>
+    <a:masterClrMapping/>
+  </p:clrMapOvr>
+</p:notes>
+</file>
+
+<file path=ppt/notesSlides/notesSlide7.xml><?xml version="1.0" encoding="utf-8"?>
+<p:notes xmlns:a="http://schemas.openxmlformats.org/drawingml/2006/main" xmlns:r="http://schemas.openxmlformats.org/officeDocument/2006/relationships" xmlns:p="http://schemas.openxmlformats.org/presentationml/2006/main">
+  <p:cSld>
+    <p:spTree>
+      <p:nvGrpSpPr>
+        <p:cNvPr id="1" name=""/>
+        <p:cNvGrpSpPr/>
+        <p:nvPr/>
+      </p:nvGrpSpPr>
+      <p:grpSpPr>
+        <a:xfrm>
+          <a:off x="0" y="0"/>
+          <a:ext cx="0" cy="0"/>
+          <a:chOff x="0" y="0"/>
+          <a:chExt cx="0" cy="0"/>
+        </a:xfrm>
+      </p:grpSpPr>
+      <p:sp>
+        <p:nvSpPr>
+          <p:cNvPr id="2" name="Slide Image Placeholder 1"/>
+          <p:cNvSpPr>
+            <a:spLocks noGrp="1" noRot="1" noChangeAspect="1"/>
+          </p:cNvSpPr>
+          <p:nvPr>
+            <p:ph type="sldImg"/>
+          </p:nvPr>
+        </p:nvSpPr>
+        <p:spPr/>
+      </p:sp>
+      <p:sp>
+        <p:nvSpPr>
+          <p:cNvPr id="3" name="Notes Placeholder 2"/>
+          <p:cNvSpPr>
+            <a:spLocks noGrp="1"/>
+          </p:cNvSpPr>
+          <p:nvPr>
+            <p:ph type="body" idx="1"/>
+          </p:nvPr>
+        </p:nvSpPr>
+        <p:spPr/>
+        <p:txBody>
+          <a:bodyPr/>
+          <a:lstStyle/>
+          <a:p>
+            <a:r>
+              <a:rPr lang="en-US" dirty="0"/>
+              <a:t>Pages</a:t>
+            </a:r>
+          </a:p>
+          <a:p>
+            <a:r>
+              <a:rPr lang="en-US" dirty="0"/>
+              <a:t>  - </a:t>
+            </a:r>
+            <a:r>
+              <a:rPr lang="en-US" dirty="0" err="1"/>
+              <a:t>Fullstack</a:t>
+            </a:r>
+            <a:r>
+              <a:rPr lang="en-US" dirty="0"/>
+              <a:t> </a:t>
+            </a:r>
+            <a:r>
+              <a:rPr lang="en-US" dirty="0" err="1"/>
+              <a:t>ramverk</a:t>
+            </a:r>
+            <a:endParaRPr lang="en-US" dirty="0"/>
+          </a:p>
+          <a:p>
+            <a:r>
+              <a:rPr lang="en-US" dirty="0"/>
+              <a:t>  - Hosting för </a:t>
+            </a:r>
+            <a:r>
+              <a:rPr lang="en-US" dirty="0" err="1"/>
+              <a:t>statiska</a:t>
+            </a:r>
+            <a:r>
+              <a:rPr lang="en-US" dirty="0"/>
+              <a:t> </a:t>
+            </a:r>
+            <a:r>
+              <a:rPr lang="en-US" dirty="0" err="1"/>
+              <a:t>hemsidor</a:t>
+            </a:r>
+            <a:r>
+              <a:rPr lang="en-US" dirty="0"/>
+              <a:t>, </a:t>
+            </a:r>
+            <a:r>
+              <a:rPr lang="en-US" dirty="0" err="1"/>
+              <a:t>likt</a:t>
+            </a:r>
+            <a:r>
+              <a:rPr lang="en-US" dirty="0"/>
+              <a:t> ex </a:t>
+            </a:r>
+            <a:r>
+              <a:rPr lang="en-US" dirty="0" err="1"/>
+              <a:t>Github</a:t>
+            </a:r>
+            <a:r>
+              <a:rPr lang="en-US" dirty="0"/>
+              <a:t> pages</a:t>
+            </a:r>
+          </a:p>
+          <a:p>
+            <a:endParaRPr lang="en-US" dirty="0"/>
+          </a:p>
+          <a:p>
+            <a:r>
+              <a:rPr lang="en-US" dirty="0"/>
+              <a:t>Stream</a:t>
+            </a:r>
+          </a:p>
+          <a:p>
+            <a:r>
+              <a:rPr lang="en-US" dirty="0"/>
+              <a:t>  - </a:t>
+            </a:r>
+            <a:r>
+              <a:rPr lang="en-US" dirty="0" err="1"/>
+              <a:t>Lagra</a:t>
+            </a:r>
+            <a:r>
+              <a:rPr lang="en-US" dirty="0"/>
+              <a:t>, </a:t>
+            </a:r>
+            <a:r>
+              <a:rPr lang="en-US" dirty="0" err="1"/>
+              <a:t>encoda</a:t>
+            </a:r>
+            <a:r>
+              <a:rPr lang="en-US" dirty="0"/>
+              <a:t>, </a:t>
+            </a:r>
+            <a:r>
+              <a:rPr lang="en-US" dirty="0" err="1"/>
+              <a:t>leverera</a:t>
+            </a:r>
+            <a:r>
+              <a:rPr lang="en-US" dirty="0"/>
+              <a:t> live </a:t>
+            </a:r>
+            <a:r>
+              <a:rPr lang="en-US" dirty="0" err="1"/>
+              <a:t>eller</a:t>
+            </a:r>
+            <a:r>
+              <a:rPr lang="en-US" dirty="0"/>
+              <a:t> on-demand video</a:t>
+            </a:r>
+          </a:p>
+          <a:p>
+            <a:endParaRPr lang="en-US" dirty="0"/>
+          </a:p>
+          <a:p>
+            <a:r>
+              <a:rPr lang="en-US" dirty="0"/>
+              <a:t>Images</a:t>
+            </a:r>
+          </a:p>
+          <a:p>
+            <a:r>
+              <a:rPr lang="en-US" dirty="0"/>
+              <a:t> - </a:t>
+            </a:r>
+            <a:r>
+              <a:rPr lang="en-US" dirty="0" err="1"/>
+              <a:t>Lagra</a:t>
+            </a:r>
+            <a:r>
+              <a:rPr lang="en-US" dirty="0"/>
+              <a:t>, </a:t>
+            </a:r>
+            <a:r>
+              <a:rPr lang="en-US" dirty="0" err="1"/>
+              <a:t>optimera</a:t>
+            </a:r>
+            <a:r>
+              <a:rPr lang="en-US" dirty="0"/>
+              <a:t>, </a:t>
+            </a:r>
+            <a:r>
+              <a:rPr lang="en-US" dirty="0" err="1"/>
+              <a:t>leverera</a:t>
+            </a:r>
+            <a:r>
+              <a:rPr lang="en-US" dirty="0"/>
+              <a:t> </a:t>
+            </a:r>
+            <a:r>
+              <a:rPr lang="en-US" dirty="0" err="1"/>
+              <a:t>bilder</a:t>
+            </a:r>
+            <a:endParaRPr lang="en-US" dirty="0"/>
+          </a:p>
+        </p:txBody>
+      </p:sp>
+      <p:sp>
+        <p:nvSpPr>
+          <p:cNvPr id="4" name="Slide Number Placeholder 3"/>
+          <p:cNvSpPr>
+            <a:spLocks noGrp="1"/>
+          </p:cNvSpPr>
+          <p:nvPr>
+            <p:ph type="sldNum" sz="quarter" idx="5"/>
+          </p:nvPr>
+        </p:nvSpPr>
+        <p:spPr/>
+        <p:txBody>
+          <a:bodyPr/>
+          <a:lstStyle/>
+          <a:p>
+            <a:fld id="{2ECA3C8B-6150-4A40-994F-9B940BFC5C57}" type="slidenum">
+              <a:rPr lang="en-US" smtClean="0"/>
+              <a:t>8</a:t>
+            </a:fld>
+            <a:endParaRPr lang="en-US"/>
+          </a:p>
+        </p:txBody>
+      </p:sp>
+    </p:spTree>
+    <p:extLst>
+      <p:ext uri="{BB962C8B-B14F-4D97-AF65-F5344CB8AC3E}">
+        <p14:creationId xmlns:p14="http://schemas.microsoft.com/office/powerpoint/2010/main" val="4216704098"/>
+      </p:ext>
+    </p:extLst>
+  </p:cSld>
+  <p:clrMapOvr>
+    <a:masterClrMapping/>
+  </p:clrMapOvr>
+</p:notes>
+</file>
+
+<file path=ppt/notesSlides/notesSlide8.xml><?xml version="1.0" encoding="utf-8"?>
+<p:notes xmlns:a="http://schemas.openxmlformats.org/drawingml/2006/main" xmlns:r="http://schemas.openxmlformats.org/officeDocument/2006/relationships" xmlns:p="http://schemas.openxmlformats.org/presentationml/2006/main">
+  <p:cSld>
+    <p:spTree>
+      <p:nvGrpSpPr>
+        <p:cNvPr id="1" name=""/>
+        <p:cNvGrpSpPr/>
+        <p:nvPr/>
+      </p:nvGrpSpPr>
+      <p:grpSpPr>
+        <a:xfrm>
+          <a:off x="0" y="0"/>
+          <a:ext cx="0" cy="0"/>
+          <a:chOff x="0" y="0"/>
+          <a:chExt cx="0" cy="0"/>
+        </a:xfrm>
+      </p:grpSpPr>
+      <p:sp>
+        <p:nvSpPr>
+          <p:cNvPr id="2" name="Slide Image Placeholder 1"/>
+          <p:cNvSpPr>
+            <a:spLocks noGrp="1" noRot="1" noChangeAspect="1"/>
+          </p:cNvSpPr>
+          <p:nvPr>
+            <p:ph type="sldImg"/>
+          </p:nvPr>
+        </p:nvSpPr>
+        <p:spPr/>
+      </p:sp>
+      <p:sp>
+        <p:nvSpPr>
+          <p:cNvPr id="3" name="Notes Placeholder 2"/>
+          <p:cNvSpPr>
+            <a:spLocks noGrp="1"/>
+          </p:cNvSpPr>
+          <p:nvPr>
+            <p:ph type="body" idx="1"/>
+          </p:nvPr>
+        </p:nvSpPr>
+        <p:spPr/>
+        <p:txBody>
+          <a:bodyPr/>
+          <a:lstStyle/>
+          <a:p>
+            <a:r>
+              <a:rPr lang="en-US" dirty="0"/>
+              <a:t>Workers AI</a:t>
+            </a:r>
+          </a:p>
+          <a:p>
+            <a:r>
+              <a:rPr lang="en-US" dirty="0"/>
+              <a:t>  - General Availability 2 April I </a:t>
+            </a:r>
+            <a:r>
+              <a:rPr lang="en-US" dirty="0" err="1"/>
+              <a:t>år</a:t>
+            </a:r>
+            <a:r>
+              <a:rPr lang="en-US" dirty="0"/>
+              <a:t>, </a:t>
+            </a:r>
+            <a:r>
+              <a:rPr lang="en-US" dirty="0" err="1"/>
+              <a:t>ganska</a:t>
+            </a:r>
+            <a:r>
+              <a:rPr lang="en-US" dirty="0"/>
+              <a:t> </a:t>
+            </a:r>
+            <a:r>
+              <a:rPr lang="en-US" dirty="0" err="1"/>
+              <a:t>nytt</a:t>
+            </a:r>
+            <a:r>
+              <a:rPr lang="en-US" dirty="0"/>
+              <a:t>!</a:t>
+            </a:r>
+          </a:p>
+          <a:p>
+            <a:r>
+              <a:rPr lang="en-US" dirty="0"/>
+              <a:t>  - En worker med GPU </a:t>
+            </a:r>
+            <a:r>
+              <a:rPr lang="en-US" dirty="0" err="1"/>
+              <a:t>så</a:t>
+            </a:r>
+            <a:r>
+              <a:rPr lang="en-US" dirty="0"/>
+              <a:t> den </a:t>
+            </a:r>
+            <a:r>
+              <a:rPr lang="en-US" dirty="0" err="1"/>
+              <a:t>kan</a:t>
+            </a:r>
+            <a:r>
+              <a:rPr lang="en-US" dirty="0"/>
+              <a:t> </a:t>
+            </a:r>
+            <a:r>
+              <a:rPr lang="en-US" dirty="0" err="1"/>
+              <a:t>köra</a:t>
+            </a:r>
+            <a:r>
+              <a:rPr lang="en-US" dirty="0"/>
+              <a:t> AI modeler</a:t>
+            </a:r>
+          </a:p>
+          <a:p>
+            <a:r>
+              <a:rPr lang="en-US" dirty="0"/>
+              <a:t>  - För </a:t>
+            </a:r>
+            <a:r>
+              <a:rPr lang="en-US" dirty="0" err="1"/>
+              <a:t>att</a:t>
+            </a:r>
+            <a:r>
+              <a:rPr lang="en-US" dirty="0"/>
+              <a:t> </a:t>
+            </a:r>
+            <a:r>
+              <a:rPr lang="en-US" dirty="0" err="1"/>
+              <a:t>göra</a:t>
+            </a:r>
+            <a:r>
+              <a:rPr lang="en-US" dirty="0"/>
+              <a:t> “inference” (</a:t>
+            </a:r>
+            <a:r>
+              <a:rPr lang="en-US" dirty="0" err="1"/>
+              <a:t>alltså</a:t>
+            </a:r>
+            <a:r>
+              <a:rPr lang="en-US" dirty="0"/>
+              <a:t> </a:t>
+            </a:r>
+            <a:r>
+              <a:rPr lang="en-US" dirty="0" err="1"/>
+              <a:t>jobba</a:t>
+            </a:r>
+            <a:r>
+              <a:rPr lang="en-US" dirty="0"/>
+              <a:t> </a:t>
+            </a:r>
+            <a:r>
+              <a:rPr lang="en-US" dirty="0" err="1"/>
+              <a:t>på</a:t>
+            </a:r>
+            <a:r>
+              <a:rPr lang="en-US" dirty="0"/>
+              <a:t> data), </a:t>
+            </a:r>
+            <a:r>
+              <a:rPr lang="en-US" dirty="0" err="1"/>
+              <a:t>inte</a:t>
+            </a:r>
+            <a:r>
+              <a:rPr lang="en-US" dirty="0"/>
+              <a:t> för </a:t>
+            </a:r>
+            <a:r>
+              <a:rPr lang="en-US" dirty="0" err="1"/>
+              <a:t>att</a:t>
+            </a:r>
+            <a:r>
+              <a:rPr lang="en-US" dirty="0"/>
+              <a:t> </a:t>
+            </a:r>
+            <a:r>
+              <a:rPr lang="en-US" dirty="0" err="1"/>
+              <a:t>träna</a:t>
+            </a:r>
+            <a:r>
+              <a:rPr lang="en-US" dirty="0"/>
+              <a:t> modeler</a:t>
+            </a:r>
+          </a:p>
+          <a:p>
+            <a:r>
+              <a:rPr lang="en-US" dirty="0"/>
+              <a:t>  - </a:t>
+            </a:r>
+            <a:r>
+              <a:rPr lang="en-US" dirty="0" err="1"/>
+              <a:t>Några</a:t>
+            </a:r>
+            <a:r>
+              <a:rPr lang="en-US" dirty="0"/>
+              <a:t> modeler </a:t>
+            </a:r>
+            <a:r>
+              <a:rPr lang="en-US" dirty="0" err="1"/>
+              <a:t>har</a:t>
+            </a:r>
+            <a:r>
+              <a:rPr lang="en-US" dirty="0"/>
+              <a:t> </a:t>
+            </a:r>
+            <a:r>
+              <a:rPr lang="en-US" dirty="0" err="1"/>
+              <a:t>stöd</a:t>
+            </a:r>
+            <a:r>
+              <a:rPr lang="en-US" dirty="0"/>
+              <a:t> för </a:t>
+            </a:r>
+            <a:r>
+              <a:rPr lang="en-US" dirty="0" err="1"/>
+              <a:t>LoRA</a:t>
+            </a:r>
+            <a:endParaRPr lang="en-US" dirty="0"/>
+          </a:p>
+          <a:p>
+            <a:endParaRPr lang="en-US" dirty="0"/>
+          </a:p>
+          <a:p>
+            <a:r>
+              <a:rPr lang="en-US" dirty="0"/>
+              <a:t>Vectorize</a:t>
+            </a:r>
+          </a:p>
+        </p:txBody>
+      </p:sp>
+      <p:sp>
+        <p:nvSpPr>
+          <p:cNvPr id="4" name="Slide Number Placeholder 3"/>
+          <p:cNvSpPr>
+            <a:spLocks noGrp="1"/>
+          </p:cNvSpPr>
+          <p:nvPr>
+            <p:ph type="sldNum" sz="quarter" idx="5"/>
+          </p:nvPr>
+        </p:nvSpPr>
+        <p:spPr/>
+        <p:txBody>
+          <a:bodyPr/>
+          <a:lstStyle/>
+          <a:p>
+            <a:fld id="{2ECA3C8B-6150-4A40-994F-9B940BFC5C57}" type="slidenum">
+              <a:rPr lang="en-US" smtClean="0"/>
+              <a:t>9</a:t>
+            </a:fld>
+            <a:endParaRPr lang="en-US"/>
+          </a:p>
+        </p:txBody>
+      </p:sp>
+    </p:spTree>
+    <p:extLst>
+      <p:ext uri="{BB962C8B-B14F-4D97-AF65-F5344CB8AC3E}">
+        <p14:creationId xmlns:p14="http://schemas.microsoft.com/office/powerpoint/2010/main" val="2592966116"/>
+      </p:ext>
+    </p:extLst>
+  </p:cSld>
+  <p:clrMapOvr>
+    <a:masterClrMapping/>
+  </p:clrMapOvr>
+</p:notes>
+</file>
+
+<file path=ppt/notesSlides/notesSlide9.xml><?xml version="1.0" encoding="utf-8"?>
+<p:notes xmlns:a="http://schemas.openxmlformats.org/drawingml/2006/main" xmlns:r="http://schemas.openxmlformats.org/officeDocument/2006/relationships" xmlns:p="http://schemas.openxmlformats.org/presentationml/2006/main">
+  <p:cSld>
+    <p:spTree>
+      <p:nvGrpSpPr>
+        <p:cNvPr id="1" name=""/>
+        <p:cNvGrpSpPr/>
+        <p:nvPr/>
+      </p:nvGrpSpPr>
+      <p:grpSpPr>
+        <a:xfrm>
+          <a:off x="0" y="0"/>
+          <a:ext cx="0" cy="0"/>
+          <a:chOff x="0" y="0"/>
+          <a:chExt cx="0" cy="0"/>
+        </a:xfrm>
+      </p:grpSpPr>
+      <p:sp>
+        <p:nvSpPr>
+          <p:cNvPr id="2" name="Slide Image Placeholder 1"/>
+          <p:cNvSpPr>
+            <a:spLocks noGrp="1" noRot="1" noChangeAspect="1"/>
+          </p:cNvSpPr>
+          <p:nvPr>
+            <p:ph type="sldImg"/>
+          </p:nvPr>
+        </p:nvSpPr>
+        <p:spPr/>
+      </p:sp>
+      <p:sp>
+        <p:nvSpPr>
+          <p:cNvPr id="3" name="Notes Placeholder 2"/>
+          <p:cNvSpPr>
+            <a:spLocks noGrp="1"/>
+          </p:cNvSpPr>
+          <p:nvPr>
+            <p:ph type="body" idx="1"/>
+          </p:nvPr>
+        </p:nvSpPr>
+        <p:spPr/>
+        <p:txBody>
+          <a:bodyPr/>
+          <a:lstStyle/>
+          <a:p>
+            <a:r>
+              <a:rPr lang="en-US" dirty="0"/>
+              <a:t>Demo av </a:t>
+            </a:r>
+            <a:r>
+              <a:rPr lang="en-US" dirty="0" err="1"/>
+              <a:t>hur</a:t>
+            </a:r>
+            <a:r>
+              <a:rPr lang="en-US" dirty="0"/>
+              <a:t> man </a:t>
+            </a:r>
+            <a:r>
+              <a:rPr lang="en-US" dirty="0" err="1"/>
+              <a:t>skriver</a:t>
+            </a:r>
+            <a:r>
+              <a:rPr lang="en-US" dirty="0"/>
+              <a:t> </a:t>
+            </a:r>
+            <a:r>
+              <a:rPr lang="en-US" dirty="0" err="1"/>
+              <a:t>och</a:t>
+            </a:r>
+            <a:r>
+              <a:rPr lang="en-US" dirty="0"/>
+              <a:t> deployer </a:t>
+            </a:r>
+            <a:r>
+              <a:rPr lang="en-US" dirty="0" err="1"/>
+              <a:t>en</a:t>
+            </a:r>
+            <a:r>
+              <a:rPr lang="en-US" dirty="0"/>
+              <a:t> worker!</a:t>
+            </a:r>
+            <a:endParaRPr lang="en-SE" dirty="0"/>
+          </a:p>
+        </p:txBody>
+      </p:sp>
+      <p:sp>
+        <p:nvSpPr>
+          <p:cNvPr id="4" name="Slide Number Placeholder 3"/>
+          <p:cNvSpPr>
+            <a:spLocks noGrp="1"/>
+          </p:cNvSpPr>
+          <p:nvPr>
+            <p:ph type="sldNum" sz="quarter" idx="5"/>
+          </p:nvPr>
+        </p:nvSpPr>
+        <p:spPr/>
+        <p:txBody>
+          <a:bodyPr/>
+          <a:lstStyle/>
+          <a:p>
+            <a:fld id="{2ECA3C8B-6150-4A40-994F-9B940BFC5C57}" type="slidenum">
+              <a:rPr lang="en-US" smtClean="0"/>
+              <a:t>10</a:t>
+            </a:fld>
+            <a:endParaRPr lang="en-US"/>
+          </a:p>
+        </p:txBody>
+      </p:sp>
+    </p:spTree>
+    <p:extLst>
+      <p:ext uri="{BB962C8B-B14F-4D97-AF65-F5344CB8AC3E}">
+        <p14:creationId xmlns:p14="http://schemas.microsoft.com/office/powerpoint/2010/main" val="2869645579"/>
       </p:ext>
     </p:extLst>
   </p:cSld>
@@ -9765,6 +13410,132 @@
           <a:bodyPr/>
           <a:lstStyle/>
           <a:p>
+            <a:r>
+              <a:rPr lang="en-SE" sz="1800" dirty="0">
+                <a:effectLst/>
+                <a:latin typeface="Aptos" panose="020B0004020202020204" pitchFamily="34" charset="0"/>
+                <a:ea typeface="Aptos" panose="020B0004020202020204" pitchFamily="34" charset="0"/>
+                <a:cs typeface="Aptos" panose="020B0004020202020204" pitchFamily="34" charset="0"/>
+              </a:rPr>
+              <a:t>En </a:t>
+            </a:r>
+            <a:r>
+              <a:rPr lang="en-SE" sz="1800" dirty="0" err="1">
+                <a:effectLst/>
+                <a:latin typeface="Aptos" panose="020B0004020202020204" pitchFamily="34" charset="0"/>
+                <a:ea typeface="Aptos" panose="020B0004020202020204" pitchFamily="34" charset="0"/>
+                <a:cs typeface="Aptos" panose="020B0004020202020204" pitchFamily="34" charset="0"/>
+              </a:rPr>
+              <a:t>introduktion</a:t>
+            </a:r>
+            <a:r>
+              <a:rPr lang="en-SE" sz="1800" dirty="0">
+                <a:effectLst/>
+                <a:latin typeface="Aptos" panose="020B0004020202020204" pitchFamily="34" charset="0"/>
+                <a:ea typeface="Aptos" panose="020B0004020202020204" pitchFamily="34" charset="0"/>
+                <a:cs typeface="Aptos" panose="020B0004020202020204" pitchFamily="34" charset="0"/>
+              </a:rPr>
+              <a:t> till Cloudflare Workers - </a:t>
+            </a:r>
+            <a:r>
+              <a:rPr lang="en-SE" sz="1800" dirty="0" err="1">
+                <a:effectLst/>
+                <a:latin typeface="Aptos" panose="020B0004020202020204" pitchFamily="34" charset="0"/>
+                <a:ea typeface="Aptos" panose="020B0004020202020204" pitchFamily="34" charset="0"/>
+                <a:cs typeface="Aptos" panose="020B0004020202020204" pitchFamily="34" charset="0"/>
+              </a:rPr>
+              <a:t>en</a:t>
+            </a:r>
+            <a:r>
+              <a:rPr lang="en-SE" sz="1800" dirty="0">
+                <a:effectLst/>
+                <a:latin typeface="Aptos" panose="020B0004020202020204" pitchFamily="34" charset="0"/>
+                <a:ea typeface="Aptos" panose="020B0004020202020204" pitchFamily="34" charset="0"/>
+                <a:cs typeface="Aptos" panose="020B0004020202020204" pitchFamily="34" charset="0"/>
+              </a:rPr>
+              <a:t> </a:t>
+            </a:r>
+            <a:r>
+              <a:rPr lang="en-SE" sz="1800" dirty="0" err="1">
+                <a:effectLst/>
+                <a:latin typeface="Aptos" panose="020B0004020202020204" pitchFamily="34" charset="0"/>
+                <a:ea typeface="Aptos" panose="020B0004020202020204" pitchFamily="34" charset="0"/>
+                <a:cs typeface="Aptos" panose="020B0004020202020204" pitchFamily="34" charset="0"/>
+              </a:rPr>
+              <a:t>plattform</a:t>
+            </a:r>
+            <a:r>
+              <a:rPr lang="en-SE" sz="1800" dirty="0">
+                <a:effectLst/>
+                <a:latin typeface="Aptos" panose="020B0004020202020204" pitchFamily="34" charset="0"/>
+                <a:ea typeface="Aptos" panose="020B0004020202020204" pitchFamily="34" charset="0"/>
+                <a:cs typeface="Aptos" panose="020B0004020202020204" pitchFamily="34" charset="0"/>
+              </a:rPr>
+              <a:t> for serverless compute </a:t>
+            </a:r>
+            <a:r>
+              <a:rPr lang="en-SE" sz="1800" dirty="0" err="1">
+                <a:effectLst/>
+                <a:latin typeface="Aptos" panose="020B0004020202020204" pitchFamily="34" charset="0"/>
+                <a:ea typeface="Aptos" panose="020B0004020202020204" pitchFamily="34" charset="0"/>
+                <a:cs typeface="Aptos" panose="020B0004020202020204" pitchFamily="34" charset="0"/>
+              </a:rPr>
+              <a:t>utan</a:t>
+            </a:r>
+            <a:r>
+              <a:rPr lang="en-SE" sz="1800" dirty="0">
+                <a:effectLst/>
+                <a:latin typeface="Aptos" panose="020B0004020202020204" pitchFamily="34" charset="0"/>
+                <a:ea typeface="Aptos" panose="020B0004020202020204" pitchFamily="34" charset="0"/>
+                <a:cs typeface="Aptos" panose="020B0004020202020204" pitchFamily="34" charset="0"/>
+              </a:rPr>
+              <a:t> cold starts - </a:t>
+            </a:r>
+            <a:r>
+              <a:rPr lang="en-SE" sz="1800" dirty="0" err="1">
+                <a:effectLst/>
+                <a:latin typeface="Aptos" panose="020B0004020202020204" pitchFamily="34" charset="0"/>
+                <a:ea typeface="Aptos" panose="020B0004020202020204" pitchFamily="34" charset="0"/>
+                <a:cs typeface="Aptos" panose="020B0004020202020204" pitchFamily="34" charset="0"/>
+              </a:rPr>
+              <a:t>och</a:t>
+            </a:r>
+            <a:r>
+              <a:rPr lang="en-SE" sz="1800" dirty="0">
+                <a:effectLst/>
+                <a:latin typeface="Aptos" panose="020B0004020202020204" pitchFamily="34" charset="0"/>
+                <a:ea typeface="Aptos" panose="020B0004020202020204" pitchFamily="34" charset="0"/>
+                <a:cs typeface="Aptos" panose="020B0004020202020204" pitchFamily="34" charset="0"/>
+              </a:rPr>
+              <a:t> </a:t>
+            </a:r>
+            <a:r>
+              <a:rPr lang="en-SE" sz="1800" dirty="0" err="1">
+                <a:effectLst/>
+                <a:latin typeface="Aptos" panose="020B0004020202020204" pitchFamily="34" charset="0"/>
+                <a:ea typeface="Aptos" panose="020B0004020202020204" pitchFamily="34" charset="0"/>
+                <a:cs typeface="Aptos" panose="020B0004020202020204" pitchFamily="34" charset="0"/>
+              </a:rPr>
+              <a:t>kringliggande</a:t>
+            </a:r>
+            <a:r>
+              <a:rPr lang="en-SE" sz="1800" dirty="0">
+                <a:effectLst/>
+                <a:latin typeface="Aptos" panose="020B0004020202020204" pitchFamily="34" charset="0"/>
+                <a:ea typeface="Aptos" panose="020B0004020202020204" pitchFamily="34" charset="0"/>
+                <a:cs typeface="Aptos" panose="020B0004020202020204" pitchFamily="34" charset="0"/>
+              </a:rPr>
+              <a:t> </a:t>
+            </a:r>
+            <a:r>
+              <a:rPr lang="en-SE" sz="1800" dirty="0" err="1">
+                <a:effectLst/>
+                <a:latin typeface="Aptos" panose="020B0004020202020204" pitchFamily="34" charset="0"/>
+                <a:ea typeface="Aptos" panose="020B0004020202020204" pitchFamily="34" charset="0"/>
+                <a:cs typeface="Aptos" panose="020B0004020202020204" pitchFamily="34" charset="0"/>
+              </a:rPr>
+              <a:t>tjänster</a:t>
+            </a:r>
             <a:endParaRPr lang="en-US" dirty="0"/>
           </a:p>
         </p:txBody>
@@ -9826,7 +13597,10 @@
           <a:bodyPr/>
           <a:lstStyle/>
           <a:p>
-            <a:endParaRPr lang="en-US" dirty="0"/>
+            <a:r>
+              <a:rPr lang="en-US" dirty="0"/>
+              <a:t>Demo</a:t>
+            </a:r>
           </a:p>
         </p:txBody>
       </p:sp>
@@ -9879,7 +13653,7 @@
             <a:spLocks noGrp="1"/>
           </p:cNvSpPr>
           <p:nvPr>
-            <p:ph type="title"/>
+            <p:ph type="ctrTitle"/>
           </p:nvPr>
         </p:nvSpPr>
         <p:spPr/>
@@ -9887,25 +13661,26 @@
           <a:bodyPr/>
           <a:lstStyle/>
           <a:p>
-            <a:endParaRPr lang="en-US" dirty="0"/>
-          </a:p>
-        </p:txBody>
-      </p:sp>
-      <p:sp>
-        <p:nvSpPr>
-          <p:cNvPr id="3" name="Content Placeholder 2"/>
-          <p:cNvSpPr>
-            <a:spLocks noGrp="1"/>
-          </p:cNvSpPr>
-          <p:nvPr>
-            <p:ph idx="1"/>
-          </p:nvPr>
-        </p:nvSpPr>
-        <p:spPr/>
-        <p:txBody>
-          <a:bodyPr/>
-          <a:lstStyle/>
-          <a:p>
+            <a:r>
+              <a:rPr lang="en-US" dirty="0" err="1"/>
+              <a:t>Fördelar</a:t>
+            </a:r>
+            <a:r>
+              <a:rPr lang="en-US" dirty="0"/>
+              <a:t> </a:t>
+            </a:r>
+            <a:r>
+              <a:rPr lang="en-US" dirty="0" err="1"/>
+              <a:t>och</a:t>
+            </a:r>
+            <a:r>
+              <a:rPr lang="en-US" dirty="0"/>
+              <a:t> </a:t>
+            </a:r>
+            <a:r>
+              <a:rPr lang="en-US" dirty="0" err="1"/>
+              <a:t>nackdelar</a:t>
+            </a:r>
             <a:endParaRPr lang="en-US" dirty="0"/>
           </a:p>
         </p:txBody>
@@ -9913,7 +13688,7 @@
     </p:spTree>
     <p:extLst>
       <p:ext uri="{BB962C8B-B14F-4D97-AF65-F5344CB8AC3E}">
-        <p14:creationId xmlns:p14="http://schemas.microsoft.com/office/powerpoint/2010/main" val="650384996"/>
+        <p14:creationId xmlns:p14="http://schemas.microsoft.com/office/powerpoint/2010/main" val="2240098234"/>
       </p:ext>
     </p:extLst>
   </p:cSld>
@@ -9967,7 +13742,14 @@
           <a:bodyPr/>
           <a:lstStyle/>
           <a:p>
-            <a:endParaRPr lang="en-US" dirty="0"/>
+            <a:r>
+              <a:rPr lang="en-US" dirty="0" err="1"/>
+              <a:t>Varför</a:t>
+            </a:r>
+            <a:r>
+              <a:rPr lang="en-US" dirty="0"/>
+              <a:t> Cloudflare?</a:t>
+            </a:r>
           </a:p>
         </p:txBody>
       </p:sp>
@@ -9986,14 +13768,34 @@
           <a:bodyPr/>
           <a:lstStyle/>
           <a:p>
+            <a:r>
+              <a:rPr lang="en-US" dirty="0" err="1"/>
+              <a:t>Kostnad</a:t>
+            </a:r>
             <a:endParaRPr lang="en-US" dirty="0"/>
+          </a:p>
+          <a:p>
+            <a:r>
+              <a:rPr lang="en-US" dirty="0"/>
+              <a:t>Inga cold starts</a:t>
+            </a:r>
+          </a:p>
+          <a:p>
+            <a:r>
+              <a:rPr lang="en-US" dirty="0" err="1"/>
+              <a:t>Endast</a:t>
+            </a:r>
+            <a:r>
+              <a:rPr lang="en-US" dirty="0"/>
+              <a:t> managed services</a:t>
+            </a:r>
           </a:p>
         </p:txBody>
       </p:sp>
     </p:spTree>
     <p:extLst>
       <p:ext uri="{BB962C8B-B14F-4D97-AF65-F5344CB8AC3E}">
-        <p14:creationId xmlns:p14="http://schemas.microsoft.com/office/powerpoint/2010/main" val="2282362397"/>
+        <p14:creationId xmlns:p14="http://schemas.microsoft.com/office/powerpoint/2010/main" val="650384996"/>
       </p:ext>
     </p:extLst>
   </p:cSld>
@@ -10039,7 +13841,7 @@
             <a:spLocks noGrp="1"/>
           </p:cNvSpPr>
           <p:nvPr>
-            <p:ph type="ctrTitle"/>
+            <p:ph type="title"/>
           </p:nvPr>
         </p:nvSpPr>
         <p:spPr/>
@@ -10047,14 +13849,209 @@
           <a:bodyPr/>
           <a:lstStyle/>
           <a:p>
-            <a:endParaRPr lang="en-US" dirty="0"/>
+            <a:r>
+              <a:rPr lang="en-US" dirty="0" err="1"/>
+              <a:t>Varför</a:t>
+            </a:r>
+            <a:r>
+              <a:rPr lang="en-US" dirty="0"/>
+              <a:t> </a:t>
+            </a:r>
+            <a:r>
+              <a:rPr lang="en-US" dirty="0" err="1"/>
+              <a:t>inte</a:t>
+            </a:r>
+            <a:r>
+              <a:rPr lang="en-US" dirty="0"/>
+              <a:t> Cloudflare?</a:t>
+            </a:r>
           </a:p>
         </p:txBody>
       </p:sp>
+      <p:sp>
+        <p:nvSpPr>
+          <p:cNvPr id="3" name="Content Placeholder 2"/>
+          <p:cNvSpPr>
+            <a:spLocks noGrp="1"/>
+          </p:cNvSpPr>
+          <p:nvPr>
+            <p:ph idx="1"/>
+          </p:nvPr>
+        </p:nvSpPr>
+        <p:spPr/>
+        <p:txBody>
+          <a:bodyPr/>
+          <a:lstStyle/>
+          <a:p>
+            <a:r>
+              <a:rPr lang="en-US" dirty="0" err="1"/>
+              <a:t>Endast</a:t>
+            </a:r>
+            <a:r>
+              <a:rPr lang="en-US" dirty="0"/>
+              <a:t> managed services</a:t>
+            </a:r>
+          </a:p>
+          <a:p>
+            <a:r>
+              <a:rPr lang="en-US" dirty="0"/>
+              <a:t>Workers </a:t>
+            </a:r>
+            <a:r>
+              <a:rPr lang="en-US" dirty="0" err="1"/>
+              <a:t>stödjer</a:t>
+            </a:r>
+            <a:r>
+              <a:rPr lang="en-US" dirty="0"/>
+              <a:t> </a:t>
+            </a:r>
+            <a:r>
+              <a:rPr lang="en-US" dirty="0" err="1"/>
+              <a:t>relativt</a:t>
+            </a:r>
+            <a:r>
+              <a:rPr lang="en-US" dirty="0"/>
+              <a:t> </a:t>
+            </a:r>
+            <a:r>
+              <a:rPr lang="en-US" dirty="0" err="1"/>
+              <a:t>få</a:t>
+            </a:r>
+            <a:r>
+              <a:rPr lang="en-US" dirty="0"/>
+              <a:t> </a:t>
+            </a:r>
+            <a:r>
+              <a:rPr lang="en-US" dirty="0" err="1"/>
+              <a:t>språk</a:t>
+            </a:r>
+            <a:endParaRPr lang="en-US" dirty="0"/>
+          </a:p>
+          <a:p>
+            <a:r>
+              <a:rPr lang="en-US" dirty="0" err="1"/>
+              <a:t>Smalare</a:t>
+            </a:r>
+            <a:r>
+              <a:rPr lang="en-US" dirty="0"/>
+              <a:t> </a:t>
+            </a:r>
+            <a:r>
+              <a:rPr lang="en-US" dirty="0" err="1"/>
+              <a:t>utbud</a:t>
+            </a:r>
+            <a:r>
+              <a:rPr lang="en-US" dirty="0"/>
+              <a:t> av </a:t>
+            </a:r>
+            <a:r>
+              <a:rPr lang="en-US" dirty="0" err="1"/>
+              <a:t>tjänster</a:t>
+            </a:r>
+            <a:endParaRPr lang="en-US" dirty="0"/>
+          </a:p>
+          <a:p>
+            <a:r>
+              <a:rPr lang="en-US" dirty="0"/>
+              <a:t>Ingen </a:t>
+            </a:r>
+            <a:r>
+              <a:rPr lang="en-US" dirty="0" err="1"/>
+              <a:t>stor</a:t>
+            </a:r>
+            <a:r>
+              <a:rPr lang="en-US" dirty="0"/>
+              <a:t> </a:t>
+            </a:r>
+            <a:r>
+              <a:rPr lang="en-US" dirty="0" err="1"/>
+              <a:t>spelare</a:t>
+            </a:r>
+            <a:r>
+              <a:rPr lang="en-US" dirty="0"/>
+              <a:t> (</a:t>
+            </a:r>
+            <a:r>
+              <a:rPr lang="en-US" dirty="0" err="1"/>
+              <a:t>inom</a:t>
+            </a:r>
+            <a:r>
+              <a:rPr lang="en-US" dirty="0"/>
+              <a:t> cloud)</a:t>
+            </a:r>
+          </a:p>
+        </p:txBody>
+      </p:sp>
+      <p:pic>
+        <p:nvPicPr>
+          <p:cNvPr id="5" name="Picture 4" descr="A graph of a cloud&#10;&#10;Description automatically generated with medium confidence">
+            <a:extLst>
+              <a:ext uri="{FF2B5EF4-FFF2-40B4-BE49-F238E27FC236}">
+                <a16:creationId xmlns:a16="http://schemas.microsoft.com/office/drawing/2014/main" id="{740D8F92-9299-4F9E-7271-9FF4A59D3964}"/>
+              </a:ext>
+            </a:extLst>
+          </p:cNvPr>
+          <p:cNvPicPr>
+            <a:picLocks noChangeAspect="1"/>
+          </p:cNvPicPr>
+          <p:nvPr/>
+        </p:nvPicPr>
+        <p:blipFill>
+          <a:blip r:embed="rId3" cstate="print">
+            <a:extLst>
+              <a:ext uri="{28A0092B-C50C-407E-A947-70E740481C1C}">
+                <a14:useLocalDpi xmlns:a14="http://schemas.microsoft.com/office/drawing/2010/main" val="0"/>
+              </a:ext>
+            </a:extLst>
+          </a:blip>
+          <a:stretch>
+            <a:fillRect/>
+          </a:stretch>
+        </p:blipFill>
+        <p:spPr>
+          <a:xfrm>
+            <a:off x="6879344" y="552350"/>
+            <a:ext cx="4215618" cy="4215618"/>
+          </a:xfrm>
+          <a:prstGeom prst="rect">
+            <a:avLst/>
+          </a:prstGeom>
+        </p:spPr>
+      </p:pic>
+      <p:pic>
+        <p:nvPicPr>
+          <p:cNvPr id="7" name="Picture 6">
+            <a:extLst>
+              <a:ext uri="{FF2B5EF4-FFF2-40B4-BE49-F238E27FC236}">
+                <a16:creationId xmlns:a16="http://schemas.microsoft.com/office/drawing/2014/main" id="{AE819D4F-D065-B202-62BE-D86CC914C73F}"/>
+              </a:ext>
+            </a:extLst>
+          </p:cNvPr>
+          <p:cNvPicPr>
+            <a:picLocks noChangeAspect="1"/>
+          </p:cNvPicPr>
+          <p:nvPr/>
+        </p:nvPicPr>
+        <p:blipFill>
+          <a:blip r:embed="rId4"/>
+          <a:stretch>
+            <a:fillRect/>
+          </a:stretch>
+        </p:blipFill>
+        <p:spPr>
+          <a:xfrm>
+            <a:off x="6724650" y="4767968"/>
+            <a:ext cx="4525006" cy="1438476"/>
+          </a:xfrm>
+          <a:prstGeom prst="rect">
+            <a:avLst/>
+          </a:prstGeom>
+        </p:spPr>
+      </p:pic>
     </p:spTree>
     <p:extLst>
       <p:ext uri="{BB962C8B-B14F-4D97-AF65-F5344CB8AC3E}">
-        <p14:creationId xmlns:p14="http://schemas.microsoft.com/office/powerpoint/2010/main" val="1394045984"/>
+        <p14:creationId xmlns:p14="http://schemas.microsoft.com/office/powerpoint/2010/main" val="2282362397"/>
       </p:ext>
     </p:extLst>
   </p:cSld>
@@ -10108,6 +14105,214 @@
           <a:bodyPr/>
           <a:lstStyle/>
           <a:p>
+            <a:r>
+              <a:rPr lang="en-US" dirty="0" err="1"/>
+              <a:t>Sammanfattning</a:t>
+            </a:r>
+            <a:endParaRPr lang="en-US" dirty="0"/>
+          </a:p>
+        </p:txBody>
+      </p:sp>
+      <p:sp>
+        <p:nvSpPr>
+          <p:cNvPr id="3" name="Content Placeholder 2"/>
+          <p:cNvSpPr>
+            <a:spLocks noGrp="1"/>
+          </p:cNvSpPr>
+          <p:nvPr>
+            <p:ph idx="1"/>
+          </p:nvPr>
+        </p:nvSpPr>
+        <p:spPr/>
+        <p:txBody>
+          <a:bodyPr/>
+          <a:lstStyle/>
+          <a:p>
+            <a:r>
+              <a:rPr lang="en-US" dirty="0"/>
+              <a:t>Ni vet </a:t>
+            </a:r>
+            <a:r>
+              <a:rPr lang="en-US" dirty="0" err="1"/>
+              <a:t>vad</a:t>
+            </a:r>
+            <a:r>
+              <a:rPr lang="en-US" dirty="0"/>
+              <a:t> workers </a:t>
+            </a:r>
+            <a:r>
+              <a:rPr lang="en-US" dirty="0" err="1"/>
+              <a:t>är</a:t>
+            </a:r>
+            <a:endParaRPr lang="en-US" dirty="0"/>
+          </a:p>
+          <a:p>
+            <a:r>
+              <a:rPr lang="en-US" dirty="0"/>
+              <a:t>Ni vet </a:t>
+            </a:r>
+            <a:r>
+              <a:rPr lang="en-US" dirty="0" err="1"/>
+              <a:t>hur</a:t>
+            </a:r>
+            <a:r>
+              <a:rPr lang="en-US" dirty="0"/>
+              <a:t> man </a:t>
+            </a:r>
+            <a:r>
+              <a:rPr lang="en-US" dirty="0" err="1"/>
+              <a:t>skriver</a:t>
+            </a:r>
+            <a:r>
+              <a:rPr lang="en-US" dirty="0"/>
+              <a:t> </a:t>
+            </a:r>
+            <a:r>
+              <a:rPr lang="en-US" dirty="0" err="1"/>
+              <a:t>en</a:t>
+            </a:r>
+            <a:r>
+              <a:rPr lang="en-US" dirty="0"/>
+              <a:t> worker</a:t>
+            </a:r>
+          </a:p>
+          <a:p>
+            <a:r>
+              <a:rPr lang="en-US" dirty="0"/>
+              <a:t>Testa!</a:t>
+            </a:r>
+          </a:p>
+        </p:txBody>
+      </p:sp>
+    </p:spTree>
+    <p:extLst>
+      <p:ext uri="{BB962C8B-B14F-4D97-AF65-F5344CB8AC3E}">
+        <p14:creationId xmlns:p14="http://schemas.microsoft.com/office/powerpoint/2010/main" val="3154717537"/>
+      </p:ext>
+    </p:extLst>
+  </p:cSld>
+  <p:clrMapOvr>
+    <a:masterClrMapping/>
+  </p:clrMapOvr>
+  <mc:AlternateContent xmlns:mc="http://schemas.openxmlformats.org/markup-compatibility/2006" xmlns:p14="http://schemas.microsoft.com/office/powerpoint/2010/main">
+    <mc:Choice Requires="p14">
+      <p:transition spd="slow" p14:dur="1600">
+        <p14:conveyor dir="l"/>
+      </p:transition>
+    </mc:Choice>
+    <mc:Fallback xmlns="">
+      <p:transition spd="slow">
+        <p:fade/>
+      </p:transition>
+    </mc:Fallback>
+  </mc:AlternateContent>
+</p:sld>
+</file>
+
+<file path=ppt/slides/slide15.xml><?xml version="1.0" encoding="utf-8"?>
+<p:sld xmlns:a="http://schemas.openxmlformats.org/drawingml/2006/main" xmlns:r="http://schemas.openxmlformats.org/officeDocument/2006/relationships" xmlns:p="http://schemas.openxmlformats.org/presentationml/2006/main">
+  <p:cSld>
+    <p:spTree>
+      <p:nvGrpSpPr>
+        <p:cNvPr id="1" name=""/>
+        <p:cNvGrpSpPr/>
+        <p:nvPr/>
+      </p:nvGrpSpPr>
+      <p:grpSpPr>
+        <a:xfrm>
+          <a:off x="0" y="0"/>
+          <a:ext cx="0" cy="0"/>
+          <a:chOff x="0" y="0"/>
+          <a:chExt cx="0" cy="0"/>
+        </a:xfrm>
+      </p:grpSpPr>
+      <p:sp>
+        <p:nvSpPr>
+          <p:cNvPr id="2" name="Title 1"/>
+          <p:cNvSpPr>
+            <a:spLocks noGrp="1"/>
+          </p:cNvSpPr>
+          <p:nvPr>
+            <p:ph type="ctrTitle"/>
+          </p:nvPr>
+        </p:nvSpPr>
+        <p:spPr/>
+        <p:txBody>
+          <a:bodyPr/>
+          <a:lstStyle/>
+          <a:p>
+            <a:r>
+              <a:rPr lang="en-US" dirty="0"/>
+              <a:t>Tack för </a:t>
+            </a:r>
+            <a:r>
+              <a:rPr lang="en-US" dirty="0" err="1"/>
+              <a:t>mig</a:t>
+            </a:r>
+            <a:r>
+              <a:rPr lang="en-US" dirty="0"/>
+              <a:t>!</a:t>
+            </a:r>
+          </a:p>
+        </p:txBody>
+      </p:sp>
+    </p:spTree>
+    <p:extLst>
+      <p:ext uri="{BB962C8B-B14F-4D97-AF65-F5344CB8AC3E}">
+        <p14:creationId xmlns:p14="http://schemas.microsoft.com/office/powerpoint/2010/main" val="1394045984"/>
+      </p:ext>
+    </p:extLst>
+  </p:cSld>
+  <p:clrMapOvr>
+    <a:masterClrMapping/>
+  </p:clrMapOvr>
+  <mc:AlternateContent xmlns:mc="http://schemas.openxmlformats.org/markup-compatibility/2006" xmlns:p14="http://schemas.microsoft.com/office/powerpoint/2010/main">
+    <mc:Choice Requires="p14">
+      <p:transition spd="slow" p14:dur="1600">
+        <p14:conveyor dir="l"/>
+      </p:transition>
+    </mc:Choice>
+    <mc:Fallback xmlns="">
+      <p:transition spd="slow">
+        <p:fade/>
+      </p:transition>
+    </mc:Fallback>
+  </mc:AlternateContent>
+</p:sld>
+</file>
+
+<file path=ppt/slides/slide16.xml><?xml version="1.0" encoding="utf-8"?>
+<p:sld xmlns:a="http://schemas.openxmlformats.org/drawingml/2006/main" xmlns:r="http://schemas.openxmlformats.org/officeDocument/2006/relationships" xmlns:p="http://schemas.openxmlformats.org/presentationml/2006/main">
+  <p:cSld>
+    <p:spTree>
+      <p:nvGrpSpPr>
+        <p:cNvPr id="1" name=""/>
+        <p:cNvGrpSpPr/>
+        <p:nvPr/>
+      </p:nvGrpSpPr>
+      <p:grpSpPr>
+        <a:xfrm>
+          <a:off x="0" y="0"/>
+          <a:ext cx="0" cy="0"/>
+          <a:chOff x="0" y="0"/>
+          <a:chExt cx="0" cy="0"/>
+        </a:xfrm>
+      </p:grpSpPr>
+      <p:sp>
+        <p:nvSpPr>
+          <p:cNvPr id="2" name="Title 1"/>
+          <p:cNvSpPr>
+            <a:spLocks noGrp="1"/>
+          </p:cNvSpPr>
+          <p:nvPr>
+            <p:ph type="title"/>
+          </p:nvPr>
+        </p:nvSpPr>
+        <p:spPr/>
+        <p:txBody>
+          <a:bodyPr/>
+          <a:lstStyle/>
+          <a:p>
             <a:endParaRPr lang="en-US"/>
           </a:p>
         </p:txBody>
@@ -10156,7 +14361,7 @@
 </p:sld>
 </file>
 
-<file path=ppt/slides/slide15.xml><?xml version="1.0" encoding="utf-8"?>
+<file path=ppt/slides/slide17.xml><?xml version="1.0" encoding="utf-8"?>
 <p:sld xmlns:a="http://schemas.openxmlformats.org/drawingml/2006/main" xmlns:r="http://schemas.openxmlformats.org/officeDocument/2006/relationships" xmlns:p="http://schemas.openxmlformats.org/presentationml/2006/main">
   <p:cSld>
     <p:spTree>
@@ -10270,7 +14475,7 @@
           <a:p>
             <a:r>
               <a:rPr lang="en-US" dirty="0"/>
-              <a:t>Cloudflare</a:t>
+              <a:t>Agenda</a:t>
             </a:r>
           </a:p>
         </p:txBody>
@@ -10290,6 +14495,69 @@
           <a:bodyPr/>
           <a:lstStyle/>
           <a:p>
+            <a:r>
+              <a:rPr lang="en-US" dirty="0" err="1"/>
+              <a:t>Kort</a:t>
+            </a:r>
+            <a:r>
+              <a:rPr lang="en-US" dirty="0"/>
+              <a:t> om Cloudflare</a:t>
+            </a:r>
+          </a:p>
+          <a:p>
+            <a:r>
+              <a:rPr lang="en-US" dirty="0"/>
+              <a:t>Workers </a:t>
+            </a:r>
+            <a:r>
+              <a:rPr lang="en-US" dirty="0" err="1"/>
+              <a:t>och</a:t>
+            </a:r>
+            <a:r>
+              <a:rPr lang="en-US" dirty="0"/>
+              <a:t> </a:t>
+            </a:r>
+            <a:r>
+              <a:rPr lang="en-US" dirty="0" err="1"/>
+              <a:t>kringliggande</a:t>
+            </a:r>
+            <a:r>
+              <a:rPr lang="en-US" dirty="0"/>
+              <a:t> </a:t>
+            </a:r>
+            <a:r>
+              <a:rPr lang="en-US" dirty="0" err="1"/>
+              <a:t>tjänster</a:t>
+            </a:r>
+            <a:endParaRPr lang="en-US" dirty="0"/>
+          </a:p>
+          <a:p>
+            <a:r>
+              <a:rPr lang="en-US" dirty="0"/>
+              <a:t>Demo</a:t>
+            </a:r>
+          </a:p>
+          <a:p>
+            <a:r>
+              <a:rPr lang="en-US" dirty="0" err="1"/>
+              <a:t>Fördelar</a:t>
+            </a:r>
+            <a:r>
+              <a:rPr lang="en-US" dirty="0"/>
+              <a:t> </a:t>
+            </a:r>
+            <a:r>
+              <a:rPr lang="en-US" dirty="0" err="1"/>
+              <a:t>och</a:t>
+            </a:r>
+            <a:r>
+              <a:rPr lang="en-US" dirty="0"/>
+              <a:t> </a:t>
+            </a:r>
+            <a:r>
+              <a:rPr lang="en-US" dirty="0" err="1"/>
+              <a:t>nackdelar</a:t>
+            </a:r>
             <a:endParaRPr lang="en-US" dirty="0"/>
           </a:p>
         </p:txBody>
@@ -10351,7 +14619,10 @@
           <a:bodyPr/>
           <a:lstStyle/>
           <a:p>
-            <a:endParaRPr lang="en-US" dirty="0"/>
+            <a:r>
+              <a:rPr lang="en-US" dirty="0"/>
+              <a:t>Cloudflare</a:t>
+            </a:r>
           </a:p>
         </p:txBody>
       </p:sp>
@@ -10372,9 +14643,86 @@
           </a:bodyPr>
           <a:lstStyle/>
           <a:p>
-            <a:pPr marL="0" indent="0">
-              <a:buNone/>
-            </a:pPr>
+            <a:r>
+              <a:rPr lang="en-US" dirty="0" err="1"/>
+              <a:t>Grundades</a:t>
+            </a:r>
+            <a:r>
+              <a:rPr lang="en-US" dirty="0"/>
+              <a:t> 2009</a:t>
+            </a:r>
+          </a:p>
+          <a:p>
+            <a:r>
+              <a:rPr lang="en-US" dirty="0" err="1"/>
+              <a:t>Erbjuder</a:t>
+            </a:r>
+            <a:r>
+              <a:rPr lang="en-US" dirty="0"/>
+              <a:t> </a:t>
+            </a:r>
+            <a:r>
+              <a:rPr lang="en-US" dirty="0" err="1"/>
+              <a:t>tjänster</a:t>
+            </a:r>
+            <a:r>
+              <a:rPr lang="en-US" dirty="0"/>
+              <a:t> för </a:t>
+            </a:r>
+            <a:r>
+              <a:rPr lang="en-US" dirty="0" err="1"/>
+              <a:t>bl.a</a:t>
+            </a:r>
+            <a:r>
+              <a:rPr lang="en-US" dirty="0"/>
+              <a:t>. DDoS </a:t>
+            </a:r>
+            <a:r>
+              <a:rPr lang="en-US" dirty="0" err="1"/>
+              <a:t>hantering</a:t>
+            </a:r>
+            <a:r>
+              <a:rPr lang="en-US" dirty="0"/>
+              <a:t>, CDN</a:t>
+            </a:r>
+          </a:p>
+          <a:p>
+            <a:r>
+              <a:rPr lang="en-US" dirty="0"/>
+              <a:t>Driver </a:t>
+            </a:r>
+            <a:r>
+              <a:rPr lang="en-US" dirty="0" err="1"/>
+              <a:t>en</a:t>
+            </a:r>
+            <a:r>
+              <a:rPr lang="en-US" dirty="0"/>
+              <a:t> DNS server </a:t>
+            </a:r>
+            <a:r>
+              <a:rPr lang="en-US" dirty="0" err="1"/>
+              <a:t>på</a:t>
+            </a:r>
+            <a:r>
+              <a:rPr lang="en-US" dirty="0"/>
+              <a:t> 1.1.1.1</a:t>
+            </a:r>
+          </a:p>
+          <a:p>
+            <a:r>
+              <a:rPr lang="en-US" dirty="0"/>
+              <a:t>2017 </a:t>
+            </a:r>
+            <a:r>
+              <a:rPr lang="en-US" dirty="0" err="1"/>
+              <a:t>lanserades</a:t>
+            </a:r>
+            <a:r>
+              <a:rPr lang="en-US" dirty="0"/>
+              <a:t> Workers</a:t>
+            </a:r>
+          </a:p>
+          <a:p>
             <a:endParaRPr lang="en-US" dirty="0"/>
           </a:p>
         </p:txBody>
@@ -10401,90 +14749,6 @@
       </p:transition>
     </mc:Fallback>
   </mc:AlternateContent>
-  <p:timing>
-    <p:tnLst>
-      <p:par>
-        <p:cTn id="1" dur="indefinite" restart="never" nodeType="tmRoot">
-          <p:childTnLst>
-            <p:seq concurrent="1" nextAc="seek">
-              <p:cTn id="2" dur="indefinite" nodeType="mainSeq">
-                <p:childTnLst>
-                  <p:par>
-                    <p:cTn id="3" fill="hold">
-                      <p:stCondLst>
-                        <p:cond delay="indefinite"/>
-                      </p:stCondLst>
-                      <p:childTnLst>
-                        <p:par>
-                          <p:cTn id="4" fill="hold">
-                            <p:stCondLst>
-                              <p:cond delay="0"/>
-                            </p:stCondLst>
-                            <p:childTnLst>
-                              <p:par>
-                                <p:cTn id="5" presetID="1" presetClass="entr" presetSubtype="0" fill="hold" nodeType="clickEffect" nodePh="1">
-                                  <p:stCondLst>
-                                    <p:cond delay="0"/>
-                                  </p:stCondLst>
-                                  <p:endCondLst>
-                                    <p:cond evt="begin" delay="0">
-                                      <p:tn val="5"/>
-                                    </p:cond>
-                                  </p:endCondLst>
-                                  <p:childTnLst>
-                                    <p:set>
-                                      <p:cBhvr>
-                                        <p:cTn id="6" dur="1" fill="hold">
-                                          <p:stCondLst>
-                                            <p:cond delay="0"/>
-                                          </p:stCondLst>
-                                        </p:cTn>
-                                        <p:tgtEl>
-                                          <p:spTgt spid="3">
-                                            <p:txEl>
-                                              <p:pRg st="0" end="0"/>
-                                            </p:txEl>
-                                          </p:spTgt>
-                                        </p:tgtEl>
-                                        <p:attrNameLst>
-                                          <p:attrName>style.visibility</p:attrName>
-                                        </p:attrNameLst>
-                                      </p:cBhvr>
-                                      <p:to>
-                                        <p:strVal val="visible"/>
-                                      </p:to>
-                                    </p:set>
-                                  </p:childTnLst>
-                                </p:cTn>
-                              </p:par>
-                            </p:childTnLst>
-                          </p:cTn>
-                        </p:par>
-                      </p:childTnLst>
-                    </p:cTn>
-                  </p:par>
-                </p:childTnLst>
-              </p:cTn>
-              <p:prevCondLst>
-                <p:cond evt="onPrev" delay="0">
-                  <p:tgtEl>
-                    <p:sldTgt/>
-                  </p:tgtEl>
-                </p:cond>
-              </p:prevCondLst>
-              <p:nextCondLst>
-                <p:cond evt="onNext" delay="0">
-                  <p:tgtEl>
-                    <p:sldTgt/>
-                  </p:tgtEl>
-                </p:cond>
-              </p:nextCondLst>
-            </p:seq>
-          </p:childTnLst>
-        </p:cTn>
-      </p:par>
-    </p:tnLst>
-  </p:timing>
 </p:sld>
 </file>
 
@@ -10522,8 +14786,29 @@
           <a:p>
             <a:r>
               <a:rPr lang="en-US" dirty="0"/>
-              <a:t>Services</a:t>
-            </a:r>
+              <a:t>Workers </a:t>
+            </a:r>
+            <a:r>
+              <a:rPr lang="en-US" dirty="0" err="1"/>
+              <a:t>och</a:t>
+            </a:r>
+            <a:r>
+              <a:rPr lang="en-US" dirty="0"/>
+              <a:t> </a:t>
+            </a:r>
+            <a:r>
+              <a:rPr lang="en-US" dirty="0" err="1"/>
+              <a:t>kringliggande</a:t>
+            </a:r>
+            <a:r>
+              <a:rPr lang="en-US" dirty="0"/>
+              <a:t> </a:t>
+            </a:r>
+            <a:r>
+              <a:rPr lang="en-US" dirty="0" err="1"/>
+              <a:t>tjänster</a:t>
+            </a:r>
+            <a:endParaRPr lang="en-US" dirty="0"/>
           </a:p>
         </p:txBody>
       </p:sp>
@@ -10615,15 +14900,15 @@
             <a:pPr lvl="1"/>
             <a:r>
               <a:rPr lang="en-US" dirty="0"/>
-              <a:t>Lambda </a:t>
-            </a:r>
-            <a:r>
-              <a:rPr lang="en-US" dirty="0" err="1"/>
-              <a:t>ekvivalent</a:t>
-            </a:r>
-            <a:r>
-              <a:rPr lang="en-US" dirty="0"/>
-              <a:t>???</a:t>
+              <a:t>Inga </a:t>
+            </a:r>
+            <a:r>
+              <a:rPr lang="en-US" dirty="0" err="1"/>
+              <a:t>coldstarts</a:t>
+            </a:r>
+            <a:r>
+              <a:rPr lang="en-US" dirty="0"/>
+              <a:t>!</a:t>
             </a:r>
           </a:p>
           <a:p>
@@ -10644,18 +14929,7 @@
           </a:p>
           <a:p>
             <a:pPr lvl="1"/>
-            <a:r>
-              <a:rPr lang="en-US" dirty="0"/>
-              <a:t>Inga </a:t>
-            </a:r>
-            <a:r>
-              <a:rPr lang="en-US" dirty="0" err="1"/>
-              <a:t>coldstarts</a:t>
-            </a:r>
-            <a:r>
-              <a:rPr lang="en-US" dirty="0"/>
-              <a:t>!</a:t>
-            </a:r>
+            <a:endParaRPr lang="en-US" dirty="0"/>
           </a:p>
         </p:txBody>
       </p:sp>
@@ -10736,7 +15010,7 @@
         <p:spPr/>
         <p:txBody>
           <a:bodyPr>
-            <a:normAutofit lnSpcReduction="10000"/>
+            <a:normAutofit/>
           </a:bodyPr>
           <a:lstStyle/>
           <a:p>
@@ -10758,77 +15032,31 @@
             <a:endParaRPr lang="en-US" dirty="0"/>
           </a:p>
           <a:p>
+            <a:r>
+              <a:rPr lang="en-US" dirty="0"/>
+              <a:t>R2</a:t>
+            </a:r>
+          </a:p>
+          <a:p>
             <a:pPr lvl="1"/>
             <a:r>
               <a:rPr lang="en-US" dirty="0" err="1"/>
-              <a:t>Lik</a:t>
-            </a:r>
-            <a:r>
-              <a:rPr lang="en-US" dirty="0"/>
-              <a:t> AWS Aurora???</a:t>
-            </a:r>
-          </a:p>
-          <a:p>
-            <a:r>
-              <a:rPr lang="en-US" dirty="0"/>
-              <a:t>R2</a:t>
+              <a:t>Objectstorage</a:t>
+            </a:r>
+            <a:endParaRPr lang="en-US" dirty="0"/>
+          </a:p>
+          <a:p>
+            <a:r>
+              <a:rPr lang="en-US" dirty="0"/>
+              <a:t>KV</a:t>
             </a:r>
           </a:p>
           <a:p>
             <a:pPr lvl="1"/>
             <a:r>
-              <a:rPr lang="en-US" dirty="0" err="1"/>
-              <a:t>Objectstorage</a:t>
-            </a:r>
-            <a:endParaRPr lang="en-US" dirty="0"/>
-          </a:p>
-          <a:p>
-            <a:pPr lvl="1"/>
-            <a:r>
-              <a:rPr lang="en-US" dirty="0"/>
-              <a:t>S3 </a:t>
-            </a:r>
-            <a:r>
-              <a:rPr lang="en-US" dirty="0" err="1"/>
-              <a:t>ekvivalent</a:t>
-            </a:r>
-            <a:r>
-              <a:rPr lang="en-US" dirty="0"/>
-              <a:t>???</a:t>
-            </a:r>
-          </a:p>
-          <a:p>
-            <a:r>
-              <a:rPr lang="en-US" dirty="0"/>
-              <a:t>KV</a:t>
-            </a:r>
-          </a:p>
-          <a:p>
-            <a:pPr lvl="1"/>
-            <a:r>
               <a:rPr lang="en-US" dirty="0"/>
               <a:t>Key/Value store</a:t>
             </a:r>
-          </a:p>
-          <a:p>
-            <a:pPr lvl="1"/>
-            <a:r>
-              <a:rPr lang="en-US" dirty="0"/>
-              <a:t>API </a:t>
-            </a:r>
-            <a:r>
-              <a:rPr lang="en-US" dirty="0" err="1"/>
-              <a:t>som</a:t>
-            </a:r>
-            <a:r>
-              <a:rPr lang="en-US" dirty="0"/>
-              <a:t> </a:t>
-            </a:r>
-            <a:r>
-              <a:rPr lang="en-US" dirty="0" err="1"/>
-              <a:t>localStorage</a:t>
-            </a:r>
-            <a:endParaRPr lang="en-US" dirty="0"/>
           </a:p>
           <a:p>
             <a:r>
@@ -10995,17 +15223,6 @@
             <a:pPr lvl="1"/>
             <a:r>
               <a:rPr lang="en-US" dirty="0" err="1"/>
-              <a:t>Likt</a:t>
-            </a:r>
-            <a:r>
-              <a:rPr lang="en-US" dirty="0"/>
-              <a:t> SQS???</a:t>
-            </a:r>
-          </a:p>
-          <a:p>
-            <a:pPr lvl="1"/>
-            <a:r>
-              <a:rPr lang="en-US" dirty="0" err="1"/>
               <a:t>Öppen</a:t>
             </a:r>
             <a:r>
@@ -11120,17 +15337,6 @@
               <a:t>JAMstack</a:t>
             </a:r>
             <a:endParaRPr lang="en-US" dirty="0"/>
-          </a:p>
-          <a:p>
-            <a:pPr lvl="1"/>
-            <a:r>
-              <a:rPr lang="en-US" dirty="0" err="1"/>
-              <a:t>Likt</a:t>
-            </a:r>
-            <a:r>
-              <a:rPr lang="en-US" dirty="0"/>
-              <a:t> Amplify hosting???</a:t>
-            </a:r>
           </a:p>
           <a:p>
             <a:pPr lvl="1"/>

--- a/docs/presentation.pptx
+++ b/docs/presentation.pptx
@@ -8,10 +8,10 @@
     <p:sldMasterId id="2147483734" r:id="rId7"/>
   </p:sldMasterIdLst>
   <p:notesMasterIdLst>
-    <p:notesMasterId r:id="rId25"/>
+    <p:notesMasterId r:id="rId24"/>
   </p:notesMasterIdLst>
   <p:handoutMasterIdLst>
-    <p:handoutMasterId r:id="rId26"/>
+    <p:handoutMasterId r:id="rId25"/>
   </p:handoutMasterIdLst>
   <p:sldIdLst>
     <p:sldId id="256" r:id="rId8"/>
@@ -30,7 +30,6 @@
     <p:sldId id="273" r:id="rId21"/>
     <p:sldId id="265" r:id="rId22"/>
     <p:sldId id="266" r:id="rId23"/>
-    <p:sldId id="267" r:id="rId24"/>
   </p:sldIdLst>
   <p:sldSz cx="12192000" cy="6858000"/>
   <p:notesSz cx="6858000" cy="9144000"/>
@@ -244,7 +243,7 @@
           <a:p>
             <a:fld id="{BC00B2F0-A3B3-8A42-AF70-A28E86A1019E}" type="datetimeFigureOut">
               <a:rPr lang="en-US" smtClean="0"/>
-              <a:t>5/8/2024</a:t>
+              <a:t>5/13/2024</a:t>
             </a:fld>
             <a:endParaRPr lang="en-US"/>
           </a:p>
@@ -409,7 +408,7 @@
           <a:p>
             <a:fld id="{23A36476-076B-0846-AB30-DA38D9B78C70}" type="datetimeFigureOut">
               <a:rPr lang="en-US" smtClean="0"/>
-              <a:t>5/8/2024</a:t>
+              <a:t>5/13/2024</a:t>
             </a:fld>
             <a:endParaRPr lang="en-US"/>
           </a:p>
@@ -14313,7 +14312,11 @@
           <a:bodyPr/>
           <a:lstStyle/>
           <a:p>
-            <a:endParaRPr lang="en-US"/>
+            <a:r>
+              <a:rPr lang="en-US" dirty="0" err="1"/>
+              <a:t>Resurser</a:t>
+            </a:r>
+            <a:endParaRPr lang="en-US" dirty="0"/>
           </a:p>
         </p:txBody>
       </p:sp>
@@ -14332,7 +14335,90 @@
           <a:bodyPr/>
           <a:lstStyle/>
           <a:p>
-            <a:endParaRPr lang="en-US"/>
+            <a:r>
+              <a:rPr lang="en-US" dirty="0"/>
+              <a:t>Repo med </a:t>
+            </a:r>
+            <a:r>
+              <a:rPr lang="en-US" dirty="0" err="1"/>
+              <a:t>kod</a:t>
+            </a:r>
+            <a:r>
+              <a:rPr lang="en-US" dirty="0"/>
+              <a:t> </a:t>
+            </a:r>
+            <a:r>
+              <a:rPr lang="en-US" dirty="0" err="1"/>
+              <a:t>från</a:t>
+            </a:r>
+            <a:r>
+              <a:rPr lang="en-US" dirty="0"/>
+              <a:t> demo - </a:t>
+            </a:r>
+            <a:r>
+              <a:rPr lang="en-US" dirty="0">
+                <a:hlinkClick r:id="rId2"/>
+              </a:rPr>
+              <a:t>https://github.com/Doverstav/kitscon241/</a:t>
+            </a:r>
+            <a:endParaRPr lang="en-US" dirty="0"/>
+          </a:p>
+          <a:p>
+            <a:r>
+              <a:rPr lang="en-US" dirty="0" err="1"/>
+              <a:t>Bygg</a:t>
+            </a:r>
+            <a:r>
+              <a:rPr lang="en-US" dirty="0"/>
+              <a:t> </a:t>
+            </a:r>
+            <a:r>
+              <a:rPr lang="en-US" dirty="0" err="1"/>
+              <a:t>en</a:t>
+            </a:r>
+            <a:r>
+              <a:rPr lang="en-US" dirty="0"/>
+              <a:t> RAG med Workers AI - </a:t>
+            </a:r>
+            <a:r>
+              <a:rPr lang="en-US" dirty="0">
+                <a:hlinkClick r:id="rId3"/>
+              </a:rPr>
+              <a:t>https://developers.cloudflare.com/workers-ai/tutorials/build-a-retrieval-augmented-generation-ai/</a:t>
+            </a:r>
+            <a:endParaRPr lang="en-US" dirty="0"/>
+          </a:p>
+          <a:p>
+            <a:pPr lvl="1"/>
+            <a:r>
+              <a:rPr lang="en-US" dirty="0" err="1"/>
+              <a:t>Går</a:t>
+            </a:r>
+            <a:r>
+              <a:rPr lang="en-US" dirty="0"/>
+              <a:t> </a:t>
+            </a:r>
+            <a:r>
+              <a:rPr lang="en-US" dirty="0" err="1"/>
+              <a:t>igenom</a:t>
+            </a:r>
+            <a:r>
+              <a:rPr lang="en-US" dirty="0"/>
+              <a:t> Workers, Workers AI, D1, Vectorize </a:t>
+            </a:r>
+            <a:r>
+              <a:rPr lang="en-US" dirty="0" err="1"/>
+              <a:t>och</a:t>
+            </a:r>
+            <a:r>
+              <a:rPr lang="en-US" dirty="0"/>
+              <a:t> </a:t>
+            </a:r>
+            <a:r>
+              <a:rPr lang="en-US" dirty="0" err="1"/>
+              <a:t>Hono</a:t>
+            </a:r>
+            <a:endParaRPr lang="en-US" dirty="0"/>
           </a:p>
         </p:txBody>
       </p:sp>
@@ -14340,86 +14426,6 @@
     <p:extLst>
       <p:ext uri="{BB962C8B-B14F-4D97-AF65-F5344CB8AC3E}">
         <p14:creationId xmlns:p14="http://schemas.microsoft.com/office/powerpoint/2010/main" val="3698418668"/>
-      </p:ext>
-    </p:extLst>
-  </p:cSld>
-  <p:clrMapOvr>
-    <a:masterClrMapping/>
-  </p:clrMapOvr>
-  <mc:AlternateContent xmlns:mc="http://schemas.openxmlformats.org/markup-compatibility/2006" xmlns:p14="http://schemas.microsoft.com/office/powerpoint/2010/main">
-    <mc:Choice Requires="p14">
-      <p:transition spd="slow" p14:dur="1600">
-        <p14:conveyor dir="l"/>
-      </p:transition>
-    </mc:Choice>
-    <mc:Fallback xmlns="">
-      <p:transition spd="slow">
-        <p:fade/>
-      </p:transition>
-    </mc:Fallback>
-  </mc:AlternateContent>
-</p:sld>
-</file>
-
-<file path=ppt/slides/slide17.xml><?xml version="1.0" encoding="utf-8"?>
-<p:sld xmlns:a="http://schemas.openxmlformats.org/drawingml/2006/main" xmlns:r="http://schemas.openxmlformats.org/officeDocument/2006/relationships" xmlns:p="http://schemas.openxmlformats.org/presentationml/2006/main">
-  <p:cSld>
-    <p:spTree>
-      <p:nvGrpSpPr>
-        <p:cNvPr id="1" name=""/>
-        <p:cNvGrpSpPr/>
-        <p:nvPr/>
-      </p:nvGrpSpPr>
-      <p:grpSpPr>
-        <a:xfrm>
-          <a:off x="0" y="0"/>
-          <a:ext cx="0" cy="0"/>
-          <a:chOff x="0" y="0"/>
-          <a:chExt cx="0" cy="0"/>
-        </a:xfrm>
-      </p:grpSpPr>
-      <p:sp>
-        <p:nvSpPr>
-          <p:cNvPr id="2" name="Title 1"/>
-          <p:cNvSpPr>
-            <a:spLocks noGrp="1"/>
-          </p:cNvSpPr>
-          <p:nvPr>
-            <p:ph type="title"/>
-          </p:nvPr>
-        </p:nvSpPr>
-        <p:spPr/>
-        <p:txBody>
-          <a:bodyPr/>
-          <a:lstStyle/>
-          <a:p>
-            <a:endParaRPr lang="en-US"/>
-          </a:p>
-        </p:txBody>
-      </p:sp>
-      <p:sp>
-        <p:nvSpPr>
-          <p:cNvPr id="3" name="Content Placeholder 2"/>
-          <p:cNvSpPr>
-            <a:spLocks noGrp="1"/>
-          </p:cNvSpPr>
-          <p:nvPr>
-            <p:ph idx="1"/>
-          </p:nvPr>
-        </p:nvSpPr>
-        <p:spPr/>
-        <p:txBody>
-          <a:bodyPr/>
-          <a:lstStyle/>
-          <a:p>
-            <a:endParaRPr lang="en-US"/>
-          </a:p>
-        </p:txBody>
-      </p:sp>
-    </p:spTree>
-    <p:extLst>
-      <p:ext uri="{BB962C8B-B14F-4D97-AF65-F5344CB8AC3E}">
-        <p14:creationId xmlns:p14="http://schemas.microsoft.com/office/powerpoint/2010/main" val="2194405931"/>
       </p:ext>
     </p:extLst>
   </p:cSld>
@@ -17019,6 +17025,24 @@
 </file>
 
 <file path=customXml/item1.xml><?xml version="1.0" encoding="utf-8"?>
+<p:properties xmlns:p="http://schemas.microsoft.com/office/2006/metadata/properties" xmlns:xsi="http://www.w3.org/2001/XMLSchema-instance" xmlns:pc="http://schemas.microsoft.com/office/infopath/2007/PartnerControls">
+  <documentManagement>
+    <SharedWithUsers xmlns="dfb9c78b-0f64-4b86-bcba-1a73bc5c8331">
+      <UserInfo>
+        <DisplayName/>
+        <AccountId xsi:nil="true"/>
+        <AccountType/>
+      </UserInfo>
+    </SharedWithUsers>
+    <https_x003a__x002f__x002f_kits_x002e_se_x002f_kitscon_x002f_kitscon_21_2 xmlns="7060d464-6f08-4785-896b-020da5ebcc5d">
+      <Url xsi:nil="true"/>
+      <Description xsi:nil="true"/>
+    </https_x003a__x002f__x002f_kits_x002e_se_x002f_kitscon_x002f_kitscon_21_2>
+  </documentManagement>
+</p:properties>
+</file>
+
+<file path=customXml/item2.xml><?xml version="1.0" encoding="utf-8"?>
 <ct:contentTypeSchema xmlns:ct="http://schemas.microsoft.com/office/2006/metadata/contentType" xmlns:ma="http://schemas.microsoft.com/office/2006/metadata/properties/metaAttributes" ct:_="" ma:_="" ma:contentTypeName="dokument" ma:contentTypeID="0x010100D9BBCC9E0D0A25408E8CE91F2A1D7E61" ma:contentTypeVersion="8" ma:contentTypeDescription="Skapa ett nytt dokument." ma:contentTypeScope="" ma:versionID="accd8804efd6f367f8b6dd6a2d8c78fa">
   <xsd:schema xmlns:xsd="http://www.w3.org/2001/XMLSchema" xmlns:xs="http://www.w3.org/2001/XMLSchema" xmlns:p="http://schemas.microsoft.com/office/2006/metadata/properties" xmlns:ns2="dfb9c78b-0f64-4b86-bcba-1a73bc5c8331" xmlns:ns3="7060d464-6f08-4785-896b-020da5ebcc5d" targetNamespace="http://schemas.microsoft.com/office/2006/metadata/properties" ma:root="true" ma:fieldsID="c84ba965a727fc1cfbf32020c94fb3aa" ns2:_="" ns3:_="">
     <xsd:import namespace="dfb9c78b-0f64-4b86-bcba-1a73bc5c8331"/>
@@ -17216,24 +17240,6 @@
 </ct:contentTypeSchema>
 </file>
 
-<file path=customXml/item2.xml><?xml version="1.0" encoding="utf-8"?>
-<p:properties xmlns:p="http://schemas.microsoft.com/office/2006/metadata/properties" xmlns:xsi="http://www.w3.org/2001/XMLSchema-instance" xmlns:pc="http://schemas.microsoft.com/office/infopath/2007/PartnerControls">
-  <documentManagement>
-    <SharedWithUsers xmlns="dfb9c78b-0f64-4b86-bcba-1a73bc5c8331">
-      <UserInfo>
-        <DisplayName/>
-        <AccountId xsi:nil="true"/>
-        <AccountType/>
-      </UserInfo>
-    </SharedWithUsers>
-    <https_x003a__x002f__x002f_kits_x002e_se_x002f_kitscon_x002f_kitscon_21_2 xmlns="7060d464-6f08-4785-896b-020da5ebcc5d">
-      <Url xsi:nil="true"/>
-      <Description xsi:nil="true"/>
-    </https_x003a__x002f__x002f_kits_x002e_se_x002f_kitscon_x002f_kitscon_21_2>
-  </documentManagement>
-</p:properties>
-</file>
-
 <file path=customXml/item3.xml><?xml version="1.0" encoding="utf-8"?>
 <?mso-contentType ?>
 <FormTemplates xmlns="http://schemas.microsoft.com/sharepoint/v3/contenttype/forms">
@@ -17244,6 +17250,23 @@
 </file>
 
 <file path=customXml/itemProps1.xml><?xml version="1.0" encoding="utf-8"?>
+<ds:datastoreItem xmlns:ds="http://schemas.openxmlformats.org/officeDocument/2006/customXml" ds:itemID="{6F31DA11-2199-41BE-BC93-BEAB414B1BC3}">
+  <ds:schemaRefs>
+    <ds:schemaRef ds:uri="http://www.w3.org/XML/1998/namespace"/>
+    <ds:schemaRef ds:uri="dfb9c78b-0f64-4b86-bcba-1a73bc5c8331"/>
+    <ds:schemaRef ds:uri="7060d464-6f08-4785-896b-020da5ebcc5d"/>
+    <ds:schemaRef ds:uri="http://purl.org/dc/elements/1.1/"/>
+    <ds:schemaRef ds:uri="http://purl.org/dc/dcmitype/"/>
+    <ds:schemaRef ds:uri="http://schemas.microsoft.com/office/infopath/2007/PartnerControls"/>
+    <ds:schemaRef ds:uri="http://schemas.microsoft.com/office/2006/documentManagement/types"/>
+    <ds:schemaRef ds:uri="http://schemas.openxmlformats.org/package/2006/metadata/core-properties"/>
+    <ds:schemaRef ds:uri="http://schemas.microsoft.com/office/2006/metadata/properties"/>
+    <ds:schemaRef ds:uri="http://purl.org/dc/terms/"/>
+  </ds:schemaRefs>
+</ds:datastoreItem>
+</file>
+
+<file path=customXml/itemProps2.xml><?xml version="1.0" encoding="utf-8"?>
 <ds:datastoreItem xmlns:ds="http://schemas.openxmlformats.org/officeDocument/2006/customXml" ds:itemID="{51DEB809-6F6E-4DBA-AC8B-B78428F18073}">
   <ds:schemaRefs>
     <ds:schemaRef ds:uri="http://schemas.microsoft.com/office/2006/metadata/contentType"/>
@@ -17262,23 +17285,6 @@
 </ds:datastoreItem>
 </file>
 
-<file path=customXml/itemProps2.xml><?xml version="1.0" encoding="utf-8"?>
-<ds:datastoreItem xmlns:ds="http://schemas.openxmlformats.org/officeDocument/2006/customXml" ds:itemID="{6F31DA11-2199-41BE-BC93-BEAB414B1BC3}">
-  <ds:schemaRefs>
-    <ds:schemaRef ds:uri="http://schemas.microsoft.com/office/2006/metadata/properties"/>
-    <ds:schemaRef ds:uri="7060d464-6f08-4785-896b-020da5ebcc5d"/>
-    <ds:schemaRef ds:uri="http://www.w3.org/XML/1998/namespace"/>
-    <ds:schemaRef ds:uri="dfb9c78b-0f64-4b86-bcba-1a73bc5c8331"/>
-    <ds:schemaRef ds:uri="http://schemas.microsoft.com/office/2006/documentManagement/types"/>
-    <ds:schemaRef ds:uri="http://purl.org/dc/elements/1.1/"/>
-    <ds:schemaRef ds:uri="http://schemas.openxmlformats.org/package/2006/metadata/core-properties"/>
-    <ds:schemaRef ds:uri="http://purl.org/dc/terms/"/>
-    <ds:schemaRef ds:uri="http://schemas.microsoft.com/office/infopath/2007/PartnerControls"/>
-    <ds:schemaRef ds:uri="http://purl.org/dc/dcmitype/"/>
-  </ds:schemaRefs>
-</ds:datastoreItem>
-</file>
-
 <file path=customXml/itemProps3.xml><?xml version="1.0" encoding="utf-8"?>
 <ds:datastoreItem xmlns:ds="http://schemas.openxmlformats.org/officeDocument/2006/customXml" ds:itemID="{304F38C7-D00A-46F2-8C78-B5B8E6D641F5}">
   <ds:schemaRefs>
